--- a/figures/impl.pptx
+++ b/figures/impl.pptx
@@ -244,7 +244,7 @@
           <a:p>
             <a:fld id="{5D97E163-DB95-D24D-8C95-263DECB1FC34}" type="datetimeFigureOut">
               <a:rPr lang="en-US" smtClean="0"/>
-              <a:t>11/8/18</a:t>
+              <a:t>12/31/18</a:t>
             </a:fld>
             <a:endParaRPr lang="en-US"/>
           </a:p>
@@ -414,7 +414,7 @@
           <a:p>
             <a:fld id="{5D97E163-DB95-D24D-8C95-263DECB1FC34}" type="datetimeFigureOut">
               <a:rPr lang="en-US" smtClean="0"/>
-              <a:t>11/8/18</a:t>
+              <a:t>12/31/18</a:t>
             </a:fld>
             <a:endParaRPr lang="en-US"/>
           </a:p>
@@ -594,7 +594,7 @@
           <a:p>
             <a:fld id="{5D97E163-DB95-D24D-8C95-263DECB1FC34}" type="datetimeFigureOut">
               <a:rPr lang="en-US" smtClean="0"/>
-              <a:t>11/8/18</a:t>
+              <a:t>12/31/18</a:t>
             </a:fld>
             <a:endParaRPr lang="en-US"/>
           </a:p>
@@ -764,7 +764,7 @@
           <a:p>
             <a:fld id="{5D97E163-DB95-D24D-8C95-263DECB1FC34}" type="datetimeFigureOut">
               <a:rPr lang="en-US" smtClean="0"/>
-              <a:t>11/8/18</a:t>
+              <a:t>12/31/18</a:t>
             </a:fld>
             <a:endParaRPr lang="en-US"/>
           </a:p>
@@ -1010,7 +1010,7 @@
           <a:p>
             <a:fld id="{5D97E163-DB95-D24D-8C95-263DECB1FC34}" type="datetimeFigureOut">
               <a:rPr lang="en-US" smtClean="0"/>
-              <a:t>11/8/18</a:t>
+              <a:t>12/31/18</a:t>
             </a:fld>
             <a:endParaRPr lang="en-US"/>
           </a:p>
@@ -1242,7 +1242,7 @@
           <a:p>
             <a:fld id="{5D97E163-DB95-D24D-8C95-263DECB1FC34}" type="datetimeFigureOut">
               <a:rPr lang="en-US" smtClean="0"/>
-              <a:t>11/8/18</a:t>
+              <a:t>12/31/18</a:t>
             </a:fld>
             <a:endParaRPr lang="en-US"/>
           </a:p>
@@ -1609,7 +1609,7 @@
           <a:p>
             <a:fld id="{5D97E163-DB95-D24D-8C95-263DECB1FC34}" type="datetimeFigureOut">
               <a:rPr lang="en-US" smtClean="0"/>
-              <a:t>11/8/18</a:t>
+              <a:t>12/31/18</a:t>
             </a:fld>
             <a:endParaRPr lang="en-US"/>
           </a:p>
@@ -1727,7 +1727,7 @@
           <a:p>
             <a:fld id="{5D97E163-DB95-D24D-8C95-263DECB1FC34}" type="datetimeFigureOut">
               <a:rPr lang="en-US" smtClean="0"/>
-              <a:t>11/8/18</a:t>
+              <a:t>12/31/18</a:t>
             </a:fld>
             <a:endParaRPr lang="en-US"/>
           </a:p>
@@ -1822,7 +1822,7 @@
           <a:p>
             <a:fld id="{5D97E163-DB95-D24D-8C95-263DECB1FC34}" type="datetimeFigureOut">
               <a:rPr lang="en-US" smtClean="0"/>
-              <a:t>11/8/18</a:t>
+              <a:t>12/31/18</a:t>
             </a:fld>
             <a:endParaRPr lang="en-US"/>
           </a:p>
@@ -2099,7 +2099,7 @@
           <a:p>
             <a:fld id="{5D97E163-DB95-D24D-8C95-263DECB1FC34}" type="datetimeFigureOut">
               <a:rPr lang="en-US" smtClean="0"/>
-              <a:t>11/8/18</a:t>
+              <a:t>12/31/18</a:t>
             </a:fld>
             <a:endParaRPr lang="en-US"/>
           </a:p>
@@ -2352,7 +2352,7 @@
           <a:p>
             <a:fld id="{5D97E163-DB95-D24D-8C95-263DECB1FC34}" type="datetimeFigureOut">
               <a:rPr lang="en-US" smtClean="0"/>
-              <a:t>11/8/18</a:t>
+              <a:t>12/31/18</a:t>
             </a:fld>
             <a:endParaRPr lang="en-US"/>
           </a:p>
@@ -2565,7 +2565,7 @@
           <a:p>
             <a:fld id="{5D97E163-DB95-D24D-8C95-263DECB1FC34}" type="datetimeFigureOut">
               <a:rPr lang="en-US" smtClean="0"/>
-              <a:t>11/8/18</a:t>
+              <a:t>12/31/18</a:t>
             </a:fld>
             <a:endParaRPr lang="en-US"/>
           </a:p>
@@ -4086,24 +4086,17 @@
                   <a:schemeClr val="tx1"/>
                 </a:solidFill>
               </a:rPr>
-              <a:t>Network</a:t>
-            </a:r>
-          </a:p>
-          <a:p>
-            <a:pPr algn="ctr">
-              <a:lnSpc>
-                <a:spcPct val="90000"/>
-              </a:lnSpc>
-            </a:pPr>
-            <a:r>
-              <a:rPr lang="en-US" sz="2000" dirty="0" smtClean="0">
+              <a:t>Network </a:t>
+            </a:r>
+            <a:r>
+              <a:rPr lang="en-US" sz="2000" smtClean="0">
                 <a:solidFill>
                   <a:schemeClr val="tx1"/>
                 </a:solidFill>
               </a:rPr>
-              <a:t>Processor</a:t>
-            </a:r>
-            <a:endParaRPr lang="en-US" sz="2000" dirty="0">
+              <a:t>Processing Unit</a:t>
+            </a:r>
+            <a:endParaRPr lang="en-US" sz="2000" dirty="0" smtClean="0">
               <a:solidFill>
                 <a:schemeClr val="tx1"/>
               </a:solidFill>
@@ -4209,8 +4202,21 @@
                   <a:schemeClr val="tx1"/>
                 </a:solidFill>
               </a:rPr>
-              <a:t>TCAM (Forwarding Tables)</a:t>
-            </a:r>
+              <a:t>TCAM </a:t>
+            </a:r>
+            <a:r>
+              <a:rPr lang="en-US" dirty="0" smtClean="0">
+                <a:solidFill>
+                  <a:schemeClr val="tx1"/>
+                </a:solidFill>
+              </a:rPr>
+              <a:t>(Patterns to Match)</a:t>
+            </a:r>
+            <a:endParaRPr lang="en-US" dirty="0" smtClean="0">
+              <a:solidFill>
+                <a:schemeClr val="tx1"/>
+              </a:solidFill>
+            </a:endParaRPr>
           </a:p>
         </p:txBody>
       </p:sp>

--- a/figures/impl.pptx
+++ b/figures/impl.pptx
@@ -7,6 +7,8 @@
   <p:sldIdLst>
     <p:sldId id="257" r:id="rId2"/>
     <p:sldId id="256" r:id="rId3"/>
+    <p:sldId id="258" r:id="rId4"/>
+    <p:sldId id="259" r:id="rId5"/>
   </p:sldIdLst>
   <p:sldSz cx="12192000" cy="6858000"/>
   <p:notesSz cx="6858000" cy="9144000"/>
@@ -244,7 +246,7 @@
           <a:p>
             <a:fld id="{5D97E163-DB95-D24D-8C95-263DECB1FC34}" type="datetimeFigureOut">
               <a:rPr lang="en-US" smtClean="0"/>
-              <a:t>12/31/18</a:t>
+              <a:t>3/25/19</a:t>
             </a:fld>
             <a:endParaRPr lang="en-US"/>
           </a:p>
@@ -414,7 +416,7 @@
           <a:p>
             <a:fld id="{5D97E163-DB95-D24D-8C95-263DECB1FC34}" type="datetimeFigureOut">
               <a:rPr lang="en-US" smtClean="0"/>
-              <a:t>12/31/18</a:t>
+              <a:t>3/25/19</a:t>
             </a:fld>
             <a:endParaRPr lang="en-US"/>
           </a:p>
@@ -594,7 +596,7 @@
           <a:p>
             <a:fld id="{5D97E163-DB95-D24D-8C95-263DECB1FC34}" type="datetimeFigureOut">
               <a:rPr lang="en-US" smtClean="0"/>
-              <a:t>12/31/18</a:t>
+              <a:t>3/25/19</a:t>
             </a:fld>
             <a:endParaRPr lang="en-US"/>
           </a:p>
@@ -764,7 +766,7 @@
           <a:p>
             <a:fld id="{5D97E163-DB95-D24D-8C95-263DECB1FC34}" type="datetimeFigureOut">
               <a:rPr lang="en-US" smtClean="0"/>
-              <a:t>12/31/18</a:t>
+              <a:t>3/25/19</a:t>
             </a:fld>
             <a:endParaRPr lang="en-US"/>
           </a:p>
@@ -1010,7 +1012,7 @@
           <a:p>
             <a:fld id="{5D97E163-DB95-D24D-8C95-263DECB1FC34}" type="datetimeFigureOut">
               <a:rPr lang="en-US" smtClean="0"/>
-              <a:t>12/31/18</a:t>
+              <a:t>3/25/19</a:t>
             </a:fld>
             <a:endParaRPr lang="en-US"/>
           </a:p>
@@ -1242,7 +1244,7 @@
           <a:p>
             <a:fld id="{5D97E163-DB95-D24D-8C95-263DECB1FC34}" type="datetimeFigureOut">
               <a:rPr lang="en-US" smtClean="0"/>
-              <a:t>12/31/18</a:t>
+              <a:t>3/25/19</a:t>
             </a:fld>
             <a:endParaRPr lang="en-US"/>
           </a:p>
@@ -1609,7 +1611,7 @@
           <a:p>
             <a:fld id="{5D97E163-DB95-D24D-8C95-263DECB1FC34}" type="datetimeFigureOut">
               <a:rPr lang="en-US" smtClean="0"/>
-              <a:t>12/31/18</a:t>
+              <a:t>3/25/19</a:t>
             </a:fld>
             <a:endParaRPr lang="en-US"/>
           </a:p>
@@ -1727,7 +1729,7 @@
           <a:p>
             <a:fld id="{5D97E163-DB95-D24D-8C95-263DECB1FC34}" type="datetimeFigureOut">
               <a:rPr lang="en-US" smtClean="0"/>
-              <a:t>12/31/18</a:t>
+              <a:t>3/25/19</a:t>
             </a:fld>
             <a:endParaRPr lang="en-US"/>
           </a:p>
@@ -1822,7 +1824,7 @@
           <a:p>
             <a:fld id="{5D97E163-DB95-D24D-8C95-263DECB1FC34}" type="datetimeFigureOut">
               <a:rPr lang="en-US" smtClean="0"/>
-              <a:t>12/31/18</a:t>
+              <a:t>3/25/19</a:t>
             </a:fld>
             <a:endParaRPr lang="en-US"/>
           </a:p>
@@ -2099,7 +2101,7 @@
           <a:p>
             <a:fld id="{5D97E163-DB95-D24D-8C95-263DECB1FC34}" type="datetimeFigureOut">
               <a:rPr lang="en-US" smtClean="0"/>
-              <a:t>12/31/18</a:t>
+              <a:t>3/25/19</a:t>
             </a:fld>
             <a:endParaRPr lang="en-US"/>
           </a:p>
@@ -2352,7 +2354,7 @@
           <a:p>
             <a:fld id="{5D97E163-DB95-D24D-8C95-263DECB1FC34}" type="datetimeFigureOut">
               <a:rPr lang="en-US" smtClean="0"/>
-              <a:t>12/31/18</a:t>
+              <a:t>3/25/19</a:t>
             </a:fld>
             <a:endParaRPr lang="en-US"/>
           </a:p>
@@ -2565,7 +2567,7 @@
           <a:p>
             <a:fld id="{5D97E163-DB95-D24D-8C95-263DECB1FC34}" type="datetimeFigureOut">
               <a:rPr lang="en-US" smtClean="0"/>
-              <a:t>12/31/18</a:t>
+              <a:t>3/25/19</a:t>
             </a:fld>
             <a:endParaRPr lang="en-US"/>
           </a:p>
@@ -4202,21 +4204,8 @@
                   <a:schemeClr val="tx1"/>
                 </a:solidFill>
               </a:rPr>
-              <a:t>TCAM </a:t>
-            </a:r>
-            <a:r>
-              <a:rPr lang="en-US" dirty="0" smtClean="0">
-                <a:solidFill>
-                  <a:schemeClr val="tx1"/>
-                </a:solidFill>
-              </a:rPr>
-              <a:t>(Patterns to Match)</a:t>
-            </a:r>
-            <a:endParaRPr lang="en-US" dirty="0" smtClean="0">
-              <a:solidFill>
-                <a:schemeClr val="tx1"/>
-              </a:solidFill>
-            </a:endParaRPr>
+              <a:t>TCAM (Patterns to Match)</a:t>
+            </a:r>
           </a:p>
         </p:txBody>
       </p:sp>
@@ -5237,6 +5226,2817 @@
       </p:par>
     </p:tnLst>
   </p:timing>
+</p:sld>
+</file>
+
+<file path=ppt/slides/slide3.xml><?xml version="1.0" encoding="utf-8"?>
+<p:sld xmlns:a="http://schemas.openxmlformats.org/drawingml/2006/main" xmlns:r="http://schemas.openxmlformats.org/officeDocument/2006/relationships" xmlns:p="http://schemas.openxmlformats.org/presentationml/2006/main">
+  <p:cSld>
+    <p:spTree>
+      <p:nvGrpSpPr>
+        <p:cNvPr id="1" name=""/>
+        <p:cNvGrpSpPr/>
+        <p:nvPr/>
+      </p:nvGrpSpPr>
+      <p:grpSpPr>
+        <a:xfrm>
+          <a:off x="0" y="0"/>
+          <a:ext cx="0" cy="0"/>
+          <a:chOff x="0" y="0"/>
+          <a:chExt cx="0" cy="0"/>
+        </a:xfrm>
+      </p:grpSpPr>
+      <p:pic>
+        <p:nvPicPr>
+          <p:cNvPr id="2" name="Picture 1"/>
+          <p:cNvPicPr>
+            <a:picLocks noChangeAspect="1"/>
+          </p:cNvPicPr>
+          <p:nvPr/>
+        </p:nvPicPr>
+        <p:blipFill>
+          <a:blip r:embed="rId2">
+            <a:extLst>
+              <a:ext uri="{28A0092B-C50C-407E-A947-70E740481C1C}">
+                <a14:useLocalDpi xmlns:a14="http://schemas.microsoft.com/office/drawing/2010/main" val="0"/>
+              </a:ext>
+            </a:extLst>
+          </a:blip>
+          <a:stretch>
+            <a:fillRect/>
+          </a:stretch>
+        </p:blipFill>
+        <p:spPr>
+          <a:xfrm>
+            <a:off x="8056012" y="4105662"/>
+            <a:ext cx="1032983" cy="623252"/>
+          </a:xfrm>
+          <a:prstGeom prst="rect">
+            <a:avLst/>
+          </a:prstGeom>
+        </p:spPr>
+      </p:pic>
+      <p:pic>
+        <p:nvPicPr>
+          <p:cNvPr id="3" name="Picture 2"/>
+          <p:cNvPicPr>
+            <a:picLocks noChangeAspect="1"/>
+          </p:cNvPicPr>
+          <p:nvPr/>
+        </p:nvPicPr>
+        <p:blipFill>
+          <a:blip r:embed="rId2">
+            <a:extLst>
+              <a:ext uri="{28A0092B-C50C-407E-A947-70E740481C1C}">
+                <a14:useLocalDpi xmlns:a14="http://schemas.microsoft.com/office/drawing/2010/main" val="0"/>
+              </a:ext>
+            </a:extLst>
+          </a:blip>
+          <a:stretch>
+            <a:fillRect/>
+          </a:stretch>
+        </p:blipFill>
+        <p:spPr>
+          <a:xfrm>
+            <a:off x="6238175" y="4981112"/>
+            <a:ext cx="1032983" cy="623252"/>
+          </a:xfrm>
+          <a:prstGeom prst="rect">
+            <a:avLst/>
+          </a:prstGeom>
+        </p:spPr>
+      </p:pic>
+      <p:pic>
+        <p:nvPicPr>
+          <p:cNvPr id="4" name="Picture 3"/>
+          <p:cNvPicPr>
+            <a:picLocks noChangeAspect="1"/>
+          </p:cNvPicPr>
+          <p:nvPr/>
+        </p:nvPicPr>
+        <p:blipFill>
+          <a:blip r:embed="rId2">
+            <a:extLst>
+              <a:ext uri="{28A0092B-C50C-407E-A947-70E740481C1C}">
+                <a14:useLocalDpi xmlns:a14="http://schemas.microsoft.com/office/drawing/2010/main" val="0"/>
+              </a:ext>
+            </a:extLst>
+          </a:blip>
+          <a:stretch>
+            <a:fillRect/>
+          </a:stretch>
+        </p:blipFill>
+        <p:spPr>
+          <a:xfrm>
+            <a:off x="2903129" y="4930978"/>
+            <a:ext cx="1032983" cy="623252"/>
+          </a:xfrm>
+          <a:prstGeom prst="rect">
+            <a:avLst/>
+          </a:prstGeom>
+        </p:spPr>
+      </p:pic>
+      <p:pic>
+        <p:nvPicPr>
+          <p:cNvPr id="5" name="Picture 4"/>
+          <p:cNvPicPr>
+            <a:picLocks noChangeAspect="1"/>
+          </p:cNvPicPr>
+          <p:nvPr/>
+        </p:nvPicPr>
+        <p:blipFill>
+          <a:blip r:embed="rId2">
+            <a:extLst>
+              <a:ext uri="{28A0092B-C50C-407E-A947-70E740481C1C}">
+                <a14:useLocalDpi xmlns:a14="http://schemas.microsoft.com/office/drawing/2010/main" val="0"/>
+              </a:ext>
+            </a:extLst>
+          </a:blip>
+          <a:stretch>
+            <a:fillRect/>
+          </a:stretch>
+        </p:blipFill>
+        <p:spPr>
+          <a:xfrm>
+            <a:off x="4591710" y="5916259"/>
+            <a:ext cx="1032983" cy="623252"/>
+          </a:xfrm>
+          <a:prstGeom prst="rect">
+            <a:avLst/>
+          </a:prstGeom>
+        </p:spPr>
+      </p:pic>
+      <p:pic>
+        <p:nvPicPr>
+          <p:cNvPr id="6" name="Picture 5"/>
+          <p:cNvPicPr>
+            <a:picLocks noChangeAspect="1"/>
+          </p:cNvPicPr>
+          <p:nvPr/>
+        </p:nvPicPr>
+        <p:blipFill>
+          <a:blip r:embed="rId2">
+            <a:extLst>
+              <a:ext uri="{28A0092B-C50C-407E-A947-70E740481C1C}">
+                <a14:useLocalDpi xmlns:a14="http://schemas.microsoft.com/office/drawing/2010/main" val="0"/>
+              </a:ext>
+            </a:extLst>
+          </a:blip>
+          <a:stretch>
+            <a:fillRect/>
+          </a:stretch>
+        </p:blipFill>
+        <p:spPr>
+          <a:xfrm>
+            <a:off x="4651517" y="3945217"/>
+            <a:ext cx="1032983" cy="623252"/>
+          </a:xfrm>
+          <a:prstGeom prst="rect">
+            <a:avLst/>
+          </a:prstGeom>
+        </p:spPr>
+      </p:pic>
+      <p:cxnSp>
+        <p:nvCxnSpPr>
+          <p:cNvPr id="7" name="Straight Arrow Connector 6"/>
+          <p:cNvCxnSpPr/>
+          <p:nvPr/>
+        </p:nvCxnSpPr>
+        <p:spPr>
+          <a:xfrm flipH="1">
+            <a:off x="5099591" y="3345698"/>
+            <a:ext cx="17222" cy="2597279"/>
+          </a:xfrm>
+          <a:prstGeom prst="straightConnector1">
+            <a:avLst/>
+          </a:prstGeom>
+          <a:ln w="19050">
+            <a:prstDash val="sysDot"/>
+            <a:tailEnd type="triangle"/>
+          </a:ln>
+        </p:spPr>
+        <p:style>
+          <a:lnRef idx="1">
+            <a:schemeClr val="accent1"/>
+          </a:lnRef>
+          <a:fillRef idx="0">
+            <a:schemeClr val="accent1"/>
+          </a:fillRef>
+          <a:effectRef idx="0">
+            <a:schemeClr val="accent1"/>
+          </a:effectRef>
+          <a:fontRef idx="minor">
+            <a:schemeClr val="tx1"/>
+          </a:fontRef>
+        </p:style>
+      </p:cxnSp>
+      <p:cxnSp>
+        <p:nvCxnSpPr>
+          <p:cNvPr id="8" name="Straight Arrow Connector 7"/>
+          <p:cNvCxnSpPr/>
+          <p:nvPr/>
+        </p:nvCxnSpPr>
+        <p:spPr>
+          <a:xfrm flipH="1">
+            <a:off x="3495368" y="3315669"/>
+            <a:ext cx="8532" cy="1677637"/>
+          </a:xfrm>
+          <a:prstGeom prst="straightConnector1">
+            <a:avLst/>
+          </a:prstGeom>
+          <a:ln w="19050">
+            <a:prstDash val="sysDot"/>
+            <a:tailEnd type="triangle"/>
+          </a:ln>
+        </p:spPr>
+        <p:style>
+          <a:lnRef idx="1">
+            <a:schemeClr val="accent1"/>
+          </a:lnRef>
+          <a:fillRef idx="0">
+            <a:schemeClr val="accent1"/>
+          </a:fillRef>
+          <a:effectRef idx="0">
+            <a:schemeClr val="accent1"/>
+          </a:effectRef>
+          <a:fontRef idx="minor">
+            <a:schemeClr val="tx1"/>
+          </a:fontRef>
+        </p:style>
+      </p:cxnSp>
+      <p:sp>
+        <p:nvSpPr>
+          <p:cNvPr id="9" name="Rectangle 8"/>
+          <p:cNvSpPr/>
+          <p:nvPr/>
+        </p:nvSpPr>
+        <p:spPr>
+          <a:xfrm>
+            <a:off x="2527418" y="899647"/>
+            <a:ext cx="1364878" cy="1026586"/>
+          </a:xfrm>
+          <a:prstGeom prst="rect">
+            <a:avLst/>
+          </a:prstGeom>
+          <a:solidFill>
+            <a:schemeClr val="bg1"/>
+          </a:solidFill>
+          <a:ln w="57150">
+            <a:solidFill>
+              <a:srgbClr val="00B0F0"/>
+            </a:solidFill>
+          </a:ln>
+        </p:spPr>
+        <p:style>
+          <a:lnRef idx="2">
+            <a:schemeClr val="accent1">
+              <a:shade val="50000"/>
+            </a:schemeClr>
+          </a:lnRef>
+          <a:fillRef idx="1">
+            <a:schemeClr val="accent1"/>
+          </a:fillRef>
+          <a:effectRef idx="0">
+            <a:schemeClr val="accent1"/>
+          </a:effectRef>
+          <a:fontRef idx="minor">
+            <a:schemeClr val="lt1"/>
+          </a:fontRef>
+        </p:style>
+        <p:txBody>
+          <a:bodyPr rtlCol="0" anchor="ctr"/>
+          <a:lstStyle/>
+          <a:p>
+            <a:pPr algn="ctr"/>
+            <a:r>
+              <a:rPr lang="en-US" sz="2400" dirty="0" smtClean="0">
+                <a:solidFill>
+                  <a:schemeClr val="tx1"/>
+                </a:solidFill>
+              </a:rPr>
+              <a:t>Control</a:t>
+            </a:r>
+          </a:p>
+          <a:p>
+            <a:pPr algn="ctr"/>
+            <a:r>
+              <a:rPr lang="en-US" sz="2400" dirty="0" smtClean="0">
+                <a:solidFill>
+                  <a:schemeClr val="tx1"/>
+                </a:solidFill>
+              </a:rPr>
+              <a:t>App</a:t>
+            </a:r>
+            <a:endParaRPr lang="en-US" sz="2400" dirty="0">
+              <a:solidFill>
+                <a:schemeClr val="tx1"/>
+              </a:solidFill>
+            </a:endParaRPr>
+          </a:p>
+        </p:txBody>
+      </p:sp>
+      <p:sp>
+        <p:nvSpPr>
+          <p:cNvPr id="10" name="Rectangle 9"/>
+          <p:cNvSpPr/>
+          <p:nvPr/>
+        </p:nvSpPr>
+        <p:spPr>
+          <a:xfrm>
+            <a:off x="4066166" y="899647"/>
+            <a:ext cx="1364878" cy="1026586"/>
+          </a:xfrm>
+          <a:prstGeom prst="rect">
+            <a:avLst/>
+          </a:prstGeom>
+          <a:solidFill>
+            <a:schemeClr val="bg1"/>
+          </a:solidFill>
+          <a:ln w="57150">
+            <a:solidFill>
+              <a:srgbClr val="00B0F0"/>
+            </a:solidFill>
+          </a:ln>
+        </p:spPr>
+        <p:style>
+          <a:lnRef idx="2">
+            <a:schemeClr val="accent1">
+              <a:shade val="50000"/>
+            </a:schemeClr>
+          </a:lnRef>
+          <a:fillRef idx="1">
+            <a:schemeClr val="accent1"/>
+          </a:fillRef>
+          <a:effectRef idx="0">
+            <a:schemeClr val="accent1"/>
+          </a:effectRef>
+          <a:fontRef idx="minor">
+            <a:schemeClr val="lt1"/>
+          </a:fontRef>
+        </p:style>
+        <p:txBody>
+          <a:bodyPr rtlCol="0" anchor="ctr"/>
+          <a:lstStyle/>
+          <a:p>
+            <a:pPr algn="ctr"/>
+            <a:r>
+              <a:rPr lang="en-US" sz="2400" dirty="0" smtClean="0">
+                <a:solidFill>
+                  <a:schemeClr val="tx1"/>
+                </a:solidFill>
+              </a:rPr>
+              <a:t>Control</a:t>
+            </a:r>
+          </a:p>
+          <a:p>
+            <a:pPr algn="ctr"/>
+            <a:r>
+              <a:rPr lang="en-US" sz="2400" dirty="0" smtClean="0">
+                <a:solidFill>
+                  <a:schemeClr val="tx1"/>
+                </a:solidFill>
+              </a:rPr>
+              <a:t>App</a:t>
+            </a:r>
+            <a:endParaRPr lang="en-US" sz="2400" dirty="0">
+              <a:solidFill>
+                <a:schemeClr val="tx1"/>
+              </a:solidFill>
+            </a:endParaRPr>
+          </a:p>
+        </p:txBody>
+      </p:sp>
+      <p:sp>
+        <p:nvSpPr>
+          <p:cNvPr id="11" name="Rectangle 10"/>
+          <p:cNvSpPr/>
+          <p:nvPr/>
+        </p:nvSpPr>
+        <p:spPr>
+          <a:xfrm>
+            <a:off x="5604914" y="899647"/>
+            <a:ext cx="1364878" cy="1026586"/>
+          </a:xfrm>
+          <a:prstGeom prst="rect">
+            <a:avLst/>
+          </a:prstGeom>
+          <a:solidFill>
+            <a:schemeClr val="bg1"/>
+          </a:solidFill>
+          <a:ln w="57150">
+            <a:solidFill>
+              <a:srgbClr val="00B0F0"/>
+            </a:solidFill>
+          </a:ln>
+        </p:spPr>
+        <p:style>
+          <a:lnRef idx="2">
+            <a:schemeClr val="accent1">
+              <a:shade val="50000"/>
+            </a:schemeClr>
+          </a:lnRef>
+          <a:fillRef idx="1">
+            <a:schemeClr val="accent1"/>
+          </a:fillRef>
+          <a:effectRef idx="0">
+            <a:schemeClr val="accent1"/>
+          </a:effectRef>
+          <a:fontRef idx="minor">
+            <a:schemeClr val="lt1"/>
+          </a:fontRef>
+        </p:style>
+        <p:txBody>
+          <a:bodyPr rtlCol="0" anchor="ctr"/>
+          <a:lstStyle/>
+          <a:p>
+            <a:pPr algn="ctr"/>
+            <a:r>
+              <a:rPr lang="en-US" sz="2400" dirty="0" smtClean="0">
+                <a:solidFill>
+                  <a:schemeClr val="tx1"/>
+                </a:solidFill>
+              </a:rPr>
+              <a:t>Control</a:t>
+            </a:r>
+          </a:p>
+          <a:p>
+            <a:pPr algn="ctr"/>
+            <a:r>
+              <a:rPr lang="en-US" sz="2400" dirty="0" smtClean="0">
+                <a:solidFill>
+                  <a:schemeClr val="tx1"/>
+                </a:solidFill>
+              </a:rPr>
+              <a:t>App</a:t>
+            </a:r>
+            <a:endParaRPr lang="en-US" sz="2400" dirty="0">
+              <a:solidFill>
+                <a:schemeClr val="tx1"/>
+              </a:solidFill>
+            </a:endParaRPr>
+          </a:p>
+        </p:txBody>
+      </p:sp>
+      <p:sp>
+        <p:nvSpPr>
+          <p:cNvPr id="12" name="Rectangle 11"/>
+          <p:cNvSpPr/>
+          <p:nvPr/>
+        </p:nvSpPr>
+        <p:spPr>
+          <a:xfrm>
+            <a:off x="8194160" y="899647"/>
+            <a:ext cx="1364878" cy="1026586"/>
+          </a:xfrm>
+          <a:prstGeom prst="rect">
+            <a:avLst/>
+          </a:prstGeom>
+          <a:solidFill>
+            <a:schemeClr val="bg1"/>
+          </a:solidFill>
+          <a:ln w="57150">
+            <a:solidFill>
+              <a:srgbClr val="00B0F0"/>
+            </a:solidFill>
+          </a:ln>
+        </p:spPr>
+        <p:style>
+          <a:lnRef idx="2">
+            <a:schemeClr val="accent1">
+              <a:shade val="50000"/>
+            </a:schemeClr>
+          </a:lnRef>
+          <a:fillRef idx="1">
+            <a:schemeClr val="accent1"/>
+          </a:fillRef>
+          <a:effectRef idx="0">
+            <a:schemeClr val="accent1"/>
+          </a:effectRef>
+          <a:fontRef idx="minor">
+            <a:schemeClr val="lt1"/>
+          </a:fontRef>
+        </p:style>
+        <p:txBody>
+          <a:bodyPr rtlCol="0" anchor="ctr"/>
+          <a:lstStyle/>
+          <a:p>
+            <a:pPr algn="ctr"/>
+            <a:r>
+              <a:rPr lang="en-US" sz="2400" dirty="0" smtClean="0">
+                <a:solidFill>
+                  <a:schemeClr val="tx1"/>
+                </a:solidFill>
+              </a:rPr>
+              <a:t>Control</a:t>
+            </a:r>
+          </a:p>
+          <a:p>
+            <a:pPr algn="ctr"/>
+            <a:r>
+              <a:rPr lang="en-US" sz="2400" dirty="0" smtClean="0">
+                <a:solidFill>
+                  <a:schemeClr val="tx1"/>
+                </a:solidFill>
+              </a:rPr>
+              <a:t>App</a:t>
+            </a:r>
+            <a:endParaRPr lang="en-US" sz="2400" dirty="0">
+              <a:solidFill>
+                <a:schemeClr val="tx1"/>
+              </a:solidFill>
+            </a:endParaRPr>
+          </a:p>
+        </p:txBody>
+      </p:sp>
+      <p:sp>
+        <p:nvSpPr>
+          <p:cNvPr id="13" name="TextBox 12"/>
+          <p:cNvSpPr txBox="1"/>
+          <p:nvPr/>
+        </p:nvSpPr>
+        <p:spPr>
+          <a:xfrm>
+            <a:off x="7374194" y="1412940"/>
+            <a:ext cx="463588" cy="369332"/>
+          </a:xfrm>
+          <a:prstGeom prst="rect">
+            <a:avLst/>
+          </a:prstGeom>
+          <a:noFill/>
+        </p:spPr>
+        <p:txBody>
+          <a:bodyPr wrap="none" rtlCol="0">
+            <a:spAutoFit/>
+          </a:bodyPr>
+          <a:lstStyle/>
+          <a:p>
+            <a:r>
+              <a:rPr lang="en-US" dirty="0" smtClean="0"/>
+              <a:t>. . .</a:t>
+            </a:r>
+            <a:endParaRPr lang="en-US" dirty="0"/>
+          </a:p>
+        </p:txBody>
+      </p:sp>
+      <p:cxnSp>
+        <p:nvCxnSpPr>
+          <p:cNvPr id="14" name="Straight Connector 13"/>
+          <p:cNvCxnSpPr/>
+          <p:nvPr/>
+        </p:nvCxnSpPr>
+        <p:spPr>
+          <a:xfrm flipH="1">
+            <a:off x="3861851" y="4466897"/>
+            <a:ext cx="1111248" cy="621297"/>
+          </a:xfrm>
+          <a:prstGeom prst="line">
+            <a:avLst/>
+          </a:prstGeom>
+          <a:ln w="28575"/>
+        </p:spPr>
+        <p:style>
+          <a:lnRef idx="1">
+            <a:schemeClr val="accent1"/>
+          </a:lnRef>
+          <a:fillRef idx="0">
+            <a:schemeClr val="accent1"/>
+          </a:fillRef>
+          <a:effectRef idx="0">
+            <a:schemeClr val="accent1"/>
+          </a:effectRef>
+          <a:fontRef idx="minor">
+            <a:schemeClr val="tx1"/>
+          </a:fontRef>
+        </p:style>
+      </p:cxnSp>
+      <p:cxnSp>
+        <p:nvCxnSpPr>
+          <p:cNvPr id="15" name="Straight Connector 14"/>
+          <p:cNvCxnSpPr/>
+          <p:nvPr/>
+        </p:nvCxnSpPr>
+        <p:spPr>
+          <a:xfrm flipH="1" flipV="1">
+            <a:off x="3936112" y="5242604"/>
+            <a:ext cx="843822" cy="710560"/>
+          </a:xfrm>
+          <a:prstGeom prst="line">
+            <a:avLst/>
+          </a:prstGeom>
+          <a:ln w="28575"/>
+        </p:spPr>
+        <p:style>
+          <a:lnRef idx="1">
+            <a:schemeClr val="accent1"/>
+          </a:lnRef>
+          <a:fillRef idx="0">
+            <a:schemeClr val="accent1"/>
+          </a:fillRef>
+          <a:effectRef idx="0">
+            <a:schemeClr val="accent1"/>
+          </a:effectRef>
+          <a:fontRef idx="minor">
+            <a:schemeClr val="tx1"/>
+          </a:fontRef>
+        </p:style>
+      </p:cxnSp>
+      <p:cxnSp>
+        <p:nvCxnSpPr>
+          <p:cNvPr id="16" name="Straight Connector 15"/>
+          <p:cNvCxnSpPr/>
+          <p:nvPr/>
+        </p:nvCxnSpPr>
+        <p:spPr>
+          <a:xfrm flipH="1" flipV="1">
+            <a:off x="5562341" y="4525367"/>
+            <a:ext cx="792959" cy="565355"/>
+          </a:xfrm>
+          <a:prstGeom prst="line">
+            <a:avLst/>
+          </a:prstGeom>
+          <a:ln w="28575"/>
+        </p:spPr>
+        <p:style>
+          <a:lnRef idx="1">
+            <a:schemeClr val="accent1"/>
+          </a:lnRef>
+          <a:fillRef idx="0">
+            <a:schemeClr val="accent1"/>
+          </a:fillRef>
+          <a:effectRef idx="0">
+            <a:schemeClr val="accent1"/>
+          </a:effectRef>
+          <a:fontRef idx="minor">
+            <a:schemeClr val="tx1"/>
+          </a:fontRef>
+        </p:style>
+      </p:cxnSp>
+      <p:cxnSp>
+        <p:nvCxnSpPr>
+          <p:cNvPr id="17" name="Straight Arrow Connector 16"/>
+          <p:cNvCxnSpPr/>
+          <p:nvPr/>
+        </p:nvCxnSpPr>
+        <p:spPr>
+          <a:xfrm flipH="1">
+            <a:off x="6772852" y="3329090"/>
+            <a:ext cx="8532" cy="1677637"/>
+          </a:xfrm>
+          <a:prstGeom prst="straightConnector1">
+            <a:avLst/>
+          </a:prstGeom>
+          <a:ln w="19050">
+            <a:prstDash val="sysDot"/>
+            <a:tailEnd type="triangle"/>
+          </a:ln>
+        </p:spPr>
+        <p:style>
+          <a:lnRef idx="1">
+            <a:schemeClr val="accent1"/>
+          </a:lnRef>
+          <a:fillRef idx="0">
+            <a:schemeClr val="accent1"/>
+          </a:fillRef>
+          <a:effectRef idx="0">
+            <a:schemeClr val="accent1"/>
+          </a:effectRef>
+          <a:fontRef idx="minor">
+            <a:schemeClr val="tx1"/>
+          </a:fontRef>
+        </p:style>
+      </p:cxnSp>
+      <p:cxnSp>
+        <p:nvCxnSpPr>
+          <p:cNvPr id="18" name="Straight Arrow Connector 17"/>
+          <p:cNvCxnSpPr/>
+          <p:nvPr/>
+        </p:nvCxnSpPr>
+        <p:spPr>
+          <a:xfrm flipH="1">
+            <a:off x="8412964" y="2439364"/>
+            <a:ext cx="8532" cy="1677637"/>
+          </a:xfrm>
+          <a:prstGeom prst="straightConnector1">
+            <a:avLst/>
+          </a:prstGeom>
+          <a:ln w="19050">
+            <a:prstDash val="sysDot"/>
+            <a:tailEnd type="triangle"/>
+          </a:ln>
+        </p:spPr>
+        <p:style>
+          <a:lnRef idx="1">
+            <a:schemeClr val="accent1"/>
+          </a:lnRef>
+          <a:fillRef idx="0">
+            <a:schemeClr val="accent1"/>
+          </a:fillRef>
+          <a:effectRef idx="0">
+            <a:schemeClr val="accent1"/>
+          </a:effectRef>
+          <a:fontRef idx="minor">
+            <a:schemeClr val="tx1"/>
+          </a:fontRef>
+        </p:style>
+      </p:cxnSp>
+      <p:cxnSp>
+        <p:nvCxnSpPr>
+          <p:cNvPr id="19" name="Straight Arrow Connector 18"/>
+          <p:cNvCxnSpPr/>
+          <p:nvPr/>
+        </p:nvCxnSpPr>
+        <p:spPr>
+          <a:xfrm flipH="1">
+            <a:off x="5229760" y="2328399"/>
+            <a:ext cx="8532" cy="1677637"/>
+          </a:xfrm>
+          <a:prstGeom prst="straightConnector1">
+            <a:avLst/>
+          </a:prstGeom>
+          <a:ln w="19050">
+            <a:prstDash val="sysDot"/>
+            <a:tailEnd type="triangle"/>
+          </a:ln>
+        </p:spPr>
+        <p:style>
+          <a:lnRef idx="1">
+            <a:schemeClr val="accent1"/>
+          </a:lnRef>
+          <a:fillRef idx="0">
+            <a:schemeClr val="accent1"/>
+          </a:fillRef>
+          <a:effectRef idx="0">
+            <a:schemeClr val="accent1"/>
+          </a:effectRef>
+          <a:fontRef idx="minor">
+            <a:schemeClr val="tx1"/>
+          </a:fontRef>
+        </p:style>
+      </p:cxnSp>
+      <p:sp>
+        <p:nvSpPr>
+          <p:cNvPr id="20" name="Rectangle 19"/>
+          <p:cNvSpPr/>
+          <p:nvPr/>
+        </p:nvSpPr>
+        <p:spPr>
+          <a:xfrm>
+            <a:off x="2527418" y="2138516"/>
+            <a:ext cx="7031620" cy="1341417"/>
+          </a:xfrm>
+          <a:prstGeom prst="rect">
+            <a:avLst/>
+          </a:prstGeom>
+          <a:solidFill>
+            <a:srgbClr val="CFE7F1"/>
+          </a:solidFill>
+          <a:ln w="57150">
+            <a:solidFill>
+              <a:srgbClr val="00B0F0"/>
+            </a:solidFill>
+          </a:ln>
+        </p:spPr>
+        <p:style>
+          <a:lnRef idx="2">
+            <a:schemeClr val="accent1">
+              <a:shade val="50000"/>
+            </a:schemeClr>
+          </a:lnRef>
+          <a:fillRef idx="1">
+            <a:schemeClr val="accent1"/>
+          </a:fillRef>
+          <a:effectRef idx="0">
+            <a:schemeClr val="accent1"/>
+          </a:effectRef>
+          <a:fontRef idx="minor">
+            <a:schemeClr val="lt1"/>
+          </a:fontRef>
+        </p:style>
+        <p:txBody>
+          <a:bodyPr rtlCol="0" anchor="ctr"/>
+          <a:lstStyle/>
+          <a:p>
+            <a:pPr algn="ctr"/>
+            <a:r>
+              <a:rPr lang="en-US" sz="2800" dirty="0" smtClean="0">
+                <a:solidFill>
+                  <a:schemeClr val="tx1"/>
+                </a:solidFill>
+              </a:rPr>
+              <a:t>Network OS</a:t>
+            </a:r>
+            <a:endParaRPr lang="en-US" sz="2800" dirty="0">
+              <a:solidFill>
+                <a:schemeClr val="tx1"/>
+              </a:solidFill>
+            </a:endParaRPr>
+          </a:p>
+        </p:txBody>
+      </p:sp>
+      <p:grpSp>
+        <p:nvGrpSpPr>
+          <p:cNvPr id="21" name="Group 20"/>
+          <p:cNvGrpSpPr/>
+          <p:nvPr/>
+        </p:nvGrpSpPr>
+        <p:grpSpPr>
+          <a:xfrm>
+            <a:off x="7498189" y="2268641"/>
+            <a:ext cx="1096671" cy="1083466"/>
+            <a:chOff x="10279626" y="1055050"/>
+            <a:chExt cx="1096671" cy="1083466"/>
+          </a:xfrm>
+        </p:grpSpPr>
+        <p:sp>
+          <p:nvSpPr>
+            <p:cNvPr id="22" name="Oval 21"/>
+            <p:cNvSpPr/>
+            <p:nvPr/>
+          </p:nvSpPr>
+          <p:spPr>
+            <a:xfrm>
+              <a:off x="10279626" y="1590548"/>
+              <a:ext cx="250722" cy="267749"/>
+            </a:xfrm>
+            <a:prstGeom prst="ellipse">
+              <a:avLst/>
+            </a:prstGeom>
+          </p:spPr>
+          <p:style>
+            <a:lnRef idx="2">
+              <a:schemeClr val="accent1">
+                <a:shade val="50000"/>
+              </a:schemeClr>
+            </a:lnRef>
+            <a:fillRef idx="1">
+              <a:schemeClr val="accent1"/>
+            </a:fillRef>
+            <a:effectRef idx="0">
+              <a:schemeClr val="accent1"/>
+            </a:effectRef>
+            <a:fontRef idx="minor">
+              <a:schemeClr val="lt1"/>
+            </a:fontRef>
+          </p:style>
+          <p:txBody>
+            <a:bodyPr rtlCol="0" anchor="ctr"/>
+            <a:lstStyle/>
+            <a:p>
+              <a:pPr algn="ctr"/>
+              <a:endParaRPr lang="en-US"/>
+            </a:p>
+          </p:txBody>
+        </p:sp>
+        <p:sp>
+          <p:nvSpPr>
+            <p:cNvPr id="23" name="Oval 22"/>
+            <p:cNvSpPr/>
+            <p:nvPr/>
+          </p:nvSpPr>
+          <p:spPr>
+            <a:xfrm>
+              <a:off x="10682748" y="1870767"/>
+              <a:ext cx="250722" cy="267749"/>
+            </a:xfrm>
+            <a:prstGeom prst="ellipse">
+              <a:avLst/>
+            </a:prstGeom>
+          </p:spPr>
+          <p:style>
+            <a:lnRef idx="2">
+              <a:schemeClr val="accent1">
+                <a:shade val="50000"/>
+              </a:schemeClr>
+            </a:lnRef>
+            <a:fillRef idx="1">
+              <a:schemeClr val="accent1"/>
+            </a:fillRef>
+            <a:effectRef idx="0">
+              <a:schemeClr val="accent1"/>
+            </a:effectRef>
+            <a:fontRef idx="minor">
+              <a:schemeClr val="lt1"/>
+            </a:fontRef>
+          </p:style>
+          <p:txBody>
+            <a:bodyPr rtlCol="0" anchor="ctr"/>
+            <a:lstStyle/>
+            <a:p>
+              <a:pPr algn="ctr"/>
+              <a:endParaRPr lang="en-US"/>
+            </a:p>
+          </p:txBody>
+        </p:sp>
+        <p:sp>
+          <p:nvSpPr>
+            <p:cNvPr id="24" name="Oval 23"/>
+            <p:cNvSpPr/>
+            <p:nvPr/>
+          </p:nvSpPr>
+          <p:spPr>
+            <a:xfrm>
+              <a:off x="10682748" y="1322799"/>
+              <a:ext cx="250722" cy="267749"/>
+            </a:xfrm>
+            <a:prstGeom prst="ellipse">
+              <a:avLst/>
+            </a:prstGeom>
+          </p:spPr>
+          <p:style>
+            <a:lnRef idx="2">
+              <a:schemeClr val="accent1">
+                <a:shade val="50000"/>
+              </a:schemeClr>
+            </a:lnRef>
+            <a:fillRef idx="1">
+              <a:schemeClr val="accent1"/>
+            </a:fillRef>
+            <a:effectRef idx="0">
+              <a:schemeClr val="accent1"/>
+            </a:effectRef>
+            <a:fontRef idx="minor">
+              <a:schemeClr val="lt1"/>
+            </a:fontRef>
+          </p:style>
+          <p:txBody>
+            <a:bodyPr rtlCol="0" anchor="ctr"/>
+            <a:lstStyle/>
+            <a:p>
+              <a:pPr algn="ctr"/>
+              <a:endParaRPr lang="en-US"/>
+            </a:p>
+          </p:txBody>
+        </p:sp>
+        <p:sp>
+          <p:nvSpPr>
+            <p:cNvPr id="25" name="Oval 24"/>
+            <p:cNvSpPr/>
+            <p:nvPr/>
+          </p:nvSpPr>
+          <p:spPr>
+            <a:xfrm>
+              <a:off x="11125575" y="1055050"/>
+              <a:ext cx="250722" cy="267749"/>
+            </a:xfrm>
+            <a:prstGeom prst="ellipse">
+              <a:avLst/>
+            </a:prstGeom>
+          </p:spPr>
+          <p:style>
+            <a:lnRef idx="2">
+              <a:schemeClr val="accent1">
+                <a:shade val="50000"/>
+              </a:schemeClr>
+            </a:lnRef>
+            <a:fillRef idx="1">
+              <a:schemeClr val="accent1"/>
+            </a:fillRef>
+            <a:effectRef idx="0">
+              <a:schemeClr val="accent1"/>
+            </a:effectRef>
+            <a:fontRef idx="minor">
+              <a:schemeClr val="lt1"/>
+            </a:fontRef>
+          </p:style>
+          <p:txBody>
+            <a:bodyPr rtlCol="0" anchor="ctr"/>
+            <a:lstStyle/>
+            <a:p>
+              <a:pPr algn="ctr"/>
+              <a:endParaRPr lang="en-US"/>
+            </a:p>
+          </p:txBody>
+        </p:sp>
+        <p:sp>
+          <p:nvSpPr>
+            <p:cNvPr id="26" name="Oval 25"/>
+            <p:cNvSpPr/>
+            <p:nvPr/>
+          </p:nvSpPr>
+          <p:spPr>
+            <a:xfrm>
+              <a:off x="11125575" y="1590547"/>
+              <a:ext cx="250722" cy="267749"/>
+            </a:xfrm>
+            <a:prstGeom prst="ellipse">
+              <a:avLst/>
+            </a:prstGeom>
+          </p:spPr>
+          <p:style>
+            <a:lnRef idx="2">
+              <a:schemeClr val="accent1">
+                <a:shade val="50000"/>
+              </a:schemeClr>
+            </a:lnRef>
+            <a:fillRef idx="1">
+              <a:schemeClr val="accent1"/>
+            </a:fillRef>
+            <a:effectRef idx="0">
+              <a:schemeClr val="accent1"/>
+            </a:effectRef>
+            <a:fontRef idx="minor">
+              <a:schemeClr val="lt1"/>
+            </a:fontRef>
+          </p:style>
+          <p:txBody>
+            <a:bodyPr rtlCol="0" anchor="ctr"/>
+            <a:lstStyle/>
+            <a:p>
+              <a:pPr algn="ctr"/>
+              <a:endParaRPr lang="en-US"/>
+            </a:p>
+          </p:txBody>
+        </p:sp>
+        <p:cxnSp>
+          <p:nvCxnSpPr>
+            <p:cNvPr id="27" name="Straight Connector 26"/>
+            <p:cNvCxnSpPr>
+              <a:stCxn id="20" idx="7"/>
+            </p:cNvCxnSpPr>
+            <p:nvPr/>
+          </p:nvCxnSpPr>
+          <p:spPr>
+            <a:xfrm flipV="1">
+              <a:off x="10493631" y="1094261"/>
+              <a:ext cx="845949" cy="535498"/>
+            </a:xfrm>
+            <a:prstGeom prst="line">
+              <a:avLst/>
+            </a:prstGeom>
+          </p:spPr>
+          <p:style>
+            <a:lnRef idx="1">
+              <a:schemeClr val="accent1"/>
+            </a:lnRef>
+            <a:fillRef idx="0">
+              <a:schemeClr val="accent1"/>
+            </a:fillRef>
+            <a:effectRef idx="0">
+              <a:schemeClr val="accent1"/>
+            </a:effectRef>
+            <a:fontRef idx="minor">
+              <a:schemeClr val="tx1"/>
+            </a:fontRef>
+          </p:style>
+        </p:cxnSp>
+        <p:cxnSp>
+          <p:nvCxnSpPr>
+            <p:cNvPr id="28" name="Straight Connector 27"/>
+            <p:cNvCxnSpPr/>
+            <p:nvPr/>
+          </p:nvCxnSpPr>
+          <p:spPr>
+            <a:xfrm flipH="1">
+              <a:off x="10896753" y="1629758"/>
+              <a:ext cx="442827" cy="280220"/>
+            </a:xfrm>
+            <a:prstGeom prst="line">
+              <a:avLst/>
+            </a:prstGeom>
+          </p:spPr>
+          <p:style>
+            <a:lnRef idx="1">
+              <a:schemeClr val="accent1"/>
+            </a:lnRef>
+            <a:fillRef idx="0">
+              <a:schemeClr val="accent1"/>
+            </a:fillRef>
+            <a:effectRef idx="0">
+              <a:schemeClr val="accent1"/>
+            </a:effectRef>
+            <a:fontRef idx="minor">
+              <a:schemeClr val="tx1"/>
+            </a:fontRef>
+          </p:style>
+        </p:cxnSp>
+        <p:cxnSp>
+          <p:nvCxnSpPr>
+            <p:cNvPr id="29" name="Straight Connector 28"/>
+            <p:cNvCxnSpPr/>
+            <p:nvPr/>
+          </p:nvCxnSpPr>
+          <p:spPr>
+            <a:xfrm>
+              <a:off x="10719465" y="1362010"/>
+              <a:ext cx="620115" cy="457075"/>
+            </a:xfrm>
+            <a:prstGeom prst="line">
+              <a:avLst/>
+            </a:prstGeom>
+          </p:spPr>
+          <p:style>
+            <a:lnRef idx="1">
+              <a:schemeClr val="accent1"/>
+            </a:lnRef>
+            <a:fillRef idx="0">
+              <a:schemeClr val="accent1"/>
+            </a:fillRef>
+            <a:effectRef idx="0">
+              <a:schemeClr val="accent1"/>
+            </a:effectRef>
+            <a:fontRef idx="minor">
+              <a:schemeClr val="tx1"/>
+            </a:fontRef>
+          </p:style>
+        </p:cxnSp>
+        <p:cxnSp>
+          <p:nvCxnSpPr>
+            <p:cNvPr id="30" name="Straight Connector 29"/>
+            <p:cNvCxnSpPr>
+              <a:stCxn id="20" idx="1"/>
+            </p:cNvCxnSpPr>
+            <p:nvPr/>
+          </p:nvCxnSpPr>
+          <p:spPr>
+            <a:xfrm>
+              <a:off x="10316343" y="1629759"/>
+              <a:ext cx="580410" cy="469546"/>
+            </a:xfrm>
+            <a:prstGeom prst="line">
+              <a:avLst/>
+            </a:prstGeom>
+          </p:spPr>
+          <p:style>
+            <a:lnRef idx="1">
+              <a:schemeClr val="accent1"/>
+            </a:lnRef>
+            <a:fillRef idx="0">
+              <a:schemeClr val="accent1"/>
+            </a:fillRef>
+            <a:effectRef idx="0">
+              <a:schemeClr val="accent1"/>
+            </a:effectRef>
+            <a:fontRef idx="minor">
+              <a:schemeClr val="tx1"/>
+            </a:fontRef>
+          </p:style>
+        </p:cxnSp>
+        <p:cxnSp>
+          <p:nvCxnSpPr>
+            <p:cNvPr id="31" name="Straight Connector 30"/>
+            <p:cNvCxnSpPr/>
+            <p:nvPr/>
+          </p:nvCxnSpPr>
+          <p:spPr>
+            <a:xfrm>
+              <a:off x="11250936" y="1322799"/>
+              <a:ext cx="0" cy="267748"/>
+            </a:xfrm>
+            <a:prstGeom prst="line">
+              <a:avLst/>
+            </a:prstGeom>
+          </p:spPr>
+          <p:style>
+            <a:lnRef idx="1">
+              <a:schemeClr val="accent1"/>
+            </a:lnRef>
+            <a:fillRef idx="0">
+              <a:schemeClr val="accent1"/>
+            </a:fillRef>
+            <a:effectRef idx="0">
+              <a:schemeClr val="accent1"/>
+            </a:effectRef>
+            <a:fontRef idx="minor">
+              <a:schemeClr val="tx1"/>
+            </a:fontRef>
+          </p:style>
+        </p:cxnSp>
+      </p:grpSp>
+      <p:sp>
+        <p:nvSpPr>
+          <p:cNvPr id="32" name="TextBox 31"/>
+          <p:cNvSpPr txBox="1"/>
+          <p:nvPr/>
+        </p:nvSpPr>
+        <p:spPr>
+          <a:xfrm>
+            <a:off x="8592290" y="2179241"/>
+            <a:ext cx="994183" cy="923330"/>
+          </a:xfrm>
+          <a:prstGeom prst="rect">
+            <a:avLst/>
+          </a:prstGeom>
+          <a:noFill/>
+        </p:spPr>
+        <p:txBody>
+          <a:bodyPr wrap="none" rtlCol="0">
+            <a:spAutoFit/>
+          </a:bodyPr>
+          <a:lstStyle/>
+          <a:p>
+            <a:r>
+              <a:rPr lang="en-US" dirty="0" smtClean="0"/>
+              <a:t>Global </a:t>
+            </a:r>
+          </a:p>
+          <a:p>
+            <a:r>
+              <a:rPr lang="en-US" dirty="0" smtClean="0"/>
+              <a:t>Network</a:t>
+            </a:r>
+          </a:p>
+          <a:p>
+            <a:r>
+              <a:rPr lang="en-US" dirty="0" smtClean="0"/>
+              <a:t>Map</a:t>
+            </a:r>
+            <a:endParaRPr lang="en-US" dirty="0"/>
+          </a:p>
+        </p:txBody>
+      </p:sp>
+      <p:cxnSp>
+        <p:nvCxnSpPr>
+          <p:cNvPr id="33" name="Straight Connector 32"/>
+          <p:cNvCxnSpPr/>
+          <p:nvPr/>
+        </p:nvCxnSpPr>
+        <p:spPr>
+          <a:xfrm>
+            <a:off x="2483174" y="3729231"/>
+            <a:ext cx="8548621" cy="13701"/>
+          </a:xfrm>
+          <a:prstGeom prst="line">
+            <a:avLst/>
+          </a:prstGeom>
+          <a:ln w="9525">
+            <a:prstDash val="solid"/>
+          </a:ln>
+        </p:spPr>
+        <p:style>
+          <a:lnRef idx="1">
+            <a:schemeClr val="accent1"/>
+          </a:lnRef>
+          <a:fillRef idx="0">
+            <a:schemeClr val="accent1"/>
+          </a:fillRef>
+          <a:effectRef idx="0">
+            <a:schemeClr val="accent1"/>
+          </a:effectRef>
+          <a:fontRef idx="minor">
+            <a:schemeClr val="tx1"/>
+          </a:fontRef>
+        </p:style>
+      </p:cxnSp>
+      <p:sp>
+        <p:nvSpPr>
+          <p:cNvPr id="34" name="TextBox 33"/>
+          <p:cNvSpPr txBox="1"/>
+          <p:nvPr/>
+        </p:nvSpPr>
+        <p:spPr>
+          <a:xfrm>
+            <a:off x="9674958" y="3342392"/>
+            <a:ext cx="1450077" cy="369332"/>
+          </a:xfrm>
+          <a:prstGeom prst="rect">
+            <a:avLst/>
+          </a:prstGeom>
+          <a:noFill/>
+        </p:spPr>
+        <p:txBody>
+          <a:bodyPr wrap="none" rtlCol="0">
+            <a:spAutoFit/>
+          </a:bodyPr>
+          <a:lstStyle/>
+          <a:p>
+            <a:r>
+              <a:rPr lang="en-US" dirty="0" smtClean="0"/>
+              <a:t>Control Plane</a:t>
+            </a:r>
+            <a:endParaRPr lang="en-US" dirty="0"/>
+          </a:p>
+        </p:txBody>
+      </p:sp>
+      <p:sp>
+        <p:nvSpPr>
+          <p:cNvPr id="35" name="TextBox 34"/>
+          <p:cNvSpPr txBox="1"/>
+          <p:nvPr/>
+        </p:nvSpPr>
+        <p:spPr>
+          <a:xfrm>
+            <a:off x="9932080" y="3754363"/>
+            <a:ext cx="1192955" cy="369332"/>
+          </a:xfrm>
+          <a:prstGeom prst="rect">
+            <a:avLst/>
+          </a:prstGeom>
+          <a:noFill/>
+        </p:spPr>
+        <p:txBody>
+          <a:bodyPr wrap="none" rtlCol="0">
+            <a:spAutoFit/>
+          </a:bodyPr>
+          <a:lstStyle/>
+          <a:p>
+            <a:r>
+              <a:rPr lang="en-US" dirty="0" smtClean="0"/>
+              <a:t>Data Plane</a:t>
+            </a:r>
+            <a:endParaRPr lang="en-US" dirty="0"/>
+          </a:p>
+        </p:txBody>
+      </p:sp>
+      <p:sp>
+        <p:nvSpPr>
+          <p:cNvPr id="36" name="TextBox 35"/>
+          <p:cNvSpPr txBox="1"/>
+          <p:nvPr/>
+        </p:nvSpPr>
+        <p:spPr>
+          <a:xfrm>
+            <a:off x="1516525" y="3836847"/>
+            <a:ext cx="2061398" cy="923330"/>
+          </a:xfrm>
+          <a:prstGeom prst="rect">
+            <a:avLst/>
+          </a:prstGeom>
+          <a:noFill/>
+        </p:spPr>
+        <p:txBody>
+          <a:bodyPr wrap="none" rtlCol="0">
+            <a:spAutoFit/>
+          </a:bodyPr>
+          <a:lstStyle/>
+          <a:p>
+            <a:pPr algn="r"/>
+            <a:r>
+              <a:rPr lang="en-US" dirty="0" smtClean="0"/>
+              <a:t>Abstract </a:t>
+            </a:r>
+          </a:p>
+          <a:p>
+            <a:pPr algn="r"/>
+            <a:r>
+              <a:rPr lang="en-US" dirty="0" smtClean="0"/>
+              <a:t>Forwarding Model</a:t>
+            </a:r>
+          </a:p>
+          <a:p>
+            <a:pPr algn="r"/>
+            <a:r>
+              <a:rPr lang="en-US" dirty="0" smtClean="0"/>
+              <a:t>(e.g., OpenFlow, P4)</a:t>
+            </a:r>
+            <a:endParaRPr lang="en-US" dirty="0"/>
+          </a:p>
+        </p:txBody>
+      </p:sp>
+      <p:cxnSp>
+        <p:nvCxnSpPr>
+          <p:cNvPr id="37" name="Straight Connector 36"/>
+          <p:cNvCxnSpPr/>
+          <p:nvPr/>
+        </p:nvCxnSpPr>
+        <p:spPr>
+          <a:xfrm flipH="1" flipV="1">
+            <a:off x="5684500" y="4256843"/>
+            <a:ext cx="2467533" cy="7768"/>
+          </a:xfrm>
+          <a:prstGeom prst="line">
+            <a:avLst/>
+          </a:prstGeom>
+          <a:ln w="28575"/>
+        </p:spPr>
+        <p:style>
+          <a:lnRef idx="1">
+            <a:schemeClr val="accent1"/>
+          </a:lnRef>
+          <a:fillRef idx="0">
+            <a:schemeClr val="accent1"/>
+          </a:fillRef>
+          <a:effectRef idx="0">
+            <a:schemeClr val="accent1"/>
+          </a:effectRef>
+          <a:fontRef idx="minor">
+            <a:schemeClr val="tx1"/>
+          </a:fontRef>
+        </p:style>
+      </p:cxnSp>
+      <p:cxnSp>
+        <p:nvCxnSpPr>
+          <p:cNvPr id="38" name="Straight Connector 37"/>
+          <p:cNvCxnSpPr/>
+          <p:nvPr/>
+        </p:nvCxnSpPr>
+        <p:spPr>
+          <a:xfrm flipH="1">
+            <a:off x="7034982" y="4532045"/>
+            <a:ext cx="1006282" cy="556149"/>
+          </a:xfrm>
+          <a:prstGeom prst="line">
+            <a:avLst/>
+          </a:prstGeom>
+          <a:ln w="28575"/>
+        </p:spPr>
+        <p:style>
+          <a:lnRef idx="1">
+            <a:schemeClr val="accent1"/>
+          </a:lnRef>
+          <a:fillRef idx="0">
+            <a:schemeClr val="accent1"/>
+          </a:fillRef>
+          <a:effectRef idx="0">
+            <a:schemeClr val="accent1"/>
+          </a:effectRef>
+          <a:fontRef idx="minor">
+            <a:schemeClr val="tx1"/>
+          </a:fontRef>
+        </p:style>
+      </p:cxnSp>
+      <p:cxnSp>
+        <p:nvCxnSpPr>
+          <p:cNvPr id="39" name="Straight Connector 38"/>
+          <p:cNvCxnSpPr/>
+          <p:nvPr/>
+        </p:nvCxnSpPr>
+        <p:spPr>
+          <a:xfrm flipH="1">
+            <a:off x="5435531" y="5466604"/>
+            <a:ext cx="1079823" cy="564861"/>
+          </a:xfrm>
+          <a:prstGeom prst="line">
+            <a:avLst/>
+          </a:prstGeom>
+          <a:ln w="28575"/>
+        </p:spPr>
+        <p:style>
+          <a:lnRef idx="1">
+            <a:schemeClr val="accent1"/>
+          </a:lnRef>
+          <a:fillRef idx="0">
+            <a:schemeClr val="accent1"/>
+          </a:fillRef>
+          <a:effectRef idx="0">
+            <a:schemeClr val="accent1"/>
+          </a:effectRef>
+          <a:fontRef idx="minor">
+            <a:schemeClr val="tx1"/>
+          </a:fontRef>
+        </p:style>
+      </p:cxnSp>
+    </p:spTree>
+    <p:extLst>
+      <p:ext uri="{BB962C8B-B14F-4D97-AF65-F5344CB8AC3E}">
+        <p14:creationId xmlns:p14="http://schemas.microsoft.com/office/powerpoint/2010/main" val="385451238"/>
+      </p:ext>
+    </p:extLst>
+  </p:cSld>
+  <p:clrMapOvr>
+    <a:masterClrMapping/>
+  </p:clrMapOvr>
+</p:sld>
+</file>
+
+<file path=ppt/slides/slide4.xml><?xml version="1.0" encoding="utf-8"?>
+<p:sld xmlns:a="http://schemas.openxmlformats.org/drawingml/2006/main" xmlns:r="http://schemas.openxmlformats.org/officeDocument/2006/relationships" xmlns:p="http://schemas.openxmlformats.org/presentationml/2006/main">
+  <p:cSld>
+    <p:spTree>
+      <p:nvGrpSpPr>
+        <p:cNvPr id="1" name=""/>
+        <p:cNvGrpSpPr/>
+        <p:nvPr/>
+      </p:nvGrpSpPr>
+      <p:grpSpPr>
+        <a:xfrm>
+          <a:off x="0" y="0"/>
+          <a:ext cx="0" cy="0"/>
+          <a:chOff x="0" y="0"/>
+          <a:chExt cx="0" cy="0"/>
+        </a:xfrm>
+      </p:grpSpPr>
+      <p:sp>
+        <p:nvSpPr>
+          <p:cNvPr id="2" name="Rectangle 1"/>
+          <p:cNvSpPr/>
+          <p:nvPr/>
+        </p:nvSpPr>
+        <p:spPr>
+          <a:xfrm>
+            <a:off x="958645" y="1312607"/>
+            <a:ext cx="8572500" cy="752168"/>
+          </a:xfrm>
+          <a:prstGeom prst="rect">
+            <a:avLst/>
+          </a:prstGeom>
+          <a:noFill/>
+          <a:ln w="28575">
+            <a:solidFill>
+              <a:srgbClr val="00B0F0"/>
+            </a:solidFill>
+          </a:ln>
+        </p:spPr>
+        <p:style>
+          <a:lnRef idx="2">
+            <a:schemeClr val="accent1">
+              <a:shade val="50000"/>
+            </a:schemeClr>
+          </a:lnRef>
+          <a:fillRef idx="1">
+            <a:schemeClr val="accent1"/>
+          </a:fillRef>
+          <a:effectRef idx="0">
+            <a:schemeClr val="accent1"/>
+          </a:effectRef>
+          <a:fontRef idx="minor">
+            <a:schemeClr val="lt1"/>
+          </a:fontRef>
+        </p:style>
+        <p:txBody>
+          <a:bodyPr rtlCol="0" anchor="ctr"/>
+          <a:lstStyle/>
+          <a:p>
+            <a:pPr algn="ctr"/>
+            <a:endParaRPr lang="en-US"/>
+          </a:p>
+        </p:txBody>
+      </p:sp>
+      <p:cxnSp>
+        <p:nvCxnSpPr>
+          <p:cNvPr id="3" name="Straight Connector 2"/>
+          <p:cNvCxnSpPr/>
+          <p:nvPr/>
+        </p:nvCxnSpPr>
+        <p:spPr>
+          <a:xfrm>
+            <a:off x="2625213" y="1312607"/>
+            <a:ext cx="0" cy="752168"/>
+          </a:xfrm>
+          <a:prstGeom prst="line">
+            <a:avLst/>
+          </a:prstGeom>
+          <a:ln w="28575">
+            <a:solidFill>
+              <a:srgbClr val="00B0F0"/>
+            </a:solidFill>
+          </a:ln>
+        </p:spPr>
+        <p:style>
+          <a:lnRef idx="1">
+            <a:schemeClr val="accent1"/>
+          </a:lnRef>
+          <a:fillRef idx="0">
+            <a:schemeClr val="accent1"/>
+          </a:fillRef>
+          <a:effectRef idx="0">
+            <a:schemeClr val="accent1"/>
+          </a:effectRef>
+          <a:fontRef idx="minor">
+            <a:schemeClr val="tx1"/>
+          </a:fontRef>
+        </p:style>
+      </p:cxnSp>
+      <p:cxnSp>
+        <p:nvCxnSpPr>
+          <p:cNvPr id="4" name="Straight Connector 3"/>
+          <p:cNvCxnSpPr/>
+          <p:nvPr/>
+        </p:nvCxnSpPr>
+        <p:spPr>
+          <a:xfrm>
+            <a:off x="4208207" y="1312607"/>
+            <a:ext cx="0" cy="752168"/>
+          </a:xfrm>
+          <a:prstGeom prst="line">
+            <a:avLst/>
+          </a:prstGeom>
+          <a:ln w="28575">
+            <a:solidFill>
+              <a:srgbClr val="00B0F0"/>
+            </a:solidFill>
+          </a:ln>
+        </p:spPr>
+        <p:style>
+          <a:lnRef idx="1">
+            <a:schemeClr val="accent1"/>
+          </a:lnRef>
+          <a:fillRef idx="0">
+            <a:schemeClr val="accent1"/>
+          </a:fillRef>
+          <a:effectRef idx="0">
+            <a:schemeClr val="accent1"/>
+          </a:effectRef>
+          <a:fontRef idx="minor">
+            <a:schemeClr val="tx1"/>
+          </a:fontRef>
+        </p:style>
+      </p:cxnSp>
+      <p:cxnSp>
+        <p:nvCxnSpPr>
+          <p:cNvPr id="5" name="Straight Connector 4"/>
+          <p:cNvCxnSpPr/>
+          <p:nvPr/>
+        </p:nvCxnSpPr>
+        <p:spPr>
+          <a:xfrm>
+            <a:off x="5805949" y="1312607"/>
+            <a:ext cx="0" cy="752168"/>
+          </a:xfrm>
+          <a:prstGeom prst="line">
+            <a:avLst/>
+          </a:prstGeom>
+          <a:ln w="28575">
+            <a:solidFill>
+              <a:srgbClr val="00B0F0"/>
+            </a:solidFill>
+          </a:ln>
+        </p:spPr>
+        <p:style>
+          <a:lnRef idx="1">
+            <a:schemeClr val="accent1"/>
+          </a:lnRef>
+          <a:fillRef idx="0">
+            <a:schemeClr val="accent1"/>
+          </a:fillRef>
+          <a:effectRef idx="0">
+            <a:schemeClr val="accent1"/>
+          </a:effectRef>
+          <a:fontRef idx="minor">
+            <a:schemeClr val="tx1"/>
+          </a:fontRef>
+        </p:style>
+      </p:cxnSp>
+      <p:sp>
+        <p:nvSpPr>
+          <p:cNvPr id="6" name="Rectangle 5"/>
+          <p:cNvSpPr/>
+          <p:nvPr/>
+        </p:nvSpPr>
+        <p:spPr>
+          <a:xfrm>
+            <a:off x="6724651" y="1312607"/>
+            <a:ext cx="1887793" cy="752168"/>
+          </a:xfrm>
+          <a:prstGeom prst="rect">
+            <a:avLst/>
+          </a:prstGeom>
+          <a:solidFill>
+            <a:srgbClr val="CFE7F1"/>
+          </a:solidFill>
+          <a:ln w="28575">
+            <a:solidFill>
+              <a:srgbClr val="00B0F0"/>
+            </a:solidFill>
+          </a:ln>
+        </p:spPr>
+        <p:style>
+          <a:lnRef idx="2">
+            <a:schemeClr val="accent1">
+              <a:shade val="50000"/>
+            </a:schemeClr>
+          </a:lnRef>
+          <a:fillRef idx="1">
+            <a:schemeClr val="accent1"/>
+          </a:fillRef>
+          <a:effectRef idx="0">
+            <a:schemeClr val="accent1"/>
+          </a:effectRef>
+          <a:fontRef idx="minor">
+            <a:schemeClr val="lt1"/>
+          </a:fontRef>
+        </p:style>
+        <p:txBody>
+          <a:bodyPr rtlCol="0" anchor="ctr"/>
+          <a:lstStyle/>
+          <a:p>
+            <a:pPr algn="ctr"/>
+            <a:endParaRPr lang="en-US"/>
+          </a:p>
+        </p:txBody>
+      </p:sp>
+      <p:sp>
+        <p:nvSpPr>
+          <p:cNvPr id="7" name="TextBox 6"/>
+          <p:cNvSpPr txBox="1"/>
+          <p:nvPr/>
+        </p:nvSpPr>
+        <p:spPr>
+          <a:xfrm>
+            <a:off x="1600617" y="899653"/>
+            <a:ext cx="470001" cy="430887"/>
+          </a:xfrm>
+          <a:prstGeom prst="rect">
+            <a:avLst/>
+          </a:prstGeom>
+          <a:noFill/>
+        </p:spPr>
+        <p:txBody>
+          <a:bodyPr wrap="none" rtlCol="0">
+            <a:spAutoFit/>
+          </a:bodyPr>
+          <a:lstStyle/>
+          <a:p>
+            <a:pPr algn="ctr"/>
+            <a:r>
+              <a:rPr lang="en-US" sz="2200" dirty="0" smtClean="0"/>
+              <a:t>64</a:t>
+            </a:r>
+            <a:endParaRPr lang="en-US" sz="2200" dirty="0"/>
+          </a:p>
+        </p:txBody>
+      </p:sp>
+      <p:sp>
+        <p:nvSpPr>
+          <p:cNvPr id="8" name="TextBox 7"/>
+          <p:cNvSpPr txBox="1"/>
+          <p:nvPr/>
+        </p:nvSpPr>
+        <p:spPr>
+          <a:xfrm>
+            <a:off x="1154734" y="1468951"/>
+            <a:ext cx="1361767" cy="430887"/>
+          </a:xfrm>
+          <a:prstGeom prst="rect">
+            <a:avLst/>
+          </a:prstGeom>
+          <a:noFill/>
+        </p:spPr>
+        <p:txBody>
+          <a:bodyPr wrap="square" rtlCol="0">
+            <a:spAutoFit/>
+          </a:bodyPr>
+          <a:lstStyle/>
+          <a:p>
+            <a:pPr algn="ctr"/>
+            <a:r>
+              <a:rPr lang="en-US" sz="2200" dirty="0" smtClean="0"/>
+              <a:t>Preamble</a:t>
+            </a:r>
+            <a:endParaRPr lang="en-US" sz="2200" dirty="0"/>
+          </a:p>
+        </p:txBody>
+      </p:sp>
+      <p:sp>
+        <p:nvSpPr>
+          <p:cNvPr id="9" name="TextBox 8"/>
+          <p:cNvSpPr txBox="1"/>
+          <p:nvPr/>
+        </p:nvSpPr>
+        <p:spPr>
+          <a:xfrm>
+            <a:off x="3265853" y="899653"/>
+            <a:ext cx="470000" cy="430887"/>
+          </a:xfrm>
+          <a:prstGeom prst="rect">
+            <a:avLst/>
+          </a:prstGeom>
+          <a:noFill/>
+        </p:spPr>
+        <p:txBody>
+          <a:bodyPr wrap="none" rtlCol="0">
+            <a:spAutoFit/>
+          </a:bodyPr>
+          <a:lstStyle/>
+          <a:p>
+            <a:pPr algn="ctr"/>
+            <a:r>
+              <a:rPr lang="en-US" sz="2200" dirty="0" smtClean="0"/>
+              <a:t>48</a:t>
+            </a:r>
+            <a:endParaRPr lang="en-US" sz="2200" dirty="0"/>
+          </a:p>
+        </p:txBody>
+      </p:sp>
+      <p:sp>
+        <p:nvSpPr>
+          <p:cNvPr id="10" name="TextBox 9"/>
+          <p:cNvSpPr txBox="1"/>
+          <p:nvPr/>
+        </p:nvSpPr>
+        <p:spPr>
+          <a:xfrm>
+            <a:off x="4774895" y="899653"/>
+            <a:ext cx="470000" cy="430887"/>
+          </a:xfrm>
+          <a:prstGeom prst="rect">
+            <a:avLst/>
+          </a:prstGeom>
+          <a:noFill/>
+        </p:spPr>
+        <p:txBody>
+          <a:bodyPr wrap="none" rtlCol="0">
+            <a:spAutoFit/>
+          </a:bodyPr>
+          <a:lstStyle/>
+          <a:p>
+            <a:pPr algn="ctr"/>
+            <a:r>
+              <a:rPr lang="en-US" sz="2200" dirty="0" smtClean="0"/>
+              <a:t>48</a:t>
+            </a:r>
+            <a:endParaRPr lang="en-US" sz="2200" dirty="0"/>
+          </a:p>
+        </p:txBody>
+      </p:sp>
+      <p:sp>
+        <p:nvSpPr>
+          <p:cNvPr id="11" name="TextBox 10"/>
+          <p:cNvSpPr txBox="1"/>
+          <p:nvPr/>
+        </p:nvSpPr>
+        <p:spPr>
+          <a:xfrm>
+            <a:off x="6048936" y="899653"/>
+            <a:ext cx="470000" cy="430887"/>
+          </a:xfrm>
+          <a:prstGeom prst="rect">
+            <a:avLst/>
+          </a:prstGeom>
+          <a:noFill/>
+        </p:spPr>
+        <p:txBody>
+          <a:bodyPr wrap="none" rtlCol="0">
+            <a:spAutoFit/>
+          </a:bodyPr>
+          <a:lstStyle/>
+          <a:p>
+            <a:pPr algn="ctr"/>
+            <a:r>
+              <a:rPr lang="en-US" sz="2200" dirty="0" smtClean="0"/>
+              <a:t>16</a:t>
+            </a:r>
+            <a:endParaRPr lang="en-US" sz="2200" dirty="0"/>
+          </a:p>
+        </p:txBody>
+      </p:sp>
+      <p:sp>
+        <p:nvSpPr>
+          <p:cNvPr id="12" name="TextBox 11"/>
+          <p:cNvSpPr txBox="1"/>
+          <p:nvPr/>
+        </p:nvSpPr>
+        <p:spPr>
+          <a:xfrm>
+            <a:off x="2743203" y="1468948"/>
+            <a:ext cx="1361767" cy="430887"/>
+          </a:xfrm>
+          <a:prstGeom prst="rect">
+            <a:avLst/>
+          </a:prstGeom>
+          <a:noFill/>
+        </p:spPr>
+        <p:txBody>
+          <a:bodyPr wrap="square" rtlCol="0">
+            <a:spAutoFit/>
+          </a:bodyPr>
+          <a:lstStyle/>
+          <a:p>
+            <a:pPr algn="ctr"/>
+            <a:r>
+              <a:rPr lang="en-US" sz="2200" dirty="0" err="1" smtClean="0"/>
+              <a:t>DestAddr</a:t>
+            </a:r>
+            <a:endParaRPr lang="en-US" sz="2200" dirty="0"/>
+          </a:p>
+        </p:txBody>
+      </p:sp>
+      <p:sp>
+        <p:nvSpPr>
+          <p:cNvPr id="13" name="TextBox 12"/>
+          <p:cNvSpPr txBox="1"/>
+          <p:nvPr/>
+        </p:nvSpPr>
+        <p:spPr>
+          <a:xfrm>
+            <a:off x="4341325" y="1478541"/>
+            <a:ext cx="1361767" cy="430887"/>
+          </a:xfrm>
+          <a:prstGeom prst="rect">
+            <a:avLst/>
+          </a:prstGeom>
+          <a:noFill/>
+        </p:spPr>
+        <p:txBody>
+          <a:bodyPr wrap="square" rtlCol="0">
+            <a:spAutoFit/>
+          </a:bodyPr>
+          <a:lstStyle/>
+          <a:p>
+            <a:pPr algn="ctr"/>
+            <a:r>
+              <a:rPr lang="en-US" sz="2200" dirty="0" err="1" smtClean="0"/>
+              <a:t>SrcAddr</a:t>
+            </a:r>
+            <a:endParaRPr lang="en-US" sz="2200" dirty="0"/>
+          </a:p>
+        </p:txBody>
+      </p:sp>
+      <p:sp>
+        <p:nvSpPr>
+          <p:cNvPr id="14" name="TextBox 13"/>
+          <p:cNvSpPr txBox="1"/>
+          <p:nvPr/>
+        </p:nvSpPr>
+        <p:spPr>
+          <a:xfrm>
+            <a:off x="5820697" y="1478542"/>
+            <a:ext cx="868009" cy="430887"/>
+          </a:xfrm>
+          <a:prstGeom prst="rect">
+            <a:avLst/>
+          </a:prstGeom>
+          <a:noFill/>
+        </p:spPr>
+        <p:txBody>
+          <a:bodyPr wrap="square" rtlCol="0">
+            <a:spAutoFit/>
+          </a:bodyPr>
+          <a:lstStyle/>
+          <a:p>
+            <a:pPr algn="ctr"/>
+            <a:r>
+              <a:rPr lang="en-US" sz="2200" smtClean="0"/>
+              <a:t>Type</a:t>
+            </a:r>
+            <a:endParaRPr lang="en-US" sz="2200" dirty="0"/>
+          </a:p>
+        </p:txBody>
+      </p:sp>
+      <p:sp>
+        <p:nvSpPr>
+          <p:cNvPr id="15" name="TextBox 14"/>
+          <p:cNvSpPr txBox="1"/>
+          <p:nvPr/>
+        </p:nvSpPr>
+        <p:spPr>
+          <a:xfrm>
+            <a:off x="8623042" y="1468949"/>
+            <a:ext cx="868009" cy="430887"/>
+          </a:xfrm>
+          <a:prstGeom prst="rect">
+            <a:avLst/>
+          </a:prstGeom>
+          <a:noFill/>
+        </p:spPr>
+        <p:txBody>
+          <a:bodyPr wrap="square" rtlCol="0">
+            <a:spAutoFit/>
+          </a:bodyPr>
+          <a:lstStyle/>
+          <a:p>
+            <a:pPr algn="ctr"/>
+            <a:r>
+              <a:rPr lang="en-US" sz="2200" dirty="0" smtClean="0"/>
+              <a:t>CRC</a:t>
+            </a:r>
+            <a:endParaRPr lang="en-US" sz="2200" dirty="0"/>
+          </a:p>
+        </p:txBody>
+      </p:sp>
+      <p:sp>
+        <p:nvSpPr>
+          <p:cNvPr id="16" name="TextBox 15"/>
+          <p:cNvSpPr txBox="1"/>
+          <p:nvPr/>
+        </p:nvSpPr>
+        <p:spPr>
+          <a:xfrm>
+            <a:off x="6987664" y="1468950"/>
+            <a:ext cx="1361767" cy="430887"/>
+          </a:xfrm>
+          <a:prstGeom prst="rect">
+            <a:avLst/>
+          </a:prstGeom>
+          <a:noFill/>
+        </p:spPr>
+        <p:txBody>
+          <a:bodyPr wrap="square" rtlCol="0">
+            <a:spAutoFit/>
+          </a:bodyPr>
+          <a:lstStyle/>
+          <a:p>
+            <a:pPr algn="ctr"/>
+            <a:r>
+              <a:rPr lang="mr-IN" sz="2200" dirty="0" smtClean="0"/>
+              <a:t>…</a:t>
+            </a:r>
+            <a:r>
+              <a:rPr lang="en-US" sz="2200" dirty="0" smtClean="0"/>
+              <a:t> Body </a:t>
+            </a:r>
+            <a:r>
+              <a:rPr lang="mr-IN" sz="2200" dirty="0" smtClean="0"/>
+              <a:t>…</a:t>
+            </a:r>
+            <a:endParaRPr lang="en-US" sz="2200" dirty="0"/>
+          </a:p>
+        </p:txBody>
+      </p:sp>
+      <p:sp>
+        <p:nvSpPr>
+          <p:cNvPr id="17" name="TextBox 16"/>
+          <p:cNvSpPr txBox="1"/>
+          <p:nvPr/>
+        </p:nvSpPr>
+        <p:spPr>
+          <a:xfrm>
+            <a:off x="8856038" y="899653"/>
+            <a:ext cx="470000" cy="430887"/>
+          </a:xfrm>
+          <a:prstGeom prst="rect">
+            <a:avLst/>
+          </a:prstGeom>
+          <a:noFill/>
+        </p:spPr>
+        <p:txBody>
+          <a:bodyPr wrap="none" rtlCol="0">
+            <a:spAutoFit/>
+          </a:bodyPr>
+          <a:lstStyle/>
+          <a:p>
+            <a:pPr algn="ctr"/>
+            <a:r>
+              <a:rPr lang="en-US" sz="2200" dirty="0" smtClean="0"/>
+              <a:t>16</a:t>
+            </a:r>
+            <a:endParaRPr lang="en-US" sz="2200" dirty="0"/>
+          </a:p>
+        </p:txBody>
+      </p:sp>
+      <p:sp>
+        <p:nvSpPr>
+          <p:cNvPr id="18" name="Rectangle 17"/>
+          <p:cNvSpPr/>
+          <p:nvPr/>
+        </p:nvSpPr>
+        <p:spPr>
+          <a:xfrm>
+            <a:off x="958644" y="2734786"/>
+            <a:ext cx="9946712" cy="752168"/>
+          </a:xfrm>
+          <a:prstGeom prst="rect">
+            <a:avLst/>
+          </a:prstGeom>
+          <a:noFill/>
+          <a:ln w="28575">
+            <a:solidFill>
+              <a:srgbClr val="00B0F0"/>
+            </a:solidFill>
+          </a:ln>
+        </p:spPr>
+        <p:style>
+          <a:lnRef idx="2">
+            <a:schemeClr val="accent1">
+              <a:shade val="50000"/>
+            </a:schemeClr>
+          </a:lnRef>
+          <a:fillRef idx="1">
+            <a:schemeClr val="accent1"/>
+          </a:fillRef>
+          <a:effectRef idx="0">
+            <a:schemeClr val="accent1"/>
+          </a:effectRef>
+          <a:fontRef idx="minor">
+            <a:schemeClr val="lt1"/>
+          </a:fontRef>
+        </p:style>
+        <p:txBody>
+          <a:bodyPr rtlCol="0" anchor="ctr"/>
+          <a:lstStyle/>
+          <a:p>
+            <a:pPr algn="ctr"/>
+            <a:endParaRPr lang="en-US"/>
+          </a:p>
+        </p:txBody>
+      </p:sp>
+      <p:cxnSp>
+        <p:nvCxnSpPr>
+          <p:cNvPr id="19" name="Straight Connector 18"/>
+          <p:cNvCxnSpPr/>
+          <p:nvPr/>
+        </p:nvCxnSpPr>
+        <p:spPr>
+          <a:xfrm>
+            <a:off x="2625213" y="2734786"/>
+            <a:ext cx="0" cy="752168"/>
+          </a:xfrm>
+          <a:prstGeom prst="line">
+            <a:avLst/>
+          </a:prstGeom>
+          <a:ln w="28575">
+            <a:solidFill>
+              <a:srgbClr val="00B0F0"/>
+            </a:solidFill>
+          </a:ln>
+        </p:spPr>
+        <p:style>
+          <a:lnRef idx="1">
+            <a:schemeClr val="accent1"/>
+          </a:lnRef>
+          <a:fillRef idx="0">
+            <a:schemeClr val="accent1"/>
+          </a:fillRef>
+          <a:effectRef idx="0">
+            <a:schemeClr val="accent1"/>
+          </a:effectRef>
+          <a:fontRef idx="minor">
+            <a:schemeClr val="tx1"/>
+          </a:fontRef>
+        </p:style>
+      </p:cxnSp>
+      <p:cxnSp>
+        <p:nvCxnSpPr>
+          <p:cNvPr id="20" name="Straight Connector 19"/>
+          <p:cNvCxnSpPr/>
+          <p:nvPr/>
+        </p:nvCxnSpPr>
+        <p:spPr>
+          <a:xfrm>
+            <a:off x="4208207" y="2734786"/>
+            <a:ext cx="0" cy="752168"/>
+          </a:xfrm>
+          <a:prstGeom prst="line">
+            <a:avLst/>
+          </a:prstGeom>
+          <a:ln w="28575">
+            <a:solidFill>
+              <a:srgbClr val="00B0F0"/>
+            </a:solidFill>
+          </a:ln>
+        </p:spPr>
+        <p:style>
+          <a:lnRef idx="1">
+            <a:schemeClr val="accent1"/>
+          </a:lnRef>
+          <a:fillRef idx="0">
+            <a:schemeClr val="accent1"/>
+          </a:fillRef>
+          <a:effectRef idx="0">
+            <a:schemeClr val="accent1"/>
+          </a:effectRef>
+          <a:fontRef idx="minor">
+            <a:schemeClr val="tx1"/>
+          </a:fontRef>
+        </p:style>
+      </p:cxnSp>
+      <p:cxnSp>
+        <p:nvCxnSpPr>
+          <p:cNvPr id="21" name="Straight Connector 20"/>
+          <p:cNvCxnSpPr/>
+          <p:nvPr/>
+        </p:nvCxnSpPr>
+        <p:spPr>
+          <a:xfrm>
+            <a:off x="5805949" y="2734786"/>
+            <a:ext cx="0" cy="752168"/>
+          </a:xfrm>
+          <a:prstGeom prst="line">
+            <a:avLst/>
+          </a:prstGeom>
+          <a:ln w="28575">
+            <a:solidFill>
+              <a:srgbClr val="00B0F0"/>
+            </a:solidFill>
+          </a:ln>
+        </p:spPr>
+        <p:style>
+          <a:lnRef idx="1">
+            <a:schemeClr val="accent1"/>
+          </a:lnRef>
+          <a:fillRef idx="0">
+            <a:schemeClr val="accent1"/>
+          </a:fillRef>
+          <a:effectRef idx="0">
+            <a:schemeClr val="accent1"/>
+          </a:effectRef>
+          <a:fontRef idx="minor">
+            <a:schemeClr val="tx1"/>
+          </a:fontRef>
+        </p:style>
+      </p:cxnSp>
+      <p:sp>
+        <p:nvSpPr>
+          <p:cNvPr id="22" name="Rectangle 21"/>
+          <p:cNvSpPr/>
+          <p:nvPr/>
+        </p:nvSpPr>
+        <p:spPr>
+          <a:xfrm>
+            <a:off x="8153241" y="2734786"/>
+            <a:ext cx="1887793" cy="752168"/>
+          </a:xfrm>
+          <a:prstGeom prst="rect">
+            <a:avLst/>
+          </a:prstGeom>
+          <a:solidFill>
+            <a:srgbClr val="CFE7F1"/>
+          </a:solidFill>
+          <a:ln w="28575">
+            <a:solidFill>
+              <a:srgbClr val="00B0F0"/>
+            </a:solidFill>
+          </a:ln>
+        </p:spPr>
+        <p:style>
+          <a:lnRef idx="2">
+            <a:schemeClr val="accent1">
+              <a:shade val="50000"/>
+            </a:schemeClr>
+          </a:lnRef>
+          <a:fillRef idx="1">
+            <a:schemeClr val="accent1"/>
+          </a:fillRef>
+          <a:effectRef idx="0">
+            <a:schemeClr val="accent1"/>
+          </a:effectRef>
+          <a:fontRef idx="minor">
+            <a:schemeClr val="lt1"/>
+          </a:fontRef>
+        </p:style>
+        <p:txBody>
+          <a:bodyPr rtlCol="0" anchor="ctr"/>
+          <a:lstStyle/>
+          <a:p>
+            <a:pPr algn="ctr"/>
+            <a:endParaRPr lang="en-US"/>
+          </a:p>
+        </p:txBody>
+      </p:sp>
+      <p:sp>
+        <p:nvSpPr>
+          <p:cNvPr id="23" name="TextBox 22"/>
+          <p:cNvSpPr txBox="1"/>
+          <p:nvPr/>
+        </p:nvSpPr>
+        <p:spPr>
+          <a:xfrm>
+            <a:off x="1154734" y="2895427"/>
+            <a:ext cx="1361767" cy="430887"/>
+          </a:xfrm>
+          <a:prstGeom prst="rect">
+            <a:avLst/>
+          </a:prstGeom>
+          <a:noFill/>
+        </p:spPr>
+        <p:txBody>
+          <a:bodyPr wrap="square" rtlCol="0">
+            <a:spAutoFit/>
+          </a:bodyPr>
+          <a:lstStyle/>
+          <a:p>
+            <a:pPr algn="ctr"/>
+            <a:r>
+              <a:rPr lang="en-US" sz="2200" dirty="0" smtClean="0"/>
+              <a:t>Preamble</a:t>
+            </a:r>
+            <a:endParaRPr lang="en-US" sz="2200" dirty="0"/>
+          </a:p>
+        </p:txBody>
+      </p:sp>
+      <p:sp>
+        <p:nvSpPr>
+          <p:cNvPr id="24" name="TextBox 23"/>
+          <p:cNvSpPr txBox="1"/>
+          <p:nvPr/>
+        </p:nvSpPr>
+        <p:spPr>
+          <a:xfrm>
+            <a:off x="2743203" y="2895427"/>
+            <a:ext cx="1361767" cy="430887"/>
+          </a:xfrm>
+          <a:prstGeom prst="rect">
+            <a:avLst/>
+          </a:prstGeom>
+          <a:noFill/>
+        </p:spPr>
+        <p:txBody>
+          <a:bodyPr wrap="square" rtlCol="0">
+            <a:spAutoFit/>
+          </a:bodyPr>
+          <a:lstStyle/>
+          <a:p>
+            <a:pPr algn="ctr"/>
+            <a:r>
+              <a:rPr lang="en-US" sz="2200" dirty="0" err="1" smtClean="0"/>
+              <a:t>DestAddr</a:t>
+            </a:r>
+            <a:endParaRPr lang="en-US" sz="2200" dirty="0"/>
+          </a:p>
+        </p:txBody>
+      </p:sp>
+      <p:sp>
+        <p:nvSpPr>
+          <p:cNvPr id="25" name="TextBox 24"/>
+          <p:cNvSpPr txBox="1"/>
+          <p:nvPr/>
+        </p:nvSpPr>
+        <p:spPr>
+          <a:xfrm>
+            <a:off x="4341325" y="2895427"/>
+            <a:ext cx="1361767" cy="430887"/>
+          </a:xfrm>
+          <a:prstGeom prst="rect">
+            <a:avLst/>
+          </a:prstGeom>
+          <a:noFill/>
+        </p:spPr>
+        <p:txBody>
+          <a:bodyPr wrap="square" rtlCol="0">
+            <a:spAutoFit/>
+          </a:bodyPr>
+          <a:lstStyle/>
+          <a:p>
+            <a:pPr algn="ctr"/>
+            <a:r>
+              <a:rPr lang="en-US" sz="2200" dirty="0" err="1" smtClean="0"/>
+              <a:t>SrcAddr</a:t>
+            </a:r>
+            <a:endParaRPr lang="en-US" sz="2200" dirty="0"/>
+          </a:p>
+        </p:txBody>
+      </p:sp>
+      <p:sp>
+        <p:nvSpPr>
+          <p:cNvPr id="26" name="TextBox 25"/>
+          <p:cNvSpPr txBox="1"/>
+          <p:nvPr/>
+        </p:nvSpPr>
+        <p:spPr>
+          <a:xfrm>
+            <a:off x="7278171" y="2895427"/>
+            <a:ext cx="868009" cy="430887"/>
+          </a:xfrm>
+          <a:prstGeom prst="rect">
+            <a:avLst/>
+          </a:prstGeom>
+          <a:noFill/>
+        </p:spPr>
+        <p:txBody>
+          <a:bodyPr wrap="square" rtlCol="0">
+            <a:spAutoFit/>
+          </a:bodyPr>
+          <a:lstStyle/>
+          <a:p>
+            <a:pPr algn="ctr"/>
+            <a:r>
+              <a:rPr lang="en-US" sz="2200" dirty="0" smtClean="0"/>
+              <a:t>Type</a:t>
+            </a:r>
+            <a:endParaRPr lang="en-US" sz="2200" dirty="0"/>
+          </a:p>
+        </p:txBody>
+      </p:sp>
+      <p:sp>
+        <p:nvSpPr>
+          <p:cNvPr id="27" name="TextBox 26"/>
+          <p:cNvSpPr txBox="1"/>
+          <p:nvPr/>
+        </p:nvSpPr>
+        <p:spPr>
+          <a:xfrm>
+            <a:off x="10037347" y="2895427"/>
+            <a:ext cx="868009" cy="430887"/>
+          </a:xfrm>
+          <a:prstGeom prst="rect">
+            <a:avLst/>
+          </a:prstGeom>
+          <a:noFill/>
+        </p:spPr>
+        <p:txBody>
+          <a:bodyPr wrap="square" rtlCol="0">
+            <a:spAutoFit/>
+          </a:bodyPr>
+          <a:lstStyle/>
+          <a:p>
+            <a:pPr algn="ctr"/>
+            <a:r>
+              <a:rPr lang="en-US" sz="2200" dirty="0" smtClean="0"/>
+              <a:t>CRC</a:t>
+            </a:r>
+            <a:endParaRPr lang="en-US" sz="2200" dirty="0"/>
+          </a:p>
+        </p:txBody>
+      </p:sp>
+      <p:sp>
+        <p:nvSpPr>
+          <p:cNvPr id="28" name="TextBox 27"/>
+          <p:cNvSpPr txBox="1"/>
+          <p:nvPr/>
+        </p:nvSpPr>
+        <p:spPr>
+          <a:xfrm>
+            <a:off x="8418254" y="2895427"/>
+            <a:ext cx="1361767" cy="430887"/>
+          </a:xfrm>
+          <a:prstGeom prst="rect">
+            <a:avLst/>
+          </a:prstGeom>
+          <a:noFill/>
+        </p:spPr>
+        <p:txBody>
+          <a:bodyPr wrap="square" rtlCol="0">
+            <a:spAutoFit/>
+          </a:bodyPr>
+          <a:lstStyle/>
+          <a:p>
+            <a:pPr algn="ctr"/>
+            <a:r>
+              <a:rPr lang="mr-IN" sz="2200" dirty="0" smtClean="0"/>
+              <a:t>…</a:t>
+            </a:r>
+            <a:r>
+              <a:rPr lang="en-US" sz="2200" dirty="0" smtClean="0"/>
+              <a:t> Body </a:t>
+            </a:r>
+            <a:r>
+              <a:rPr lang="mr-IN" sz="2200" dirty="0" smtClean="0"/>
+              <a:t>…</a:t>
+            </a:r>
+            <a:endParaRPr lang="en-US" sz="2200" dirty="0"/>
+          </a:p>
+        </p:txBody>
+      </p:sp>
+      <p:cxnSp>
+        <p:nvCxnSpPr>
+          <p:cNvPr id="29" name="Straight Connector 28"/>
+          <p:cNvCxnSpPr/>
+          <p:nvPr/>
+        </p:nvCxnSpPr>
+        <p:spPr>
+          <a:xfrm>
+            <a:off x="7278171" y="2734786"/>
+            <a:ext cx="0" cy="752168"/>
+          </a:xfrm>
+          <a:prstGeom prst="line">
+            <a:avLst/>
+          </a:prstGeom>
+          <a:ln w="28575">
+            <a:solidFill>
+              <a:srgbClr val="00B0F0"/>
+            </a:solidFill>
+          </a:ln>
+        </p:spPr>
+        <p:style>
+          <a:lnRef idx="1">
+            <a:schemeClr val="accent1"/>
+          </a:lnRef>
+          <a:fillRef idx="0">
+            <a:schemeClr val="accent1"/>
+          </a:fillRef>
+          <a:effectRef idx="0">
+            <a:schemeClr val="accent1"/>
+          </a:effectRef>
+          <a:fontRef idx="minor">
+            <a:schemeClr val="tx1"/>
+          </a:fontRef>
+        </p:style>
+      </p:cxnSp>
+      <p:cxnSp>
+        <p:nvCxnSpPr>
+          <p:cNvPr id="30" name="Straight Connector 29"/>
+          <p:cNvCxnSpPr/>
+          <p:nvPr/>
+        </p:nvCxnSpPr>
+        <p:spPr>
+          <a:xfrm>
+            <a:off x="5805949" y="2064775"/>
+            <a:ext cx="0" cy="670011"/>
+          </a:xfrm>
+          <a:prstGeom prst="line">
+            <a:avLst/>
+          </a:prstGeom>
+          <a:ln w="12700">
+            <a:solidFill>
+              <a:schemeClr val="tx1"/>
+            </a:solidFill>
+            <a:prstDash val="sysDash"/>
+          </a:ln>
+        </p:spPr>
+        <p:style>
+          <a:lnRef idx="1">
+            <a:schemeClr val="accent1"/>
+          </a:lnRef>
+          <a:fillRef idx="0">
+            <a:schemeClr val="accent1"/>
+          </a:fillRef>
+          <a:effectRef idx="0">
+            <a:schemeClr val="accent1"/>
+          </a:effectRef>
+          <a:fontRef idx="minor">
+            <a:schemeClr val="tx1"/>
+          </a:fontRef>
+        </p:style>
+      </p:cxnSp>
+      <p:cxnSp>
+        <p:nvCxnSpPr>
+          <p:cNvPr id="31" name="Straight Connector 30"/>
+          <p:cNvCxnSpPr/>
+          <p:nvPr/>
+        </p:nvCxnSpPr>
+        <p:spPr>
+          <a:xfrm>
+            <a:off x="5805949" y="2064775"/>
+            <a:ext cx="1472222" cy="670011"/>
+          </a:xfrm>
+          <a:prstGeom prst="line">
+            <a:avLst/>
+          </a:prstGeom>
+          <a:ln w="9525">
+            <a:solidFill>
+              <a:schemeClr val="tx1"/>
+            </a:solidFill>
+            <a:prstDash val="sysDash"/>
+          </a:ln>
+        </p:spPr>
+        <p:style>
+          <a:lnRef idx="1">
+            <a:schemeClr val="accent1"/>
+          </a:lnRef>
+          <a:fillRef idx="0">
+            <a:schemeClr val="accent1"/>
+          </a:fillRef>
+          <a:effectRef idx="0">
+            <a:schemeClr val="accent1"/>
+          </a:effectRef>
+          <a:fontRef idx="minor">
+            <a:schemeClr val="tx1"/>
+          </a:fontRef>
+        </p:style>
+      </p:cxnSp>
+      <p:sp>
+        <p:nvSpPr>
+          <p:cNvPr id="32" name="TextBox 31"/>
+          <p:cNvSpPr txBox="1"/>
+          <p:nvPr/>
+        </p:nvSpPr>
+        <p:spPr>
+          <a:xfrm>
+            <a:off x="5867849" y="2713156"/>
+            <a:ext cx="1361767" cy="769441"/>
+          </a:xfrm>
+          <a:prstGeom prst="rect">
+            <a:avLst/>
+          </a:prstGeom>
+          <a:noFill/>
+        </p:spPr>
+        <p:txBody>
+          <a:bodyPr wrap="square" rtlCol="0">
+            <a:spAutoFit/>
+          </a:bodyPr>
+          <a:lstStyle/>
+          <a:p>
+            <a:pPr algn="ctr"/>
+            <a:r>
+              <a:rPr lang="en-US" sz="2200" dirty="0" smtClean="0"/>
+              <a:t>802.1Q</a:t>
+            </a:r>
+          </a:p>
+          <a:p>
+            <a:pPr algn="ctr"/>
+            <a:r>
+              <a:rPr lang="en-US" sz="2200" dirty="0" err="1" smtClean="0"/>
+              <a:t>Hdr</a:t>
+            </a:r>
+            <a:endParaRPr lang="en-US" sz="2200" dirty="0"/>
+          </a:p>
+        </p:txBody>
+      </p:sp>
+      <p:grpSp>
+        <p:nvGrpSpPr>
+          <p:cNvPr id="33" name="Group 32"/>
+          <p:cNvGrpSpPr/>
+          <p:nvPr/>
+        </p:nvGrpSpPr>
+        <p:grpSpPr>
+          <a:xfrm>
+            <a:off x="5033956" y="3643238"/>
+            <a:ext cx="2232559" cy="1107996"/>
+            <a:chOff x="5351341" y="3819515"/>
+            <a:chExt cx="2232559" cy="1107996"/>
+          </a:xfrm>
+        </p:grpSpPr>
+        <p:sp>
+          <p:nvSpPr>
+            <p:cNvPr id="34" name="TextBox 33"/>
+            <p:cNvSpPr txBox="1"/>
+            <p:nvPr/>
+          </p:nvSpPr>
+          <p:spPr>
+            <a:xfrm>
+              <a:off x="5351341" y="4158070"/>
+              <a:ext cx="675185" cy="430887"/>
+            </a:xfrm>
+            <a:prstGeom prst="rect">
+              <a:avLst/>
+            </a:prstGeom>
+            <a:noFill/>
+          </p:spPr>
+          <p:txBody>
+            <a:bodyPr wrap="none" rtlCol="0">
+              <a:spAutoFit/>
+            </a:bodyPr>
+            <a:lstStyle/>
+            <a:p>
+              <a:pPr algn="ctr"/>
+              <a:r>
+                <a:rPr lang="en-US" sz="2200" smtClean="0"/>
+                <a:t>32 =</a:t>
+              </a:r>
+              <a:endParaRPr lang="en-US" sz="2200" dirty="0"/>
+            </a:p>
+          </p:txBody>
+        </p:sp>
+        <p:sp>
+          <p:nvSpPr>
+            <p:cNvPr id="35" name="TextBox 34"/>
+            <p:cNvSpPr txBox="1"/>
+            <p:nvPr/>
+          </p:nvSpPr>
+          <p:spPr>
+            <a:xfrm>
+              <a:off x="6099214" y="3819515"/>
+              <a:ext cx="545342" cy="1107996"/>
+            </a:xfrm>
+            <a:prstGeom prst="rect">
+              <a:avLst/>
+            </a:prstGeom>
+            <a:noFill/>
+          </p:spPr>
+          <p:txBody>
+            <a:bodyPr wrap="none" rtlCol="0" anchor="ctr">
+              <a:spAutoFit/>
+            </a:bodyPr>
+            <a:lstStyle/>
+            <a:p>
+              <a:pPr algn="r"/>
+              <a:r>
+                <a:rPr lang="en-US" sz="2200" dirty="0" smtClean="0"/>
+                <a:t>16:</a:t>
+              </a:r>
+            </a:p>
+            <a:p>
+              <a:pPr algn="r"/>
+              <a:r>
+                <a:rPr lang="en-US" sz="2200" dirty="0" smtClean="0"/>
+                <a:t>4:</a:t>
+              </a:r>
+            </a:p>
+            <a:p>
+              <a:pPr algn="r"/>
+              <a:r>
+                <a:rPr lang="en-US" sz="2200" dirty="0" smtClean="0"/>
+                <a:t>12:</a:t>
+              </a:r>
+              <a:endParaRPr lang="en-US" sz="2200" dirty="0"/>
+            </a:p>
+          </p:txBody>
+        </p:sp>
+        <p:sp>
+          <p:nvSpPr>
+            <p:cNvPr id="36" name="Left Brace 35"/>
+            <p:cNvSpPr/>
+            <p:nvPr/>
+          </p:nvSpPr>
+          <p:spPr>
+            <a:xfrm>
+              <a:off x="5995977" y="3819515"/>
+              <a:ext cx="155487" cy="1107996"/>
+            </a:xfrm>
+            <a:prstGeom prst="leftBrace">
+              <a:avLst/>
+            </a:prstGeom>
+            <a:ln>
+              <a:solidFill>
+                <a:schemeClr val="tx1"/>
+              </a:solidFill>
+            </a:ln>
+          </p:spPr>
+          <p:style>
+            <a:lnRef idx="1">
+              <a:schemeClr val="accent1"/>
+            </a:lnRef>
+            <a:fillRef idx="0">
+              <a:schemeClr val="accent1"/>
+            </a:fillRef>
+            <a:effectRef idx="0">
+              <a:schemeClr val="accent1"/>
+            </a:effectRef>
+            <a:fontRef idx="minor">
+              <a:schemeClr val="tx1"/>
+            </a:fontRef>
+          </p:style>
+          <p:txBody>
+            <a:bodyPr rtlCol="0" anchor="ctr"/>
+            <a:lstStyle/>
+            <a:p>
+              <a:pPr algn="ctr"/>
+              <a:endParaRPr lang="en-US"/>
+            </a:p>
+          </p:txBody>
+        </p:sp>
+        <p:sp>
+          <p:nvSpPr>
+            <p:cNvPr id="37" name="TextBox 36"/>
+            <p:cNvSpPr txBox="1"/>
+            <p:nvPr/>
+          </p:nvSpPr>
+          <p:spPr>
+            <a:xfrm>
+              <a:off x="6553490" y="3819515"/>
+              <a:ext cx="1030410" cy="1107996"/>
+            </a:xfrm>
+            <a:prstGeom prst="rect">
+              <a:avLst/>
+            </a:prstGeom>
+            <a:noFill/>
+          </p:spPr>
+          <p:txBody>
+            <a:bodyPr wrap="none" rtlCol="0" anchor="ctr">
+              <a:spAutoFit/>
+            </a:bodyPr>
+            <a:lstStyle/>
+            <a:p>
+              <a:r>
+                <a:rPr lang="en-US" sz="2200" dirty="0" smtClean="0"/>
+                <a:t>Type</a:t>
+              </a:r>
+            </a:p>
+            <a:p>
+              <a:r>
+                <a:rPr lang="en-US" sz="2200" dirty="0" smtClean="0"/>
+                <a:t>Control</a:t>
+              </a:r>
+            </a:p>
+            <a:p>
+              <a:r>
+                <a:rPr lang="en-US" sz="2200" dirty="0" smtClean="0"/>
+                <a:t>Tag</a:t>
+              </a:r>
+              <a:endParaRPr lang="en-US" sz="2200" dirty="0"/>
+            </a:p>
+          </p:txBody>
+        </p:sp>
+      </p:grpSp>
+      <p:sp>
+        <p:nvSpPr>
+          <p:cNvPr id="38" name="TextBox 37"/>
+          <p:cNvSpPr txBox="1"/>
+          <p:nvPr/>
+        </p:nvSpPr>
+        <p:spPr>
+          <a:xfrm>
+            <a:off x="956820" y="2066077"/>
+            <a:ext cx="825867" cy="430887"/>
+          </a:xfrm>
+          <a:prstGeom prst="rect">
+            <a:avLst/>
+          </a:prstGeom>
+          <a:noFill/>
+        </p:spPr>
+        <p:txBody>
+          <a:bodyPr wrap="none" rtlCol="0">
+            <a:spAutoFit/>
+          </a:bodyPr>
+          <a:lstStyle/>
+          <a:p>
+            <a:r>
+              <a:rPr lang="en-US" sz="2200" dirty="0" smtClean="0"/>
+              <a:t>802.1</a:t>
+            </a:r>
+            <a:endParaRPr lang="en-US" sz="2200" dirty="0"/>
+          </a:p>
+        </p:txBody>
+      </p:sp>
+      <p:sp>
+        <p:nvSpPr>
+          <p:cNvPr id="39" name="TextBox 38"/>
+          <p:cNvSpPr txBox="1"/>
+          <p:nvPr/>
+        </p:nvSpPr>
+        <p:spPr>
+          <a:xfrm>
+            <a:off x="958644" y="3481010"/>
+            <a:ext cx="1015021" cy="430887"/>
+          </a:xfrm>
+          <a:prstGeom prst="rect">
+            <a:avLst/>
+          </a:prstGeom>
+          <a:noFill/>
+        </p:spPr>
+        <p:txBody>
+          <a:bodyPr wrap="none" rtlCol="0">
+            <a:spAutoFit/>
+          </a:bodyPr>
+          <a:lstStyle/>
+          <a:p>
+            <a:r>
+              <a:rPr lang="en-US" sz="2200" smtClean="0"/>
+              <a:t>802.1Q</a:t>
+            </a:r>
+            <a:endParaRPr lang="en-US" sz="2200"/>
+          </a:p>
+        </p:txBody>
+      </p:sp>
+    </p:spTree>
+    <p:extLst>
+      <p:ext uri="{BB962C8B-B14F-4D97-AF65-F5344CB8AC3E}">
+        <p14:creationId xmlns:p14="http://schemas.microsoft.com/office/powerpoint/2010/main" val="713372941"/>
+      </p:ext>
+    </p:extLst>
+  </p:cSld>
+  <p:clrMapOvr>
+    <a:masterClrMapping/>
+  </p:clrMapOvr>
 </p:sld>
 </file>
 

--- a/figures/impl.pptx
+++ b/figures/impl.pptx
@@ -9,6 +9,7 @@
     <p:sldId id="256" r:id="rId3"/>
     <p:sldId id="258" r:id="rId4"/>
     <p:sldId id="259" r:id="rId5"/>
+    <p:sldId id="260" r:id="rId6"/>
   </p:sldIdLst>
   <p:sldSz cx="12192000" cy="6858000"/>
   <p:notesSz cx="6858000" cy="9144000"/>
@@ -246,7 +247,7 @@
           <a:p>
             <a:fld id="{5D97E163-DB95-D24D-8C95-263DECB1FC34}" type="datetimeFigureOut">
               <a:rPr lang="en-US" smtClean="0"/>
-              <a:t>3/25/19</a:t>
+              <a:t>10/2/19</a:t>
             </a:fld>
             <a:endParaRPr lang="en-US"/>
           </a:p>
@@ -416,7 +417,7 @@
           <a:p>
             <a:fld id="{5D97E163-DB95-D24D-8C95-263DECB1FC34}" type="datetimeFigureOut">
               <a:rPr lang="en-US" smtClean="0"/>
-              <a:t>3/25/19</a:t>
+              <a:t>10/2/19</a:t>
             </a:fld>
             <a:endParaRPr lang="en-US"/>
           </a:p>
@@ -596,7 +597,7 @@
           <a:p>
             <a:fld id="{5D97E163-DB95-D24D-8C95-263DECB1FC34}" type="datetimeFigureOut">
               <a:rPr lang="en-US" smtClean="0"/>
-              <a:t>3/25/19</a:t>
+              <a:t>10/2/19</a:t>
             </a:fld>
             <a:endParaRPr lang="en-US"/>
           </a:p>
@@ -766,7 +767,7 @@
           <a:p>
             <a:fld id="{5D97E163-DB95-D24D-8C95-263DECB1FC34}" type="datetimeFigureOut">
               <a:rPr lang="en-US" smtClean="0"/>
-              <a:t>3/25/19</a:t>
+              <a:t>10/2/19</a:t>
             </a:fld>
             <a:endParaRPr lang="en-US"/>
           </a:p>
@@ -1012,7 +1013,7 @@
           <a:p>
             <a:fld id="{5D97E163-DB95-D24D-8C95-263DECB1FC34}" type="datetimeFigureOut">
               <a:rPr lang="en-US" smtClean="0"/>
-              <a:t>3/25/19</a:t>
+              <a:t>10/2/19</a:t>
             </a:fld>
             <a:endParaRPr lang="en-US"/>
           </a:p>
@@ -1244,7 +1245,7 @@
           <a:p>
             <a:fld id="{5D97E163-DB95-D24D-8C95-263DECB1FC34}" type="datetimeFigureOut">
               <a:rPr lang="en-US" smtClean="0"/>
-              <a:t>3/25/19</a:t>
+              <a:t>10/2/19</a:t>
             </a:fld>
             <a:endParaRPr lang="en-US"/>
           </a:p>
@@ -1611,7 +1612,7 @@
           <a:p>
             <a:fld id="{5D97E163-DB95-D24D-8C95-263DECB1FC34}" type="datetimeFigureOut">
               <a:rPr lang="en-US" smtClean="0"/>
-              <a:t>3/25/19</a:t>
+              <a:t>10/2/19</a:t>
             </a:fld>
             <a:endParaRPr lang="en-US"/>
           </a:p>
@@ -1729,7 +1730,7 @@
           <a:p>
             <a:fld id="{5D97E163-DB95-D24D-8C95-263DECB1FC34}" type="datetimeFigureOut">
               <a:rPr lang="en-US" smtClean="0"/>
-              <a:t>3/25/19</a:t>
+              <a:t>10/2/19</a:t>
             </a:fld>
             <a:endParaRPr lang="en-US"/>
           </a:p>
@@ -1824,7 +1825,7 @@
           <a:p>
             <a:fld id="{5D97E163-DB95-D24D-8C95-263DECB1FC34}" type="datetimeFigureOut">
               <a:rPr lang="en-US" smtClean="0"/>
-              <a:t>3/25/19</a:t>
+              <a:t>10/2/19</a:t>
             </a:fld>
             <a:endParaRPr lang="en-US"/>
           </a:p>
@@ -2101,7 +2102,7 @@
           <a:p>
             <a:fld id="{5D97E163-DB95-D24D-8C95-263DECB1FC34}" type="datetimeFigureOut">
               <a:rPr lang="en-US" smtClean="0"/>
-              <a:t>3/25/19</a:t>
+              <a:t>10/2/19</a:t>
             </a:fld>
             <a:endParaRPr lang="en-US"/>
           </a:p>
@@ -2354,7 +2355,7 @@
           <a:p>
             <a:fld id="{5D97E163-DB95-D24D-8C95-263DECB1FC34}" type="datetimeFigureOut">
               <a:rPr lang="en-US" smtClean="0"/>
-              <a:t>3/25/19</a:t>
+              <a:t>10/2/19</a:t>
             </a:fld>
             <a:endParaRPr lang="en-US"/>
           </a:p>
@@ -2567,7 +2568,7 @@
           <a:p>
             <a:fld id="{5D97E163-DB95-D24D-8C95-263DECB1FC34}" type="datetimeFigureOut">
               <a:rPr lang="en-US" smtClean="0"/>
-              <a:t>3/25/19</a:t>
+              <a:t>10/2/19</a:t>
             </a:fld>
             <a:endParaRPr lang="en-US"/>
           </a:p>
@@ -6685,6 +6686,13 @@
   <p:clrMapOvr>
     <a:masterClrMapping/>
   </p:clrMapOvr>
+  <p:timing>
+    <p:tnLst>
+      <p:par>
+        <p:cTn id="1" dur="indefinite" restart="never" nodeType="tmRoot"/>
+      </p:par>
+    </p:tnLst>
+  </p:timing>
 </p:sld>
 </file>
 
@@ -8037,6 +8045,1161 @@
   <p:clrMapOvr>
     <a:masterClrMapping/>
   </p:clrMapOvr>
+  <p:timing>
+    <p:tnLst>
+      <p:par>
+        <p:cTn id="1" dur="indefinite" restart="never" nodeType="tmRoot"/>
+      </p:par>
+    </p:tnLst>
+  </p:timing>
+</p:sld>
+</file>
+
+<file path=ppt/slides/slide5.xml><?xml version="1.0" encoding="utf-8"?>
+<p:sld xmlns:a="http://schemas.openxmlformats.org/drawingml/2006/main" xmlns:r="http://schemas.openxmlformats.org/officeDocument/2006/relationships" xmlns:p="http://schemas.openxmlformats.org/presentationml/2006/main">
+  <p:cSld>
+    <p:spTree>
+      <p:nvGrpSpPr>
+        <p:cNvPr id="1" name=""/>
+        <p:cNvGrpSpPr/>
+        <p:nvPr/>
+      </p:nvGrpSpPr>
+      <p:grpSpPr>
+        <a:xfrm>
+          <a:off x="0" y="0"/>
+          <a:ext cx="0" cy="0"/>
+          <a:chOff x="0" y="0"/>
+          <a:chExt cx="0" cy="0"/>
+        </a:xfrm>
+      </p:grpSpPr>
+      <p:sp>
+        <p:nvSpPr>
+          <p:cNvPr id="2" name="Rectangle 1"/>
+          <p:cNvSpPr/>
+          <p:nvPr/>
+        </p:nvSpPr>
+        <p:spPr>
+          <a:xfrm>
+            <a:off x="958645" y="1312607"/>
+            <a:ext cx="9247239" cy="752168"/>
+          </a:xfrm>
+          <a:prstGeom prst="rect">
+            <a:avLst/>
+          </a:prstGeom>
+          <a:noFill/>
+          <a:ln w="28575">
+            <a:solidFill>
+              <a:srgbClr val="00B0F0"/>
+            </a:solidFill>
+          </a:ln>
+        </p:spPr>
+        <p:style>
+          <a:lnRef idx="2">
+            <a:schemeClr val="accent1">
+              <a:shade val="50000"/>
+            </a:schemeClr>
+          </a:lnRef>
+          <a:fillRef idx="1">
+            <a:schemeClr val="accent1"/>
+          </a:fillRef>
+          <a:effectRef idx="0">
+            <a:schemeClr val="accent1"/>
+          </a:effectRef>
+          <a:fontRef idx="minor">
+            <a:schemeClr val="lt1"/>
+          </a:fontRef>
+        </p:style>
+        <p:txBody>
+          <a:bodyPr rtlCol="0" anchor="ctr"/>
+          <a:lstStyle/>
+          <a:p>
+            <a:pPr algn="ctr"/>
+            <a:endParaRPr lang="en-US"/>
+          </a:p>
+        </p:txBody>
+      </p:sp>
+      <p:cxnSp>
+        <p:nvCxnSpPr>
+          <p:cNvPr id="3" name="Straight Connector 2"/>
+          <p:cNvCxnSpPr/>
+          <p:nvPr/>
+        </p:nvCxnSpPr>
+        <p:spPr>
+          <a:xfrm>
+            <a:off x="2374497" y="1312607"/>
+            <a:ext cx="0" cy="752168"/>
+          </a:xfrm>
+          <a:prstGeom prst="line">
+            <a:avLst/>
+          </a:prstGeom>
+          <a:ln w="28575">
+            <a:solidFill>
+              <a:srgbClr val="00B0F0"/>
+            </a:solidFill>
+          </a:ln>
+        </p:spPr>
+        <p:style>
+          <a:lnRef idx="1">
+            <a:schemeClr val="accent1"/>
+          </a:lnRef>
+          <a:fillRef idx="0">
+            <a:schemeClr val="accent1"/>
+          </a:fillRef>
+          <a:effectRef idx="0">
+            <a:schemeClr val="accent1"/>
+          </a:effectRef>
+          <a:fontRef idx="minor">
+            <a:schemeClr val="tx1"/>
+          </a:fontRef>
+        </p:style>
+      </p:cxnSp>
+      <p:cxnSp>
+        <p:nvCxnSpPr>
+          <p:cNvPr id="4" name="Straight Connector 3"/>
+          <p:cNvCxnSpPr/>
+          <p:nvPr/>
+        </p:nvCxnSpPr>
+        <p:spPr>
+          <a:xfrm>
+            <a:off x="3780507" y="1312607"/>
+            <a:ext cx="0" cy="752168"/>
+          </a:xfrm>
+          <a:prstGeom prst="line">
+            <a:avLst/>
+          </a:prstGeom>
+          <a:ln w="28575">
+            <a:solidFill>
+              <a:srgbClr val="00B0F0"/>
+            </a:solidFill>
+          </a:ln>
+        </p:spPr>
+        <p:style>
+          <a:lnRef idx="1">
+            <a:schemeClr val="accent1"/>
+          </a:lnRef>
+          <a:fillRef idx="0">
+            <a:schemeClr val="accent1"/>
+          </a:fillRef>
+          <a:effectRef idx="0">
+            <a:schemeClr val="accent1"/>
+          </a:effectRef>
+          <a:fontRef idx="minor">
+            <a:schemeClr val="tx1"/>
+          </a:fontRef>
+        </p:style>
+      </p:cxnSp>
+      <p:cxnSp>
+        <p:nvCxnSpPr>
+          <p:cNvPr id="5" name="Straight Connector 4"/>
+          <p:cNvCxnSpPr/>
+          <p:nvPr/>
+        </p:nvCxnSpPr>
+        <p:spPr>
+          <a:xfrm>
+            <a:off x="5157027" y="1312607"/>
+            <a:ext cx="0" cy="752168"/>
+          </a:xfrm>
+          <a:prstGeom prst="line">
+            <a:avLst/>
+          </a:prstGeom>
+          <a:ln w="28575">
+            <a:solidFill>
+              <a:srgbClr val="00B0F0"/>
+            </a:solidFill>
+          </a:ln>
+        </p:spPr>
+        <p:style>
+          <a:lnRef idx="1">
+            <a:schemeClr val="accent1"/>
+          </a:lnRef>
+          <a:fillRef idx="0">
+            <a:schemeClr val="accent1"/>
+          </a:fillRef>
+          <a:effectRef idx="0">
+            <a:schemeClr val="accent1"/>
+          </a:effectRef>
+          <a:fontRef idx="minor">
+            <a:schemeClr val="tx1"/>
+          </a:fontRef>
+        </p:style>
+      </p:cxnSp>
+      <p:sp>
+        <p:nvSpPr>
+          <p:cNvPr id="6" name="Rectangle 5"/>
+          <p:cNvSpPr/>
+          <p:nvPr/>
+        </p:nvSpPr>
+        <p:spPr>
+          <a:xfrm>
+            <a:off x="7919268" y="1312607"/>
+            <a:ext cx="2286616" cy="752168"/>
+          </a:xfrm>
+          <a:prstGeom prst="rect">
+            <a:avLst/>
+          </a:prstGeom>
+          <a:solidFill>
+            <a:srgbClr val="CFE7F1"/>
+          </a:solidFill>
+          <a:ln w="28575">
+            <a:solidFill>
+              <a:srgbClr val="00B0F0"/>
+            </a:solidFill>
+          </a:ln>
+        </p:spPr>
+        <p:style>
+          <a:lnRef idx="2">
+            <a:schemeClr val="accent1">
+              <a:shade val="50000"/>
+            </a:schemeClr>
+          </a:lnRef>
+          <a:fillRef idx="1">
+            <a:schemeClr val="accent1"/>
+          </a:fillRef>
+          <a:effectRef idx="0">
+            <a:schemeClr val="accent1"/>
+          </a:effectRef>
+          <a:fontRef idx="minor">
+            <a:schemeClr val="lt1"/>
+          </a:fontRef>
+        </p:style>
+        <p:txBody>
+          <a:bodyPr rtlCol="0" anchor="ctr"/>
+          <a:lstStyle/>
+          <a:p>
+            <a:pPr algn="ctr"/>
+            <a:endParaRPr lang="en-US"/>
+          </a:p>
+        </p:txBody>
+      </p:sp>
+      <p:sp>
+        <p:nvSpPr>
+          <p:cNvPr id="8" name="TextBox 7"/>
+          <p:cNvSpPr txBox="1"/>
+          <p:nvPr/>
+        </p:nvSpPr>
+        <p:spPr>
+          <a:xfrm>
+            <a:off x="977758" y="1321471"/>
+            <a:ext cx="1361767" cy="757130"/>
+          </a:xfrm>
+          <a:prstGeom prst="rect">
+            <a:avLst/>
+          </a:prstGeom>
+          <a:noFill/>
+        </p:spPr>
+        <p:txBody>
+          <a:bodyPr wrap="square" rtlCol="0">
+            <a:spAutoFit/>
+          </a:bodyPr>
+          <a:lstStyle/>
+          <a:p>
+            <a:pPr algn="ctr">
+              <a:lnSpc>
+                <a:spcPct val="80000"/>
+              </a:lnSpc>
+            </a:pPr>
+            <a:r>
+              <a:rPr lang="en-US" dirty="0" smtClean="0"/>
+              <a:t>Outer Ethernet</a:t>
+            </a:r>
+          </a:p>
+          <a:p>
+            <a:pPr algn="ctr">
+              <a:lnSpc>
+                <a:spcPct val="80000"/>
+              </a:lnSpc>
+            </a:pPr>
+            <a:r>
+              <a:rPr lang="en-US" dirty="0" smtClean="0"/>
+              <a:t>Header</a:t>
+            </a:r>
+            <a:endParaRPr lang="en-US" dirty="0"/>
+          </a:p>
+        </p:txBody>
+      </p:sp>
+      <p:sp>
+        <p:nvSpPr>
+          <p:cNvPr id="16" name="TextBox 15"/>
+          <p:cNvSpPr txBox="1"/>
+          <p:nvPr/>
+        </p:nvSpPr>
+        <p:spPr>
+          <a:xfrm>
+            <a:off x="8428723" y="1469691"/>
+            <a:ext cx="1361767" cy="430887"/>
+          </a:xfrm>
+          <a:prstGeom prst="rect">
+            <a:avLst/>
+          </a:prstGeom>
+          <a:noFill/>
+        </p:spPr>
+        <p:txBody>
+          <a:bodyPr wrap="square" rtlCol="0">
+            <a:spAutoFit/>
+          </a:bodyPr>
+          <a:lstStyle/>
+          <a:p>
+            <a:pPr algn="ctr"/>
+            <a:r>
+              <a:rPr lang="mr-IN" sz="2200" dirty="0" smtClean="0"/>
+              <a:t>…</a:t>
+            </a:r>
+            <a:r>
+              <a:rPr lang="en-US" sz="2200" dirty="0" smtClean="0"/>
+              <a:t> Body </a:t>
+            </a:r>
+            <a:r>
+              <a:rPr lang="mr-IN" sz="2200" dirty="0" smtClean="0"/>
+              <a:t>…</a:t>
+            </a:r>
+            <a:endParaRPr lang="en-US" sz="2200" dirty="0"/>
+          </a:p>
+        </p:txBody>
+      </p:sp>
+      <p:sp>
+        <p:nvSpPr>
+          <p:cNvPr id="42" name="TextBox 41"/>
+          <p:cNvSpPr txBox="1"/>
+          <p:nvPr/>
+        </p:nvSpPr>
+        <p:spPr>
+          <a:xfrm>
+            <a:off x="2382006" y="1312607"/>
+            <a:ext cx="1361767" cy="757130"/>
+          </a:xfrm>
+          <a:prstGeom prst="rect">
+            <a:avLst/>
+          </a:prstGeom>
+          <a:noFill/>
+        </p:spPr>
+        <p:txBody>
+          <a:bodyPr wrap="square" rtlCol="0">
+            <a:spAutoFit/>
+          </a:bodyPr>
+          <a:lstStyle/>
+          <a:p>
+            <a:pPr algn="ctr">
+              <a:lnSpc>
+                <a:spcPct val="80000"/>
+              </a:lnSpc>
+            </a:pPr>
+            <a:r>
+              <a:rPr lang="en-US" dirty="0" smtClean="0"/>
+              <a:t>Outer</a:t>
+            </a:r>
+          </a:p>
+          <a:p>
+            <a:pPr algn="ctr">
+              <a:lnSpc>
+                <a:spcPct val="80000"/>
+              </a:lnSpc>
+            </a:pPr>
+            <a:r>
+              <a:rPr lang="en-US" dirty="0" smtClean="0"/>
+              <a:t>IP</a:t>
+            </a:r>
+            <a:endParaRPr lang="en-US" dirty="0" smtClean="0"/>
+          </a:p>
+          <a:p>
+            <a:pPr algn="ctr">
+              <a:lnSpc>
+                <a:spcPct val="80000"/>
+              </a:lnSpc>
+            </a:pPr>
+            <a:r>
+              <a:rPr lang="en-US" dirty="0" smtClean="0"/>
+              <a:t>Header</a:t>
+            </a:r>
+            <a:endParaRPr lang="en-US" dirty="0"/>
+          </a:p>
+        </p:txBody>
+      </p:sp>
+      <p:sp>
+        <p:nvSpPr>
+          <p:cNvPr id="43" name="TextBox 42"/>
+          <p:cNvSpPr txBox="1"/>
+          <p:nvPr/>
+        </p:nvSpPr>
+        <p:spPr>
+          <a:xfrm>
+            <a:off x="3771504" y="1330540"/>
+            <a:ext cx="1361767" cy="757130"/>
+          </a:xfrm>
+          <a:prstGeom prst="rect">
+            <a:avLst/>
+          </a:prstGeom>
+          <a:noFill/>
+        </p:spPr>
+        <p:txBody>
+          <a:bodyPr wrap="square" rtlCol="0">
+            <a:spAutoFit/>
+          </a:bodyPr>
+          <a:lstStyle/>
+          <a:p>
+            <a:pPr algn="ctr">
+              <a:lnSpc>
+                <a:spcPct val="80000"/>
+              </a:lnSpc>
+            </a:pPr>
+            <a:r>
+              <a:rPr lang="en-US" dirty="0" smtClean="0"/>
+              <a:t>Outer</a:t>
+            </a:r>
+          </a:p>
+          <a:p>
+            <a:pPr algn="ctr">
+              <a:lnSpc>
+                <a:spcPct val="80000"/>
+              </a:lnSpc>
+            </a:pPr>
+            <a:r>
+              <a:rPr lang="en-US" dirty="0" smtClean="0"/>
+              <a:t>UDP</a:t>
+            </a:r>
+          </a:p>
+          <a:p>
+            <a:pPr algn="ctr">
+              <a:lnSpc>
+                <a:spcPct val="80000"/>
+              </a:lnSpc>
+            </a:pPr>
+            <a:r>
+              <a:rPr lang="en-US" dirty="0" smtClean="0"/>
+              <a:t>Header</a:t>
+            </a:r>
+            <a:endParaRPr lang="en-US" dirty="0"/>
+          </a:p>
+        </p:txBody>
+      </p:sp>
+      <p:cxnSp>
+        <p:nvCxnSpPr>
+          <p:cNvPr id="44" name="Straight Connector 43"/>
+          <p:cNvCxnSpPr/>
+          <p:nvPr/>
+        </p:nvCxnSpPr>
+        <p:spPr>
+          <a:xfrm>
+            <a:off x="6538452" y="1302778"/>
+            <a:ext cx="0" cy="752168"/>
+          </a:xfrm>
+          <a:prstGeom prst="line">
+            <a:avLst/>
+          </a:prstGeom>
+          <a:ln w="28575">
+            <a:solidFill>
+              <a:srgbClr val="00B0F0"/>
+            </a:solidFill>
+          </a:ln>
+        </p:spPr>
+        <p:style>
+          <a:lnRef idx="1">
+            <a:schemeClr val="accent1"/>
+          </a:lnRef>
+          <a:fillRef idx="0">
+            <a:schemeClr val="accent1"/>
+          </a:fillRef>
+          <a:effectRef idx="0">
+            <a:schemeClr val="accent1"/>
+          </a:effectRef>
+          <a:fontRef idx="minor">
+            <a:schemeClr val="tx1"/>
+          </a:fontRef>
+        </p:style>
+      </p:cxnSp>
+      <p:sp>
+        <p:nvSpPr>
+          <p:cNvPr id="45" name="TextBox 44"/>
+          <p:cNvSpPr txBox="1"/>
+          <p:nvPr/>
+        </p:nvSpPr>
+        <p:spPr>
+          <a:xfrm>
+            <a:off x="6540603" y="1330540"/>
+            <a:ext cx="1361767" cy="757130"/>
+          </a:xfrm>
+          <a:prstGeom prst="rect">
+            <a:avLst/>
+          </a:prstGeom>
+          <a:noFill/>
+        </p:spPr>
+        <p:txBody>
+          <a:bodyPr wrap="square" rtlCol="0">
+            <a:spAutoFit/>
+          </a:bodyPr>
+          <a:lstStyle/>
+          <a:p>
+            <a:pPr algn="ctr">
+              <a:lnSpc>
+                <a:spcPct val="80000"/>
+              </a:lnSpc>
+            </a:pPr>
+            <a:r>
+              <a:rPr lang="en-US" dirty="0" smtClean="0"/>
+              <a:t>Inner</a:t>
+            </a:r>
+            <a:r>
+              <a:rPr lang="en-US" dirty="0" smtClean="0"/>
+              <a:t> Ethernet</a:t>
+            </a:r>
+          </a:p>
+          <a:p>
+            <a:pPr algn="ctr">
+              <a:lnSpc>
+                <a:spcPct val="80000"/>
+              </a:lnSpc>
+            </a:pPr>
+            <a:r>
+              <a:rPr lang="en-US" dirty="0" smtClean="0"/>
+              <a:t>Header</a:t>
+            </a:r>
+            <a:endParaRPr lang="en-US" dirty="0"/>
+          </a:p>
+        </p:txBody>
+      </p:sp>
+      <p:sp>
+        <p:nvSpPr>
+          <p:cNvPr id="46" name="TextBox 45"/>
+          <p:cNvSpPr txBox="1"/>
+          <p:nvPr/>
+        </p:nvSpPr>
+        <p:spPr>
+          <a:xfrm>
+            <a:off x="5162766" y="1409196"/>
+            <a:ext cx="1361767" cy="535531"/>
+          </a:xfrm>
+          <a:prstGeom prst="rect">
+            <a:avLst/>
+          </a:prstGeom>
+          <a:noFill/>
+        </p:spPr>
+        <p:txBody>
+          <a:bodyPr wrap="square" rtlCol="0">
+            <a:spAutoFit/>
+          </a:bodyPr>
+          <a:lstStyle/>
+          <a:p>
+            <a:pPr algn="ctr">
+              <a:lnSpc>
+                <a:spcPct val="80000"/>
+              </a:lnSpc>
+            </a:pPr>
+            <a:r>
+              <a:rPr lang="en-US" dirty="0" smtClean="0"/>
+              <a:t>VXLAN</a:t>
+            </a:r>
+          </a:p>
+          <a:p>
+            <a:pPr algn="ctr">
+              <a:lnSpc>
+                <a:spcPct val="80000"/>
+              </a:lnSpc>
+            </a:pPr>
+            <a:r>
+              <a:rPr lang="en-US" dirty="0" smtClean="0"/>
+              <a:t>Header</a:t>
+            </a:r>
+            <a:endParaRPr lang="en-US" dirty="0"/>
+          </a:p>
+        </p:txBody>
+      </p:sp>
+      <p:grpSp>
+        <p:nvGrpSpPr>
+          <p:cNvPr id="63" name="Group 62"/>
+          <p:cNvGrpSpPr/>
+          <p:nvPr/>
+        </p:nvGrpSpPr>
+        <p:grpSpPr>
+          <a:xfrm>
+            <a:off x="3855923" y="3121741"/>
+            <a:ext cx="5669250" cy="761997"/>
+            <a:chOff x="2570561" y="2458066"/>
+            <a:chExt cx="5669250" cy="761997"/>
+          </a:xfrm>
+        </p:grpSpPr>
+        <p:sp>
+          <p:nvSpPr>
+            <p:cNvPr id="48" name="Rectangle 47"/>
+            <p:cNvSpPr/>
+            <p:nvPr/>
+          </p:nvSpPr>
+          <p:spPr>
+            <a:xfrm>
+              <a:off x="2759524" y="2467895"/>
+              <a:ext cx="5281688" cy="752168"/>
+            </a:xfrm>
+            <a:prstGeom prst="rect">
+              <a:avLst/>
+            </a:prstGeom>
+            <a:noFill/>
+            <a:ln w="28575">
+              <a:solidFill>
+                <a:srgbClr val="00B0F0"/>
+              </a:solidFill>
+            </a:ln>
+          </p:spPr>
+          <p:style>
+            <a:lnRef idx="2">
+              <a:schemeClr val="accent1">
+                <a:shade val="50000"/>
+              </a:schemeClr>
+            </a:lnRef>
+            <a:fillRef idx="1">
+              <a:schemeClr val="accent1"/>
+            </a:fillRef>
+            <a:effectRef idx="0">
+              <a:schemeClr val="accent1"/>
+            </a:effectRef>
+            <a:fontRef idx="minor">
+              <a:schemeClr val="lt1"/>
+            </a:fontRef>
+          </p:style>
+          <p:txBody>
+            <a:bodyPr rtlCol="0" anchor="ctr"/>
+            <a:lstStyle/>
+            <a:p>
+              <a:pPr algn="ctr"/>
+              <a:endParaRPr lang="en-US"/>
+            </a:p>
+          </p:txBody>
+        </p:sp>
+        <p:cxnSp>
+          <p:nvCxnSpPr>
+            <p:cNvPr id="50" name="Straight Connector 49"/>
+            <p:cNvCxnSpPr/>
+            <p:nvPr/>
+          </p:nvCxnSpPr>
+          <p:spPr>
+            <a:xfrm>
+              <a:off x="3726430" y="2467895"/>
+              <a:ext cx="0" cy="752168"/>
+            </a:xfrm>
+            <a:prstGeom prst="line">
+              <a:avLst/>
+            </a:prstGeom>
+            <a:ln w="28575">
+              <a:solidFill>
+                <a:srgbClr val="00B0F0"/>
+              </a:solidFill>
+            </a:ln>
+          </p:spPr>
+          <p:style>
+            <a:lnRef idx="1">
+              <a:schemeClr val="accent1"/>
+            </a:lnRef>
+            <a:fillRef idx="0">
+              <a:schemeClr val="accent1"/>
+            </a:fillRef>
+            <a:effectRef idx="0">
+              <a:schemeClr val="accent1"/>
+            </a:effectRef>
+            <a:fontRef idx="minor">
+              <a:schemeClr val="tx1"/>
+            </a:fontRef>
+          </p:style>
+        </p:cxnSp>
+        <p:cxnSp>
+          <p:nvCxnSpPr>
+            <p:cNvPr id="51" name="Straight Connector 50"/>
+            <p:cNvCxnSpPr/>
+            <p:nvPr/>
+          </p:nvCxnSpPr>
+          <p:spPr>
+            <a:xfrm>
+              <a:off x="5397915" y="2467895"/>
+              <a:ext cx="0" cy="752168"/>
+            </a:xfrm>
+            <a:prstGeom prst="line">
+              <a:avLst/>
+            </a:prstGeom>
+            <a:ln w="28575">
+              <a:solidFill>
+                <a:srgbClr val="00B0F0"/>
+              </a:solidFill>
+            </a:ln>
+          </p:spPr>
+          <p:style>
+            <a:lnRef idx="1">
+              <a:schemeClr val="accent1"/>
+            </a:lnRef>
+            <a:fillRef idx="0">
+              <a:schemeClr val="accent1"/>
+            </a:fillRef>
+            <a:effectRef idx="0">
+              <a:schemeClr val="accent1"/>
+            </a:effectRef>
+            <a:fontRef idx="minor">
+              <a:schemeClr val="tx1"/>
+            </a:fontRef>
+          </p:style>
+        </p:cxnSp>
+        <p:sp>
+          <p:nvSpPr>
+            <p:cNvPr id="55" name="TextBox 54"/>
+            <p:cNvSpPr txBox="1"/>
+            <p:nvPr/>
+          </p:nvSpPr>
+          <p:spPr>
+            <a:xfrm>
+              <a:off x="2570561" y="2687013"/>
+              <a:ext cx="1361767" cy="313932"/>
+            </a:xfrm>
+            <a:prstGeom prst="rect">
+              <a:avLst/>
+            </a:prstGeom>
+            <a:noFill/>
+          </p:spPr>
+          <p:txBody>
+            <a:bodyPr wrap="square" rtlCol="0">
+              <a:spAutoFit/>
+            </a:bodyPr>
+            <a:lstStyle/>
+            <a:p>
+              <a:pPr algn="ctr">
+                <a:lnSpc>
+                  <a:spcPct val="80000"/>
+                </a:lnSpc>
+              </a:pPr>
+              <a:r>
+                <a:rPr lang="en-US" dirty="0" smtClean="0"/>
+                <a:t>Flags</a:t>
+              </a:r>
+              <a:endParaRPr lang="en-US" dirty="0"/>
+            </a:p>
+          </p:txBody>
+        </p:sp>
+        <p:cxnSp>
+          <p:nvCxnSpPr>
+            <p:cNvPr id="57" name="Straight Connector 56"/>
+            <p:cNvCxnSpPr/>
+            <p:nvPr/>
+          </p:nvCxnSpPr>
+          <p:spPr>
+            <a:xfrm>
+              <a:off x="7074306" y="2458066"/>
+              <a:ext cx="0" cy="752168"/>
+            </a:xfrm>
+            <a:prstGeom prst="line">
+              <a:avLst/>
+            </a:prstGeom>
+            <a:ln w="28575">
+              <a:solidFill>
+                <a:srgbClr val="00B0F0"/>
+              </a:solidFill>
+            </a:ln>
+          </p:spPr>
+          <p:style>
+            <a:lnRef idx="1">
+              <a:schemeClr val="accent1"/>
+            </a:lnRef>
+            <a:fillRef idx="0">
+              <a:schemeClr val="accent1"/>
+            </a:fillRef>
+            <a:effectRef idx="0">
+              <a:schemeClr val="accent1"/>
+            </a:effectRef>
+            <a:fontRef idx="minor">
+              <a:schemeClr val="tx1"/>
+            </a:fontRef>
+          </p:style>
+        </p:cxnSp>
+        <p:sp>
+          <p:nvSpPr>
+            <p:cNvPr id="58" name="TextBox 57"/>
+            <p:cNvSpPr txBox="1"/>
+            <p:nvPr/>
+          </p:nvSpPr>
+          <p:spPr>
+            <a:xfrm>
+              <a:off x="6878044" y="2707427"/>
+              <a:ext cx="1361767" cy="313932"/>
+            </a:xfrm>
+            <a:prstGeom prst="rect">
+              <a:avLst/>
+            </a:prstGeom>
+            <a:noFill/>
+          </p:spPr>
+          <p:txBody>
+            <a:bodyPr wrap="square" rtlCol="0">
+              <a:spAutoFit/>
+            </a:bodyPr>
+            <a:lstStyle/>
+            <a:p>
+              <a:pPr algn="ctr">
+                <a:lnSpc>
+                  <a:spcPct val="80000"/>
+                </a:lnSpc>
+              </a:pPr>
+              <a:r>
+                <a:rPr lang="en-US" dirty="0" smtClean="0"/>
+                <a:t>Reserved</a:t>
+              </a:r>
+              <a:endParaRPr lang="en-US" dirty="0"/>
+            </a:p>
+          </p:txBody>
+        </p:sp>
+        <p:sp>
+          <p:nvSpPr>
+            <p:cNvPr id="60" name="TextBox 59"/>
+            <p:cNvSpPr txBox="1"/>
+            <p:nvPr/>
+          </p:nvSpPr>
+          <p:spPr>
+            <a:xfrm>
+              <a:off x="5491309" y="2701851"/>
+              <a:ext cx="1361767" cy="313932"/>
+            </a:xfrm>
+            <a:prstGeom prst="rect">
+              <a:avLst/>
+            </a:prstGeom>
+            <a:noFill/>
+          </p:spPr>
+          <p:txBody>
+            <a:bodyPr wrap="square" rtlCol="0">
+              <a:spAutoFit/>
+            </a:bodyPr>
+            <a:lstStyle/>
+            <a:p>
+              <a:pPr algn="ctr">
+                <a:lnSpc>
+                  <a:spcPct val="80000"/>
+                </a:lnSpc>
+              </a:pPr>
+              <a:r>
+                <a:rPr lang="en-US" dirty="0" smtClean="0"/>
+                <a:t>VNI</a:t>
+              </a:r>
+              <a:endParaRPr lang="en-US" dirty="0"/>
+            </a:p>
+          </p:txBody>
+        </p:sp>
+        <p:sp>
+          <p:nvSpPr>
+            <p:cNvPr id="62" name="TextBox 61"/>
+            <p:cNvSpPr txBox="1"/>
+            <p:nvPr/>
+          </p:nvSpPr>
+          <p:spPr>
+            <a:xfrm>
+              <a:off x="3827301" y="2707427"/>
+              <a:ext cx="1361767" cy="313932"/>
+            </a:xfrm>
+            <a:prstGeom prst="rect">
+              <a:avLst/>
+            </a:prstGeom>
+            <a:noFill/>
+          </p:spPr>
+          <p:txBody>
+            <a:bodyPr wrap="square" rtlCol="0">
+              <a:spAutoFit/>
+            </a:bodyPr>
+            <a:lstStyle/>
+            <a:p>
+              <a:pPr algn="ctr">
+                <a:lnSpc>
+                  <a:spcPct val="80000"/>
+                </a:lnSpc>
+              </a:pPr>
+              <a:r>
+                <a:rPr lang="en-US" dirty="0" smtClean="0"/>
+                <a:t>Reserved</a:t>
+              </a:r>
+              <a:endParaRPr lang="en-US" dirty="0"/>
+            </a:p>
+          </p:txBody>
+        </p:sp>
+      </p:grpSp>
+      <p:cxnSp>
+        <p:nvCxnSpPr>
+          <p:cNvPr id="64" name="Straight Connector 63"/>
+          <p:cNvCxnSpPr/>
+          <p:nvPr/>
+        </p:nvCxnSpPr>
+        <p:spPr>
+          <a:xfrm>
+            <a:off x="6538452" y="2078601"/>
+            <a:ext cx="2788122" cy="1020245"/>
+          </a:xfrm>
+          <a:prstGeom prst="line">
+            <a:avLst/>
+          </a:prstGeom>
+          <a:ln w="9525">
+            <a:solidFill>
+              <a:schemeClr val="tx1"/>
+            </a:solidFill>
+            <a:prstDash val="sysDash"/>
+          </a:ln>
+        </p:spPr>
+        <p:style>
+          <a:lnRef idx="1">
+            <a:schemeClr val="accent1"/>
+          </a:lnRef>
+          <a:fillRef idx="0">
+            <a:schemeClr val="accent1"/>
+          </a:fillRef>
+          <a:effectRef idx="0">
+            <a:schemeClr val="accent1"/>
+          </a:effectRef>
+          <a:fontRef idx="minor">
+            <a:schemeClr val="tx1"/>
+          </a:fontRef>
+        </p:style>
+      </p:cxnSp>
+      <p:cxnSp>
+        <p:nvCxnSpPr>
+          <p:cNvPr id="68" name="Straight Connector 67"/>
+          <p:cNvCxnSpPr/>
+          <p:nvPr/>
+        </p:nvCxnSpPr>
+        <p:spPr>
+          <a:xfrm flipH="1">
+            <a:off x="4044886" y="2093349"/>
+            <a:ext cx="1088388" cy="1052969"/>
+          </a:xfrm>
+          <a:prstGeom prst="line">
+            <a:avLst/>
+          </a:prstGeom>
+          <a:ln w="12700">
+            <a:solidFill>
+              <a:schemeClr val="tx1"/>
+            </a:solidFill>
+            <a:prstDash val="sysDash"/>
+          </a:ln>
+        </p:spPr>
+        <p:style>
+          <a:lnRef idx="1">
+            <a:schemeClr val="accent1"/>
+          </a:lnRef>
+          <a:fillRef idx="0">
+            <a:schemeClr val="accent1"/>
+          </a:fillRef>
+          <a:effectRef idx="0">
+            <a:schemeClr val="accent1"/>
+          </a:effectRef>
+          <a:fontRef idx="minor">
+            <a:schemeClr val="tx1"/>
+          </a:fontRef>
+        </p:style>
+      </p:cxnSp>
+      <p:sp>
+        <p:nvSpPr>
+          <p:cNvPr id="71" name="TextBox 70"/>
+          <p:cNvSpPr txBox="1"/>
+          <p:nvPr/>
+        </p:nvSpPr>
+        <p:spPr>
+          <a:xfrm>
+            <a:off x="4358391" y="2768760"/>
+            <a:ext cx="327334" cy="430887"/>
+          </a:xfrm>
+          <a:prstGeom prst="rect">
+            <a:avLst/>
+          </a:prstGeom>
+          <a:noFill/>
+        </p:spPr>
+        <p:txBody>
+          <a:bodyPr wrap="none" rtlCol="0">
+            <a:spAutoFit/>
+          </a:bodyPr>
+          <a:lstStyle/>
+          <a:p>
+            <a:pPr algn="ctr"/>
+            <a:r>
+              <a:rPr lang="en-US" sz="2200" dirty="0"/>
+              <a:t>8</a:t>
+            </a:r>
+            <a:endParaRPr lang="en-US" sz="2200" dirty="0"/>
+          </a:p>
+        </p:txBody>
+      </p:sp>
+      <p:sp>
+        <p:nvSpPr>
+          <p:cNvPr id="72" name="TextBox 71"/>
+          <p:cNvSpPr txBox="1"/>
+          <p:nvPr/>
+        </p:nvSpPr>
+        <p:spPr>
+          <a:xfrm>
+            <a:off x="5543798" y="2783508"/>
+            <a:ext cx="470000" cy="430887"/>
+          </a:xfrm>
+          <a:prstGeom prst="rect">
+            <a:avLst/>
+          </a:prstGeom>
+          <a:noFill/>
+        </p:spPr>
+        <p:txBody>
+          <a:bodyPr wrap="none" rtlCol="0">
+            <a:spAutoFit/>
+          </a:bodyPr>
+          <a:lstStyle/>
+          <a:p>
+            <a:pPr algn="ctr"/>
+            <a:r>
+              <a:rPr lang="en-US" sz="2200" dirty="0" smtClean="0"/>
+              <a:t>24</a:t>
+            </a:r>
+            <a:endParaRPr lang="en-US" sz="2200" dirty="0"/>
+          </a:p>
+        </p:txBody>
+      </p:sp>
+      <p:sp>
+        <p:nvSpPr>
+          <p:cNvPr id="73" name="TextBox 72"/>
+          <p:cNvSpPr txBox="1"/>
+          <p:nvPr/>
+        </p:nvSpPr>
+        <p:spPr>
+          <a:xfrm>
+            <a:off x="7099921" y="2783508"/>
+            <a:ext cx="685770" cy="430887"/>
+          </a:xfrm>
+          <a:prstGeom prst="rect">
+            <a:avLst/>
+          </a:prstGeom>
+          <a:noFill/>
+        </p:spPr>
+        <p:txBody>
+          <a:bodyPr wrap="square" rtlCol="0">
+            <a:spAutoFit/>
+          </a:bodyPr>
+          <a:lstStyle/>
+          <a:p>
+            <a:pPr algn="ctr"/>
+            <a:r>
+              <a:rPr lang="en-US" sz="2200" dirty="0" smtClean="0"/>
+              <a:t>24</a:t>
+            </a:r>
+            <a:endParaRPr lang="en-US" sz="2200" dirty="0"/>
+          </a:p>
+        </p:txBody>
+      </p:sp>
+      <p:sp>
+        <p:nvSpPr>
+          <p:cNvPr id="74" name="TextBox 73"/>
+          <p:cNvSpPr txBox="1"/>
+          <p:nvPr/>
+        </p:nvSpPr>
+        <p:spPr>
+          <a:xfrm>
+            <a:off x="8644970" y="2783508"/>
+            <a:ext cx="327334" cy="430887"/>
+          </a:xfrm>
+          <a:prstGeom prst="rect">
+            <a:avLst/>
+          </a:prstGeom>
+          <a:noFill/>
+        </p:spPr>
+        <p:txBody>
+          <a:bodyPr wrap="none" rtlCol="0">
+            <a:spAutoFit/>
+          </a:bodyPr>
+          <a:lstStyle/>
+          <a:p>
+            <a:pPr algn="ctr"/>
+            <a:r>
+              <a:rPr lang="en-US" sz="2200"/>
+              <a:t>8</a:t>
+            </a:r>
+            <a:endParaRPr lang="en-US" sz="2200" dirty="0"/>
+          </a:p>
+        </p:txBody>
+      </p:sp>
+      <p:cxnSp>
+        <p:nvCxnSpPr>
+          <p:cNvPr id="75" name="Straight Connector 74"/>
+          <p:cNvCxnSpPr>
+            <a:endCxn id="76" idx="3"/>
+          </p:cNvCxnSpPr>
+          <p:nvPr/>
+        </p:nvCxnSpPr>
+        <p:spPr>
+          <a:xfrm flipH="1">
+            <a:off x="3701797" y="2068772"/>
+            <a:ext cx="609690" cy="609703"/>
+          </a:xfrm>
+          <a:prstGeom prst="line">
+            <a:avLst/>
+          </a:prstGeom>
+          <a:ln w="12700">
+            <a:solidFill>
+              <a:schemeClr val="tx1"/>
+            </a:solidFill>
+            <a:prstDash val="sysDash"/>
+            <a:headEnd type="triangle" w="med" len="med"/>
+            <a:tailEnd type="none" w="med" len="med"/>
+          </a:ln>
+        </p:spPr>
+        <p:style>
+          <a:lnRef idx="1">
+            <a:schemeClr val="accent1"/>
+          </a:lnRef>
+          <a:fillRef idx="0">
+            <a:schemeClr val="accent1"/>
+          </a:fillRef>
+          <a:effectRef idx="0">
+            <a:schemeClr val="accent1"/>
+          </a:effectRef>
+          <a:fontRef idx="minor">
+            <a:schemeClr val="tx1"/>
+          </a:fontRef>
+        </p:style>
+      </p:cxnSp>
+      <p:sp>
+        <p:nvSpPr>
+          <p:cNvPr id="76" name="TextBox 75"/>
+          <p:cNvSpPr txBox="1"/>
+          <p:nvPr/>
+        </p:nvSpPr>
+        <p:spPr>
+          <a:xfrm>
+            <a:off x="2118090" y="2521509"/>
+            <a:ext cx="1583707" cy="313932"/>
+          </a:xfrm>
+          <a:prstGeom prst="rect">
+            <a:avLst/>
+          </a:prstGeom>
+          <a:noFill/>
+        </p:spPr>
+        <p:txBody>
+          <a:bodyPr wrap="square" rtlCol="0">
+            <a:spAutoFit/>
+          </a:bodyPr>
+          <a:lstStyle/>
+          <a:p>
+            <a:pPr algn="ctr">
+              <a:lnSpc>
+                <a:spcPct val="80000"/>
+              </a:lnSpc>
+            </a:pPr>
+            <a:r>
+              <a:rPr lang="en-US" dirty="0" err="1" smtClean="0"/>
+              <a:t>DestPort</a:t>
+            </a:r>
+            <a:r>
+              <a:rPr lang="en-US" dirty="0" smtClean="0"/>
+              <a:t>=4789</a:t>
+            </a:r>
+            <a:endParaRPr lang="en-US" dirty="0"/>
+          </a:p>
+        </p:txBody>
+      </p:sp>
+    </p:spTree>
+    <p:extLst>
+      <p:ext uri="{BB962C8B-B14F-4D97-AF65-F5344CB8AC3E}">
+        <p14:creationId xmlns:p14="http://schemas.microsoft.com/office/powerpoint/2010/main" val="1669432828"/>
+      </p:ext>
+    </p:extLst>
+  </p:cSld>
+  <p:clrMapOvr>
+    <a:masterClrMapping/>
+  </p:clrMapOvr>
+  <p:timing>
+    <p:tnLst>
+      <p:par>
+        <p:cTn id="1" dur="indefinite" restart="never" nodeType="tmRoot"/>
+      </p:par>
+    </p:tnLst>
+  </p:timing>
 </p:sld>
 </file>
 

--- a/figures/impl.pptx
+++ b/figures/impl.pptx
@@ -9,6 +9,9 @@
     <p:sldId id="256" r:id="rId3"/>
     <p:sldId id="258" r:id="rId4"/>
     <p:sldId id="259" r:id="rId5"/>
+    <p:sldId id="260" r:id="rId6"/>
+    <p:sldId id="261" r:id="rId7"/>
+    <p:sldId id="262" r:id="rId8"/>
   </p:sldIdLst>
   <p:sldSz cx="12192000" cy="6858000"/>
   <p:notesSz cx="6858000" cy="9144000"/>
@@ -246,7 +249,7 @@
           <a:p>
             <a:fld id="{5D97E163-DB95-D24D-8C95-263DECB1FC34}" type="datetimeFigureOut">
               <a:rPr lang="en-US" smtClean="0"/>
-              <a:t>3/25/19</a:t>
+              <a:t>10/12/19</a:t>
             </a:fld>
             <a:endParaRPr lang="en-US"/>
           </a:p>
@@ -416,7 +419,7 @@
           <a:p>
             <a:fld id="{5D97E163-DB95-D24D-8C95-263DECB1FC34}" type="datetimeFigureOut">
               <a:rPr lang="en-US" smtClean="0"/>
-              <a:t>3/25/19</a:t>
+              <a:t>10/12/19</a:t>
             </a:fld>
             <a:endParaRPr lang="en-US"/>
           </a:p>
@@ -596,7 +599,7 @@
           <a:p>
             <a:fld id="{5D97E163-DB95-D24D-8C95-263DECB1FC34}" type="datetimeFigureOut">
               <a:rPr lang="en-US" smtClean="0"/>
-              <a:t>3/25/19</a:t>
+              <a:t>10/12/19</a:t>
             </a:fld>
             <a:endParaRPr lang="en-US"/>
           </a:p>
@@ -766,7 +769,7 @@
           <a:p>
             <a:fld id="{5D97E163-DB95-D24D-8C95-263DECB1FC34}" type="datetimeFigureOut">
               <a:rPr lang="en-US" smtClean="0"/>
-              <a:t>3/25/19</a:t>
+              <a:t>10/12/19</a:t>
             </a:fld>
             <a:endParaRPr lang="en-US"/>
           </a:p>
@@ -1012,7 +1015,7 @@
           <a:p>
             <a:fld id="{5D97E163-DB95-D24D-8C95-263DECB1FC34}" type="datetimeFigureOut">
               <a:rPr lang="en-US" smtClean="0"/>
-              <a:t>3/25/19</a:t>
+              <a:t>10/12/19</a:t>
             </a:fld>
             <a:endParaRPr lang="en-US"/>
           </a:p>
@@ -1244,7 +1247,7 @@
           <a:p>
             <a:fld id="{5D97E163-DB95-D24D-8C95-263DECB1FC34}" type="datetimeFigureOut">
               <a:rPr lang="en-US" smtClean="0"/>
-              <a:t>3/25/19</a:t>
+              <a:t>10/12/19</a:t>
             </a:fld>
             <a:endParaRPr lang="en-US"/>
           </a:p>
@@ -1611,7 +1614,7 @@
           <a:p>
             <a:fld id="{5D97E163-DB95-D24D-8C95-263DECB1FC34}" type="datetimeFigureOut">
               <a:rPr lang="en-US" smtClean="0"/>
-              <a:t>3/25/19</a:t>
+              <a:t>10/12/19</a:t>
             </a:fld>
             <a:endParaRPr lang="en-US"/>
           </a:p>
@@ -1729,7 +1732,7 @@
           <a:p>
             <a:fld id="{5D97E163-DB95-D24D-8C95-263DECB1FC34}" type="datetimeFigureOut">
               <a:rPr lang="en-US" smtClean="0"/>
-              <a:t>3/25/19</a:t>
+              <a:t>10/12/19</a:t>
             </a:fld>
             <a:endParaRPr lang="en-US"/>
           </a:p>
@@ -1824,7 +1827,7 @@
           <a:p>
             <a:fld id="{5D97E163-DB95-D24D-8C95-263DECB1FC34}" type="datetimeFigureOut">
               <a:rPr lang="en-US" smtClean="0"/>
-              <a:t>3/25/19</a:t>
+              <a:t>10/12/19</a:t>
             </a:fld>
             <a:endParaRPr lang="en-US"/>
           </a:p>
@@ -2101,7 +2104,7 @@
           <a:p>
             <a:fld id="{5D97E163-DB95-D24D-8C95-263DECB1FC34}" type="datetimeFigureOut">
               <a:rPr lang="en-US" smtClean="0"/>
-              <a:t>3/25/19</a:t>
+              <a:t>10/12/19</a:t>
             </a:fld>
             <a:endParaRPr lang="en-US"/>
           </a:p>
@@ -2354,7 +2357,7 @@
           <a:p>
             <a:fld id="{5D97E163-DB95-D24D-8C95-263DECB1FC34}" type="datetimeFigureOut">
               <a:rPr lang="en-US" smtClean="0"/>
-              <a:t>3/25/19</a:t>
+              <a:t>10/12/19</a:t>
             </a:fld>
             <a:endParaRPr lang="en-US"/>
           </a:p>
@@ -2567,7 +2570,7 @@
           <a:p>
             <a:fld id="{5D97E163-DB95-D24D-8C95-263DECB1FC34}" type="datetimeFigureOut">
               <a:rPr lang="en-US" smtClean="0"/>
-              <a:t>3/25/19</a:t>
+              <a:t>10/12/19</a:t>
             </a:fld>
             <a:endParaRPr lang="en-US"/>
           </a:p>
@@ -8040,6 +8043,2813 @@
 </p:sld>
 </file>
 
+<file path=ppt/slides/slide5.xml><?xml version="1.0" encoding="utf-8"?>
+<p:sld xmlns:a="http://schemas.openxmlformats.org/drawingml/2006/main" xmlns:r="http://schemas.openxmlformats.org/officeDocument/2006/relationships" xmlns:p="http://schemas.openxmlformats.org/presentationml/2006/main">
+  <p:cSld>
+    <p:spTree>
+      <p:nvGrpSpPr>
+        <p:cNvPr id="1" name=""/>
+        <p:cNvGrpSpPr/>
+        <p:nvPr/>
+      </p:nvGrpSpPr>
+      <p:grpSpPr>
+        <a:xfrm>
+          <a:off x="0" y="0"/>
+          <a:ext cx="0" cy="0"/>
+          <a:chOff x="0" y="0"/>
+          <a:chExt cx="0" cy="0"/>
+        </a:xfrm>
+      </p:grpSpPr>
+      <p:pic>
+        <p:nvPicPr>
+          <p:cNvPr id="4" name="Picture 3"/>
+          <p:cNvPicPr>
+            <a:picLocks noChangeAspect="1"/>
+          </p:cNvPicPr>
+          <p:nvPr/>
+        </p:nvPicPr>
+        <p:blipFill>
+          <a:blip r:embed="rId2">
+            <a:extLst>
+              <a:ext uri="{28A0092B-C50C-407E-A947-70E740481C1C}">
+                <a14:useLocalDpi xmlns:a14="http://schemas.microsoft.com/office/drawing/2010/main" val="0"/>
+              </a:ext>
+            </a:extLst>
+          </a:blip>
+          <a:stretch>
+            <a:fillRect/>
+          </a:stretch>
+        </p:blipFill>
+        <p:spPr>
+          <a:xfrm>
+            <a:off x="1866461" y="1303091"/>
+            <a:ext cx="791145" cy="923003"/>
+          </a:xfrm>
+          <a:prstGeom prst="rect">
+            <a:avLst/>
+          </a:prstGeom>
+        </p:spPr>
+      </p:pic>
+      <p:pic>
+        <p:nvPicPr>
+          <p:cNvPr id="5" name="Picture 4"/>
+          <p:cNvPicPr>
+            <a:picLocks noChangeAspect="1"/>
+          </p:cNvPicPr>
+          <p:nvPr/>
+        </p:nvPicPr>
+        <p:blipFill>
+          <a:blip r:embed="rId3">
+            <a:extLst>
+              <a:ext uri="{28A0092B-C50C-407E-A947-70E740481C1C}">
+                <a14:useLocalDpi xmlns:a14="http://schemas.microsoft.com/office/drawing/2010/main" val="0"/>
+              </a:ext>
+            </a:extLst>
+          </a:blip>
+          <a:stretch>
+            <a:fillRect/>
+          </a:stretch>
+        </p:blipFill>
+        <p:spPr>
+          <a:xfrm>
+            <a:off x="2965559" y="2241754"/>
+            <a:ext cx="1066388" cy="643407"/>
+          </a:xfrm>
+          <a:prstGeom prst="rect">
+            <a:avLst/>
+          </a:prstGeom>
+        </p:spPr>
+      </p:pic>
+      <p:pic>
+        <p:nvPicPr>
+          <p:cNvPr id="6" name="Picture 5"/>
+          <p:cNvPicPr>
+            <a:picLocks noChangeAspect="1"/>
+          </p:cNvPicPr>
+          <p:nvPr/>
+        </p:nvPicPr>
+        <p:blipFill>
+          <a:blip r:embed="rId3">
+            <a:extLst>
+              <a:ext uri="{28A0092B-C50C-407E-A947-70E740481C1C}">
+                <a14:useLocalDpi xmlns:a14="http://schemas.microsoft.com/office/drawing/2010/main" val="0"/>
+              </a:ext>
+            </a:extLst>
+          </a:blip>
+          <a:stretch>
+            <a:fillRect/>
+          </a:stretch>
+        </p:blipFill>
+        <p:spPr>
+          <a:xfrm>
+            <a:off x="1752598" y="3751006"/>
+            <a:ext cx="1066388" cy="643407"/>
+          </a:xfrm>
+          <a:prstGeom prst="rect">
+            <a:avLst/>
+          </a:prstGeom>
+        </p:spPr>
+      </p:pic>
+      <p:pic>
+        <p:nvPicPr>
+          <p:cNvPr id="7" name="Picture 6"/>
+          <p:cNvPicPr>
+            <a:picLocks noChangeAspect="1"/>
+          </p:cNvPicPr>
+          <p:nvPr/>
+        </p:nvPicPr>
+        <p:blipFill>
+          <a:blip r:embed="rId3">
+            <a:extLst>
+              <a:ext uri="{28A0092B-C50C-407E-A947-70E740481C1C}">
+                <a14:useLocalDpi xmlns:a14="http://schemas.microsoft.com/office/drawing/2010/main" val="0"/>
+              </a:ext>
+            </a:extLst>
+          </a:blip>
+          <a:stretch>
+            <a:fillRect/>
+          </a:stretch>
+        </p:blipFill>
+        <p:spPr>
+          <a:xfrm>
+            <a:off x="4031947" y="4394413"/>
+            <a:ext cx="1066388" cy="643407"/>
+          </a:xfrm>
+          <a:prstGeom prst="rect">
+            <a:avLst/>
+          </a:prstGeom>
+        </p:spPr>
+      </p:pic>
+      <p:pic>
+        <p:nvPicPr>
+          <p:cNvPr id="8" name="Picture 7"/>
+          <p:cNvPicPr>
+            <a:picLocks noChangeAspect="1"/>
+          </p:cNvPicPr>
+          <p:nvPr/>
+        </p:nvPicPr>
+        <p:blipFill>
+          <a:blip r:embed="rId3">
+            <a:extLst>
+              <a:ext uri="{28A0092B-C50C-407E-A947-70E740481C1C}">
+                <a14:useLocalDpi xmlns:a14="http://schemas.microsoft.com/office/drawing/2010/main" val="0"/>
+              </a:ext>
+            </a:extLst>
+          </a:blip>
+          <a:stretch>
+            <a:fillRect/>
+          </a:stretch>
+        </p:blipFill>
+        <p:spPr>
+          <a:xfrm>
+            <a:off x="4919927" y="2885161"/>
+            <a:ext cx="1066388" cy="643407"/>
+          </a:xfrm>
+          <a:prstGeom prst="rect">
+            <a:avLst/>
+          </a:prstGeom>
+        </p:spPr>
+      </p:pic>
+      <p:pic>
+        <p:nvPicPr>
+          <p:cNvPr id="9" name="Picture 8"/>
+          <p:cNvPicPr>
+            <a:picLocks noChangeAspect="1"/>
+          </p:cNvPicPr>
+          <p:nvPr/>
+        </p:nvPicPr>
+        <p:blipFill>
+          <a:blip r:embed="rId3">
+            <a:extLst>
+              <a:ext uri="{28A0092B-C50C-407E-A947-70E740481C1C}">
+                <a14:useLocalDpi xmlns:a14="http://schemas.microsoft.com/office/drawing/2010/main" val="0"/>
+              </a:ext>
+            </a:extLst>
+          </a:blip>
+          <a:stretch>
+            <a:fillRect/>
+          </a:stretch>
+        </p:blipFill>
+        <p:spPr>
+          <a:xfrm>
+            <a:off x="6889043" y="2392942"/>
+            <a:ext cx="1066388" cy="643407"/>
+          </a:xfrm>
+          <a:prstGeom prst="rect">
+            <a:avLst/>
+          </a:prstGeom>
+        </p:spPr>
+      </p:pic>
+      <p:pic>
+        <p:nvPicPr>
+          <p:cNvPr id="10" name="Picture 9"/>
+          <p:cNvPicPr>
+            <a:picLocks noChangeAspect="1"/>
+          </p:cNvPicPr>
+          <p:nvPr/>
+        </p:nvPicPr>
+        <p:blipFill>
+          <a:blip r:embed="rId3">
+            <a:extLst>
+              <a:ext uri="{28A0092B-C50C-407E-A947-70E740481C1C}">
+                <a14:useLocalDpi xmlns:a14="http://schemas.microsoft.com/office/drawing/2010/main" val="0"/>
+              </a:ext>
+            </a:extLst>
+          </a:blip>
+          <a:stretch>
+            <a:fillRect/>
+          </a:stretch>
+        </p:blipFill>
+        <p:spPr>
+          <a:xfrm>
+            <a:off x="5807907" y="5504246"/>
+            <a:ext cx="1066388" cy="643407"/>
+          </a:xfrm>
+          <a:prstGeom prst="rect">
+            <a:avLst/>
+          </a:prstGeom>
+        </p:spPr>
+      </p:pic>
+      <p:pic>
+        <p:nvPicPr>
+          <p:cNvPr id="11" name="Picture 10"/>
+          <p:cNvPicPr>
+            <a:picLocks noChangeAspect="1"/>
+          </p:cNvPicPr>
+          <p:nvPr/>
+        </p:nvPicPr>
+        <p:blipFill>
+          <a:blip r:embed="rId3">
+            <a:extLst>
+              <a:ext uri="{28A0092B-C50C-407E-A947-70E740481C1C}">
+                <a14:useLocalDpi xmlns:a14="http://schemas.microsoft.com/office/drawing/2010/main" val="0"/>
+              </a:ext>
+            </a:extLst>
+          </a:blip>
+          <a:stretch>
+            <a:fillRect/>
+          </a:stretch>
+        </p:blipFill>
+        <p:spPr>
+          <a:xfrm>
+            <a:off x="2432365" y="5504246"/>
+            <a:ext cx="1066388" cy="643407"/>
+          </a:xfrm>
+          <a:prstGeom prst="rect">
+            <a:avLst/>
+          </a:prstGeom>
+        </p:spPr>
+      </p:pic>
+      <p:cxnSp>
+        <p:nvCxnSpPr>
+          <p:cNvPr id="13" name="Straight Connector 12"/>
+          <p:cNvCxnSpPr>
+            <a:stCxn id="11" idx="3"/>
+            <a:endCxn id="10" idx="1"/>
+          </p:cNvCxnSpPr>
+          <p:nvPr/>
+        </p:nvCxnSpPr>
+        <p:spPr>
+          <a:xfrm>
+            <a:off x="3498753" y="5825950"/>
+            <a:ext cx="2309154" cy="0"/>
+          </a:xfrm>
+          <a:prstGeom prst="line">
+            <a:avLst/>
+          </a:prstGeom>
+        </p:spPr>
+        <p:style>
+          <a:lnRef idx="3">
+            <a:schemeClr val="dk1"/>
+          </a:lnRef>
+          <a:fillRef idx="0">
+            <a:schemeClr val="dk1"/>
+          </a:fillRef>
+          <a:effectRef idx="2">
+            <a:schemeClr val="dk1"/>
+          </a:effectRef>
+          <a:fontRef idx="minor">
+            <a:schemeClr val="tx1"/>
+          </a:fontRef>
+        </p:style>
+      </p:cxnSp>
+      <p:pic>
+        <p:nvPicPr>
+          <p:cNvPr id="14" name="Picture 13"/>
+          <p:cNvPicPr>
+            <a:picLocks noChangeAspect="1"/>
+          </p:cNvPicPr>
+          <p:nvPr/>
+        </p:nvPicPr>
+        <p:blipFill>
+          <a:blip r:embed="rId2">
+            <a:extLst>
+              <a:ext uri="{28A0092B-C50C-407E-A947-70E740481C1C}">
+                <a14:useLocalDpi xmlns:a14="http://schemas.microsoft.com/office/drawing/2010/main" val="0"/>
+              </a:ext>
+            </a:extLst>
+          </a:blip>
+          <a:stretch>
+            <a:fillRect/>
+          </a:stretch>
+        </p:blipFill>
+        <p:spPr>
+          <a:xfrm>
+            <a:off x="7940683" y="1318751"/>
+            <a:ext cx="791145" cy="923003"/>
+          </a:xfrm>
+          <a:prstGeom prst="rect">
+            <a:avLst/>
+          </a:prstGeom>
+        </p:spPr>
+      </p:pic>
+      <p:pic>
+        <p:nvPicPr>
+          <p:cNvPr id="15" name="Picture 14"/>
+          <p:cNvPicPr>
+            <a:picLocks noChangeAspect="1"/>
+          </p:cNvPicPr>
+          <p:nvPr/>
+        </p:nvPicPr>
+        <p:blipFill>
+          <a:blip r:embed="rId2">
+            <a:extLst>
+              <a:ext uri="{28A0092B-C50C-407E-A947-70E740481C1C}">
+                <a14:useLocalDpi xmlns:a14="http://schemas.microsoft.com/office/drawing/2010/main" val="0"/>
+              </a:ext>
+            </a:extLst>
+          </a:blip>
+          <a:stretch>
+            <a:fillRect/>
+          </a:stretch>
+        </p:blipFill>
+        <p:spPr>
+          <a:xfrm>
+            <a:off x="7407489" y="4902946"/>
+            <a:ext cx="791145" cy="923003"/>
+          </a:xfrm>
+          <a:prstGeom prst="rect">
+            <a:avLst/>
+          </a:prstGeom>
+        </p:spPr>
+      </p:pic>
+      <p:cxnSp>
+        <p:nvCxnSpPr>
+          <p:cNvPr id="17" name="Straight Connector 16"/>
+          <p:cNvCxnSpPr/>
+          <p:nvPr/>
+        </p:nvCxnSpPr>
+        <p:spPr>
+          <a:xfrm flipH="1">
+            <a:off x="2536509" y="2714645"/>
+            <a:ext cx="704293" cy="1139597"/>
+          </a:xfrm>
+          <a:prstGeom prst="line">
+            <a:avLst/>
+          </a:prstGeom>
+        </p:spPr>
+        <p:style>
+          <a:lnRef idx="3">
+            <a:schemeClr val="dk1"/>
+          </a:lnRef>
+          <a:fillRef idx="0">
+            <a:schemeClr val="dk1"/>
+          </a:fillRef>
+          <a:effectRef idx="2">
+            <a:schemeClr val="dk1"/>
+          </a:effectRef>
+          <a:fontRef idx="minor">
+            <a:schemeClr val="tx1"/>
+          </a:fontRef>
+        </p:style>
+      </p:cxnSp>
+      <p:sp>
+        <p:nvSpPr>
+          <p:cNvPr id="27" name="TextBox 26"/>
+          <p:cNvSpPr txBox="1"/>
+          <p:nvPr/>
+        </p:nvSpPr>
+        <p:spPr>
+          <a:xfrm>
+            <a:off x="4645653" y="4516061"/>
+            <a:ext cx="548548" cy="400110"/>
+          </a:xfrm>
+          <a:prstGeom prst="rect">
+            <a:avLst/>
+          </a:prstGeom>
+          <a:noFill/>
+        </p:spPr>
+        <p:txBody>
+          <a:bodyPr wrap="none" rtlCol="0">
+            <a:spAutoFit/>
+          </a:bodyPr>
+          <a:lstStyle/>
+          <a:p>
+            <a:r>
+              <a:rPr lang="en-US" sz="2000" smtClean="0"/>
+              <a:t>S1</a:t>
+            </a:r>
+            <a:r>
+              <a:rPr lang="en-US" sz="2000" smtClean="0"/>
+              <a:t>  </a:t>
+            </a:r>
+            <a:endParaRPr lang="en-US" sz="2000" dirty="0"/>
+          </a:p>
+        </p:txBody>
+      </p:sp>
+      <p:sp>
+        <p:nvSpPr>
+          <p:cNvPr id="28" name="TextBox 27"/>
+          <p:cNvSpPr txBox="1"/>
+          <p:nvPr/>
+        </p:nvSpPr>
+        <p:spPr>
+          <a:xfrm>
+            <a:off x="2341719" y="3872654"/>
+            <a:ext cx="490840" cy="400110"/>
+          </a:xfrm>
+          <a:prstGeom prst="rect">
+            <a:avLst/>
+          </a:prstGeom>
+          <a:noFill/>
+        </p:spPr>
+        <p:txBody>
+          <a:bodyPr wrap="none" rtlCol="0">
+            <a:spAutoFit/>
+          </a:bodyPr>
+          <a:lstStyle/>
+          <a:p>
+            <a:r>
+              <a:rPr lang="en-US" sz="2000" smtClean="0"/>
+              <a:t>S2</a:t>
+            </a:r>
+            <a:r>
+              <a:rPr lang="en-US" sz="2000" smtClean="0"/>
+              <a:t> </a:t>
+            </a:r>
+            <a:endParaRPr lang="en-US" sz="2000" dirty="0"/>
+          </a:p>
+        </p:txBody>
+      </p:sp>
+      <p:sp>
+        <p:nvSpPr>
+          <p:cNvPr id="29" name="TextBox 28"/>
+          <p:cNvSpPr txBox="1"/>
+          <p:nvPr/>
+        </p:nvSpPr>
+        <p:spPr>
+          <a:xfrm>
+            <a:off x="3560826" y="2363402"/>
+            <a:ext cx="548548" cy="400110"/>
+          </a:xfrm>
+          <a:prstGeom prst="rect">
+            <a:avLst/>
+          </a:prstGeom>
+          <a:noFill/>
+        </p:spPr>
+        <p:txBody>
+          <a:bodyPr wrap="none" rtlCol="0">
+            <a:spAutoFit/>
+          </a:bodyPr>
+          <a:lstStyle/>
+          <a:p>
+            <a:r>
+              <a:rPr lang="en-US" sz="2000" smtClean="0"/>
+              <a:t>S3</a:t>
+            </a:r>
+            <a:r>
+              <a:rPr lang="en-US" sz="2000"/>
+              <a:t> </a:t>
+            </a:r>
+            <a:r>
+              <a:rPr lang="en-US" sz="2000" smtClean="0"/>
+              <a:t> </a:t>
+            </a:r>
+            <a:endParaRPr lang="en-US" sz="2000" dirty="0"/>
+          </a:p>
+        </p:txBody>
+      </p:sp>
+      <p:sp>
+        <p:nvSpPr>
+          <p:cNvPr id="30" name="TextBox 29"/>
+          <p:cNvSpPr txBox="1"/>
+          <p:nvPr/>
+        </p:nvSpPr>
+        <p:spPr>
+          <a:xfrm>
+            <a:off x="6398177" y="5625894"/>
+            <a:ext cx="548548" cy="400110"/>
+          </a:xfrm>
+          <a:prstGeom prst="rect">
+            <a:avLst/>
+          </a:prstGeom>
+          <a:noFill/>
+        </p:spPr>
+        <p:txBody>
+          <a:bodyPr wrap="none" rtlCol="0">
+            <a:spAutoFit/>
+          </a:bodyPr>
+          <a:lstStyle/>
+          <a:p>
+            <a:r>
+              <a:rPr lang="en-US" sz="2000" smtClean="0"/>
+              <a:t>S4  </a:t>
+            </a:r>
+            <a:endParaRPr lang="en-US" sz="2000" dirty="0"/>
+          </a:p>
+        </p:txBody>
+      </p:sp>
+      <p:sp>
+        <p:nvSpPr>
+          <p:cNvPr id="31" name="TextBox 30"/>
+          <p:cNvSpPr txBox="1"/>
+          <p:nvPr/>
+        </p:nvSpPr>
+        <p:spPr>
+          <a:xfrm>
+            <a:off x="5534602" y="3006809"/>
+            <a:ext cx="548548" cy="400110"/>
+          </a:xfrm>
+          <a:prstGeom prst="rect">
+            <a:avLst/>
+          </a:prstGeom>
+          <a:noFill/>
+        </p:spPr>
+        <p:txBody>
+          <a:bodyPr wrap="none" rtlCol="0">
+            <a:spAutoFit/>
+          </a:bodyPr>
+          <a:lstStyle/>
+          <a:p>
+            <a:r>
+              <a:rPr lang="en-US" sz="2000" smtClean="0"/>
+              <a:t>S5  </a:t>
+            </a:r>
+            <a:endParaRPr lang="en-US" sz="2000" dirty="0"/>
+          </a:p>
+        </p:txBody>
+      </p:sp>
+      <p:sp>
+        <p:nvSpPr>
+          <p:cNvPr id="32" name="TextBox 31"/>
+          <p:cNvSpPr txBox="1"/>
+          <p:nvPr/>
+        </p:nvSpPr>
+        <p:spPr>
+          <a:xfrm>
+            <a:off x="3030717" y="5625894"/>
+            <a:ext cx="548548" cy="400110"/>
+          </a:xfrm>
+          <a:prstGeom prst="rect">
+            <a:avLst/>
+          </a:prstGeom>
+          <a:noFill/>
+        </p:spPr>
+        <p:txBody>
+          <a:bodyPr wrap="none" rtlCol="0">
+            <a:spAutoFit/>
+          </a:bodyPr>
+          <a:lstStyle/>
+          <a:p>
+            <a:r>
+              <a:rPr lang="en-US" sz="2000" smtClean="0"/>
+              <a:t>S6  </a:t>
+            </a:r>
+            <a:endParaRPr lang="en-US" sz="2000" dirty="0"/>
+          </a:p>
+        </p:txBody>
+      </p:sp>
+      <p:sp>
+        <p:nvSpPr>
+          <p:cNvPr id="33" name="TextBox 32"/>
+          <p:cNvSpPr txBox="1"/>
+          <p:nvPr/>
+        </p:nvSpPr>
+        <p:spPr>
+          <a:xfrm>
+            <a:off x="7528787" y="2514590"/>
+            <a:ext cx="548548" cy="400110"/>
+          </a:xfrm>
+          <a:prstGeom prst="rect">
+            <a:avLst/>
+          </a:prstGeom>
+          <a:noFill/>
+        </p:spPr>
+        <p:txBody>
+          <a:bodyPr wrap="none" rtlCol="0">
+            <a:spAutoFit/>
+          </a:bodyPr>
+          <a:lstStyle/>
+          <a:p>
+            <a:r>
+              <a:rPr lang="en-US" sz="2000" dirty="0" smtClean="0"/>
+              <a:t>S7  </a:t>
+            </a:r>
+            <a:endParaRPr lang="en-US" sz="2000" dirty="0"/>
+          </a:p>
+        </p:txBody>
+      </p:sp>
+      <p:cxnSp>
+        <p:nvCxnSpPr>
+          <p:cNvPr id="35" name="Straight Connector 34"/>
+          <p:cNvCxnSpPr/>
+          <p:nvPr/>
+        </p:nvCxnSpPr>
+        <p:spPr>
+          <a:xfrm>
+            <a:off x="2744071" y="4205441"/>
+            <a:ext cx="1400228" cy="321704"/>
+          </a:xfrm>
+          <a:prstGeom prst="line">
+            <a:avLst/>
+          </a:prstGeom>
+        </p:spPr>
+        <p:style>
+          <a:lnRef idx="3">
+            <a:schemeClr val="dk1"/>
+          </a:lnRef>
+          <a:fillRef idx="0">
+            <a:schemeClr val="dk1"/>
+          </a:fillRef>
+          <a:effectRef idx="2">
+            <a:schemeClr val="dk1"/>
+          </a:effectRef>
+          <a:fontRef idx="minor">
+            <a:schemeClr val="tx1"/>
+          </a:fontRef>
+        </p:style>
+      </p:cxnSp>
+      <p:cxnSp>
+        <p:nvCxnSpPr>
+          <p:cNvPr id="37" name="Straight Connector 36"/>
+          <p:cNvCxnSpPr/>
+          <p:nvPr/>
+        </p:nvCxnSpPr>
+        <p:spPr>
+          <a:xfrm>
+            <a:off x="5028526" y="4827373"/>
+            <a:ext cx="957789" cy="798521"/>
+          </a:xfrm>
+          <a:prstGeom prst="line">
+            <a:avLst/>
+          </a:prstGeom>
+        </p:spPr>
+        <p:style>
+          <a:lnRef idx="3">
+            <a:schemeClr val="dk1"/>
+          </a:lnRef>
+          <a:fillRef idx="0">
+            <a:schemeClr val="dk1"/>
+          </a:fillRef>
+          <a:effectRef idx="2">
+            <a:schemeClr val="dk1"/>
+          </a:effectRef>
+          <a:fontRef idx="minor">
+            <a:schemeClr val="tx1"/>
+          </a:fontRef>
+        </p:style>
+      </p:cxnSp>
+      <p:cxnSp>
+        <p:nvCxnSpPr>
+          <p:cNvPr id="40" name="Straight Connector 39"/>
+          <p:cNvCxnSpPr>
+            <a:stCxn id="29" idx="2"/>
+          </p:cNvCxnSpPr>
+          <p:nvPr/>
+        </p:nvCxnSpPr>
+        <p:spPr>
+          <a:xfrm>
+            <a:off x="3835100" y="2763512"/>
+            <a:ext cx="1193426" cy="272837"/>
+          </a:xfrm>
+          <a:prstGeom prst="line">
+            <a:avLst/>
+          </a:prstGeom>
+        </p:spPr>
+        <p:style>
+          <a:lnRef idx="3">
+            <a:schemeClr val="dk1"/>
+          </a:lnRef>
+          <a:fillRef idx="0">
+            <a:schemeClr val="dk1"/>
+          </a:fillRef>
+          <a:effectRef idx="2">
+            <a:schemeClr val="dk1"/>
+          </a:effectRef>
+          <a:fontRef idx="minor">
+            <a:schemeClr val="tx1"/>
+          </a:fontRef>
+        </p:style>
+      </p:cxnSp>
+      <p:cxnSp>
+        <p:nvCxnSpPr>
+          <p:cNvPr id="43" name="Straight Connector 42"/>
+          <p:cNvCxnSpPr/>
+          <p:nvPr/>
+        </p:nvCxnSpPr>
+        <p:spPr>
+          <a:xfrm flipV="1">
+            <a:off x="4653330" y="3377423"/>
+            <a:ext cx="540871" cy="1109142"/>
+          </a:xfrm>
+          <a:prstGeom prst="line">
+            <a:avLst/>
+          </a:prstGeom>
+        </p:spPr>
+        <p:style>
+          <a:lnRef idx="3">
+            <a:schemeClr val="dk1"/>
+          </a:lnRef>
+          <a:fillRef idx="0">
+            <a:schemeClr val="dk1"/>
+          </a:fillRef>
+          <a:effectRef idx="2">
+            <a:schemeClr val="dk1"/>
+          </a:effectRef>
+          <a:fontRef idx="minor">
+            <a:schemeClr val="tx1"/>
+          </a:fontRef>
+        </p:style>
+      </p:cxnSp>
+      <p:cxnSp>
+        <p:nvCxnSpPr>
+          <p:cNvPr id="45" name="Straight Connector 44"/>
+          <p:cNvCxnSpPr/>
+          <p:nvPr/>
+        </p:nvCxnSpPr>
+        <p:spPr>
+          <a:xfrm flipV="1">
+            <a:off x="4645653" y="2885161"/>
+            <a:ext cx="2581057" cy="1630900"/>
+          </a:xfrm>
+          <a:prstGeom prst="line">
+            <a:avLst/>
+          </a:prstGeom>
+        </p:spPr>
+        <p:style>
+          <a:lnRef idx="3">
+            <a:schemeClr val="dk1"/>
+          </a:lnRef>
+          <a:fillRef idx="0">
+            <a:schemeClr val="dk1"/>
+          </a:fillRef>
+          <a:effectRef idx="2">
+            <a:schemeClr val="dk1"/>
+          </a:effectRef>
+          <a:fontRef idx="minor">
+            <a:schemeClr val="tx1"/>
+          </a:fontRef>
+        </p:style>
+      </p:cxnSp>
+      <p:cxnSp>
+        <p:nvCxnSpPr>
+          <p:cNvPr id="47" name="Straight Connector 46"/>
+          <p:cNvCxnSpPr/>
+          <p:nvPr/>
+        </p:nvCxnSpPr>
+        <p:spPr>
+          <a:xfrm flipV="1">
+            <a:off x="5608342" y="2514590"/>
+            <a:ext cx="1412123" cy="492219"/>
+          </a:xfrm>
+          <a:prstGeom prst="line">
+            <a:avLst/>
+          </a:prstGeom>
+        </p:spPr>
+        <p:style>
+          <a:lnRef idx="3">
+            <a:schemeClr val="dk1"/>
+          </a:lnRef>
+          <a:fillRef idx="0">
+            <a:schemeClr val="dk1"/>
+          </a:fillRef>
+          <a:effectRef idx="2">
+            <a:schemeClr val="dk1"/>
+          </a:effectRef>
+          <a:fontRef idx="minor">
+            <a:schemeClr val="tx1"/>
+          </a:fontRef>
+        </p:style>
+      </p:cxnSp>
+      <p:cxnSp>
+        <p:nvCxnSpPr>
+          <p:cNvPr id="49" name="Straight Connector 48"/>
+          <p:cNvCxnSpPr>
+            <a:stCxn id="32" idx="0"/>
+          </p:cNvCxnSpPr>
+          <p:nvPr/>
+        </p:nvCxnSpPr>
+        <p:spPr>
+          <a:xfrm flipV="1">
+            <a:off x="3304991" y="4827373"/>
+            <a:ext cx="839308" cy="798521"/>
+          </a:xfrm>
+          <a:prstGeom prst="line">
+            <a:avLst/>
+          </a:prstGeom>
+        </p:spPr>
+        <p:style>
+          <a:lnRef idx="3">
+            <a:schemeClr val="dk1"/>
+          </a:lnRef>
+          <a:fillRef idx="0">
+            <a:schemeClr val="dk1"/>
+          </a:fillRef>
+          <a:effectRef idx="2">
+            <a:schemeClr val="dk1"/>
+          </a:effectRef>
+          <a:fontRef idx="minor">
+            <a:schemeClr val="tx1"/>
+          </a:fontRef>
+        </p:style>
+      </p:cxnSp>
+      <p:sp>
+        <p:nvSpPr>
+          <p:cNvPr id="51" name="TextBox 50"/>
+          <p:cNvSpPr txBox="1"/>
+          <p:nvPr/>
+        </p:nvSpPr>
+        <p:spPr>
+          <a:xfrm>
+            <a:off x="2595149" y="1397314"/>
+            <a:ext cx="871136" cy="400110"/>
+          </a:xfrm>
+          <a:prstGeom prst="rect">
+            <a:avLst/>
+          </a:prstGeom>
+          <a:noFill/>
+        </p:spPr>
+        <p:txBody>
+          <a:bodyPr wrap="none" rtlCol="0">
+            <a:spAutoFit/>
+          </a:bodyPr>
+          <a:lstStyle/>
+          <a:p>
+            <a:r>
+              <a:rPr lang="en-US" sz="2000" dirty="0" smtClean="0"/>
+              <a:t>Host A</a:t>
+            </a:r>
+            <a:endParaRPr lang="en-US" sz="2000" dirty="0"/>
+          </a:p>
+        </p:txBody>
+      </p:sp>
+      <p:sp>
+        <p:nvSpPr>
+          <p:cNvPr id="52" name="TextBox 51"/>
+          <p:cNvSpPr txBox="1"/>
+          <p:nvPr/>
+        </p:nvSpPr>
+        <p:spPr>
+          <a:xfrm>
+            <a:off x="7205744" y="1375218"/>
+            <a:ext cx="861518" cy="400110"/>
+          </a:xfrm>
+          <a:prstGeom prst="rect">
+            <a:avLst/>
+          </a:prstGeom>
+          <a:noFill/>
+        </p:spPr>
+        <p:txBody>
+          <a:bodyPr wrap="none" rtlCol="0">
+            <a:spAutoFit/>
+          </a:bodyPr>
+          <a:lstStyle/>
+          <a:p>
+            <a:r>
+              <a:rPr lang="en-US" sz="2000" smtClean="0"/>
+              <a:t>Host B</a:t>
+            </a:r>
+            <a:endParaRPr lang="en-US" sz="2000" dirty="0"/>
+          </a:p>
+        </p:txBody>
+      </p:sp>
+      <p:sp>
+        <p:nvSpPr>
+          <p:cNvPr id="53" name="TextBox 52"/>
+          <p:cNvSpPr txBox="1"/>
+          <p:nvPr/>
+        </p:nvSpPr>
+        <p:spPr>
+          <a:xfrm>
+            <a:off x="8139642" y="5017549"/>
+            <a:ext cx="858312" cy="400110"/>
+          </a:xfrm>
+          <a:prstGeom prst="rect">
+            <a:avLst/>
+          </a:prstGeom>
+          <a:noFill/>
+        </p:spPr>
+        <p:txBody>
+          <a:bodyPr wrap="none" rtlCol="0">
+            <a:spAutoFit/>
+          </a:bodyPr>
+          <a:lstStyle/>
+          <a:p>
+            <a:r>
+              <a:rPr lang="en-US" sz="2000" smtClean="0"/>
+              <a:t>Host C</a:t>
+            </a:r>
+            <a:endParaRPr lang="en-US" sz="2000" dirty="0"/>
+          </a:p>
+        </p:txBody>
+      </p:sp>
+      <p:cxnSp>
+        <p:nvCxnSpPr>
+          <p:cNvPr id="55" name="Straight Connector 54"/>
+          <p:cNvCxnSpPr/>
+          <p:nvPr/>
+        </p:nvCxnSpPr>
+        <p:spPr>
+          <a:xfrm>
+            <a:off x="2564247" y="1834762"/>
+            <a:ext cx="546707" cy="539969"/>
+          </a:xfrm>
+          <a:prstGeom prst="line">
+            <a:avLst/>
+          </a:prstGeom>
+        </p:spPr>
+        <p:style>
+          <a:lnRef idx="3">
+            <a:schemeClr val="dk1"/>
+          </a:lnRef>
+          <a:fillRef idx="0">
+            <a:schemeClr val="dk1"/>
+          </a:fillRef>
+          <a:effectRef idx="2">
+            <a:schemeClr val="dk1"/>
+          </a:effectRef>
+          <a:fontRef idx="minor">
+            <a:schemeClr val="tx1"/>
+          </a:fontRef>
+        </p:style>
+      </p:cxnSp>
+      <p:cxnSp>
+        <p:nvCxnSpPr>
+          <p:cNvPr id="59" name="Straight Connector 58"/>
+          <p:cNvCxnSpPr>
+            <a:stCxn id="33" idx="0"/>
+          </p:cNvCxnSpPr>
+          <p:nvPr/>
+        </p:nvCxnSpPr>
+        <p:spPr>
+          <a:xfrm flipV="1">
+            <a:off x="7803061" y="2041604"/>
+            <a:ext cx="274274" cy="472986"/>
+          </a:xfrm>
+          <a:prstGeom prst="line">
+            <a:avLst/>
+          </a:prstGeom>
+        </p:spPr>
+        <p:style>
+          <a:lnRef idx="3">
+            <a:schemeClr val="dk1"/>
+          </a:lnRef>
+          <a:fillRef idx="0">
+            <a:schemeClr val="dk1"/>
+          </a:fillRef>
+          <a:effectRef idx="2">
+            <a:schemeClr val="dk1"/>
+          </a:effectRef>
+          <a:fontRef idx="minor">
+            <a:schemeClr val="tx1"/>
+          </a:fontRef>
+        </p:style>
+      </p:cxnSp>
+      <p:cxnSp>
+        <p:nvCxnSpPr>
+          <p:cNvPr id="64" name="Straight Connector 63"/>
+          <p:cNvCxnSpPr/>
+          <p:nvPr/>
+        </p:nvCxnSpPr>
+        <p:spPr>
+          <a:xfrm flipV="1">
+            <a:off x="6716695" y="5504246"/>
+            <a:ext cx="749786" cy="121648"/>
+          </a:xfrm>
+          <a:prstGeom prst="line">
+            <a:avLst/>
+          </a:prstGeom>
+        </p:spPr>
+        <p:style>
+          <a:lnRef idx="3">
+            <a:schemeClr val="dk1"/>
+          </a:lnRef>
+          <a:fillRef idx="0">
+            <a:schemeClr val="dk1"/>
+          </a:fillRef>
+          <a:effectRef idx="2">
+            <a:schemeClr val="dk1"/>
+          </a:effectRef>
+          <a:fontRef idx="minor">
+            <a:schemeClr val="tx1"/>
+          </a:fontRef>
+        </p:style>
+      </p:cxnSp>
+    </p:spTree>
+    <p:extLst>
+      <p:ext uri="{BB962C8B-B14F-4D97-AF65-F5344CB8AC3E}">
+        <p14:creationId xmlns:p14="http://schemas.microsoft.com/office/powerpoint/2010/main" val="1599308048"/>
+      </p:ext>
+    </p:extLst>
+  </p:cSld>
+  <p:clrMapOvr>
+    <a:masterClrMapping/>
+  </p:clrMapOvr>
+</p:sld>
+</file>
+
+<file path=ppt/slides/slide6.xml><?xml version="1.0" encoding="utf-8"?>
+<p:sld xmlns:a="http://schemas.openxmlformats.org/drawingml/2006/main" xmlns:r="http://schemas.openxmlformats.org/officeDocument/2006/relationships" xmlns:p="http://schemas.openxmlformats.org/presentationml/2006/main">
+  <p:cSld>
+    <p:spTree>
+      <p:nvGrpSpPr>
+        <p:cNvPr id="1" name=""/>
+        <p:cNvGrpSpPr/>
+        <p:nvPr/>
+      </p:nvGrpSpPr>
+      <p:grpSpPr>
+        <a:xfrm>
+          <a:off x="0" y="0"/>
+          <a:ext cx="0" cy="0"/>
+          <a:chOff x="0" y="0"/>
+          <a:chExt cx="0" cy="0"/>
+        </a:xfrm>
+      </p:grpSpPr>
+      <p:pic>
+        <p:nvPicPr>
+          <p:cNvPr id="4" name="Picture 3"/>
+          <p:cNvPicPr>
+            <a:picLocks noChangeAspect="1"/>
+          </p:cNvPicPr>
+          <p:nvPr/>
+        </p:nvPicPr>
+        <p:blipFill>
+          <a:blip r:embed="rId2">
+            <a:extLst>
+              <a:ext uri="{28A0092B-C50C-407E-A947-70E740481C1C}">
+                <a14:useLocalDpi xmlns:a14="http://schemas.microsoft.com/office/drawing/2010/main" val="0"/>
+              </a:ext>
+            </a:extLst>
+          </a:blip>
+          <a:stretch>
+            <a:fillRect/>
+          </a:stretch>
+        </p:blipFill>
+        <p:spPr>
+          <a:xfrm>
+            <a:off x="1866461" y="1303091"/>
+            <a:ext cx="791145" cy="923003"/>
+          </a:xfrm>
+          <a:prstGeom prst="rect">
+            <a:avLst/>
+          </a:prstGeom>
+        </p:spPr>
+      </p:pic>
+      <p:pic>
+        <p:nvPicPr>
+          <p:cNvPr id="5" name="Picture 4"/>
+          <p:cNvPicPr>
+            <a:picLocks noChangeAspect="1"/>
+          </p:cNvPicPr>
+          <p:nvPr/>
+        </p:nvPicPr>
+        <p:blipFill>
+          <a:blip r:embed="rId3">
+            <a:extLst>
+              <a:ext uri="{28A0092B-C50C-407E-A947-70E740481C1C}">
+                <a14:useLocalDpi xmlns:a14="http://schemas.microsoft.com/office/drawing/2010/main" val="0"/>
+              </a:ext>
+            </a:extLst>
+          </a:blip>
+          <a:stretch>
+            <a:fillRect/>
+          </a:stretch>
+        </p:blipFill>
+        <p:spPr>
+          <a:xfrm>
+            <a:off x="2965559" y="2241754"/>
+            <a:ext cx="1066388" cy="643407"/>
+          </a:xfrm>
+          <a:prstGeom prst="rect">
+            <a:avLst/>
+          </a:prstGeom>
+        </p:spPr>
+      </p:pic>
+      <p:pic>
+        <p:nvPicPr>
+          <p:cNvPr id="6" name="Picture 5"/>
+          <p:cNvPicPr>
+            <a:picLocks noChangeAspect="1"/>
+          </p:cNvPicPr>
+          <p:nvPr/>
+        </p:nvPicPr>
+        <p:blipFill>
+          <a:blip r:embed="rId3">
+            <a:extLst>
+              <a:ext uri="{28A0092B-C50C-407E-A947-70E740481C1C}">
+                <a14:useLocalDpi xmlns:a14="http://schemas.microsoft.com/office/drawing/2010/main" val="0"/>
+              </a:ext>
+            </a:extLst>
+          </a:blip>
+          <a:stretch>
+            <a:fillRect/>
+          </a:stretch>
+        </p:blipFill>
+        <p:spPr>
+          <a:xfrm>
+            <a:off x="1752598" y="3751006"/>
+            <a:ext cx="1066388" cy="643407"/>
+          </a:xfrm>
+          <a:prstGeom prst="rect">
+            <a:avLst/>
+          </a:prstGeom>
+        </p:spPr>
+      </p:pic>
+      <p:pic>
+        <p:nvPicPr>
+          <p:cNvPr id="7" name="Picture 6"/>
+          <p:cNvPicPr>
+            <a:picLocks noChangeAspect="1"/>
+          </p:cNvPicPr>
+          <p:nvPr/>
+        </p:nvPicPr>
+        <p:blipFill>
+          <a:blip r:embed="rId3">
+            <a:extLst>
+              <a:ext uri="{28A0092B-C50C-407E-A947-70E740481C1C}">
+                <a14:useLocalDpi xmlns:a14="http://schemas.microsoft.com/office/drawing/2010/main" val="0"/>
+              </a:ext>
+            </a:extLst>
+          </a:blip>
+          <a:stretch>
+            <a:fillRect/>
+          </a:stretch>
+        </p:blipFill>
+        <p:spPr>
+          <a:xfrm>
+            <a:off x="4031947" y="4394413"/>
+            <a:ext cx="1066388" cy="643407"/>
+          </a:xfrm>
+          <a:prstGeom prst="rect">
+            <a:avLst/>
+          </a:prstGeom>
+        </p:spPr>
+      </p:pic>
+      <p:pic>
+        <p:nvPicPr>
+          <p:cNvPr id="8" name="Picture 7"/>
+          <p:cNvPicPr>
+            <a:picLocks noChangeAspect="1"/>
+          </p:cNvPicPr>
+          <p:nvPr/>
+        </p:nvPicPr>
+        <p:blipFill>
+          <a:blip r:embed="rId3">
+            <a:extLst>
+              <a:ext uri="{28A0092B-C50C-407E-A947-70E740481C1C}">
+                <a14:useLocalDpi xmlns:a14="http://schemas.microsoft.com/office/drawing/2010/main" val="0"/>
+              </a:ext>
+            </a:extLst>
+          </a:blip>
+          <a:stretch>
+            <a:fillRect/>
+          </a:stretch>
+        </p:blipFill>
+        <p:spPr>
+          <a:xfrm>
+            <a:off x="4919927" y="2885161"/>
+            <a:ext cx="1066388" cy="643407"/>
+          </a:xfrm>
+          <a:prstGeom prst="rect">
+            <a:avLst/>
+          </a:prstGeom>
+        </p:spPr>
+      </p:pic>
+      <p:pic>
+        <p:nvPicPr>
+          <p:cNvPr id="9" name="Picture 8"/>
+          <p:cNvPicPr>
+            <a:picLocks noChangeAspect="1"/>
+          </p:cNvPicPr>
+          <p:nvPr/>
+        </p:nvPicPr>
+        <p:blipFill>
+          <a:blip r:embed="rId3">
+            <a:extLst>
+              <a:ext uri="{28A0092B-C50C-407E-A947-70E740481C1C}">
+                <a14:useLocalDpi xmlns:a14="http://schemas.microsoft.com/office/drawing/2010/main" val="0"/>
+              </a:ext>
+            </a:extLst>
+          </a:blip>
+          <a:stretch>
+            <a:fillRect/>
+          </a:stretch>
+        </p:blipFill>
+        <p:spPr>
+          <a:xfrm>
+            <a:off x="6889043" y="2392942"/>
+            <a:ext cx="1066388" cy="643407"/>
+          </a:xfrm>
+          <a:prstGeom prst="rect">
+            <a:avLst/>
+          </a:prstGeom>
+        </p:spPr>
+      </p:pic>
+      <p:pic>
+        <p:nvPicPr>
+          <p:cNvPr id="10" name="Picture 9"/>
+          <p:cNvPicPr>
+            <a:picLocks noChangeAspect="1"/>
+          </p:cNvPicPr>
+          <p:nvPr/>
+        </p:nvPicPr>
+        <p:blipFill>
+          <a:blip r:embed="rId3">
+            <a:extLst>
+              <a:ext uri="{28A0092B-C50C-407E-A947-70E740481C1C}">
+                <a14:useLocalDpi xmlns:a14="http://schemas.microsoft.com/office/drawing/2010/main" val="0"/>
+              </a:ext>
+            </a:extLst>
+          </a:blip>
+          <a:stretch>
+            <a:fillRect/>
+          </a:stretch>
+        </p:blipFill>
+        <p:spPr>
+          <a:xfrm>
+            <a:off x="5807907" y="5504246"/>
+            <a:ext cx="1066388" cy="643407"/>
+          </a:xfrm>
+          <a:prstGeom prst="rect">
+            <a:avLst/>
+          </a:prstGeom>
+        </p:spPr>
+      </p:pic>
+      <p:pic>
+        <p:nvPicPr>
+          <p:cNvPr id="11" name="Picture 10"/>
+          <p:cNvPicPr>
+            <a:picLocks noChangeAspect="1"/>
+          </p:cNvPicPr>
+          <p:nvPr/>
+        </p:nvPicPr>
+        <p:blipFill>
+          <a:blip r:embed="rId3">
+            <a:extLst>
+              <a:ext uri="{28A0092B-C50C-407E-A947-70E740481C1C}">
+                <a14:useLocalDpi xmlns:a14="http://schemas.microsoft.com/office/drawing/2010/main" val="0"/>
+              </a:ext>
+            </a:extLst>
+          </a:blip>
+          <a:stretch>
+            <a:fillRect/>
+          </a:stretch>
+        </p:blipFill>
+        <p:spPr>
+          <a:xfrm>
+            <a:off x="2432365" y="5504246"/>
+            <a:ext cx="1066388" cy="643407"/>
+          </a:xfrm>
+          <a:prstGeom prst="rect">
+            <a:avLst/>
+          </a:prstGeom>
+        </p:spPr>
+      </p:pic>
+      <p:cxnSp>
+        <p:nvCxnSpPr>
+          <p:cNvPr id="13" name="Straight Connector 12"/>
+          <p:cNvCxnSpPr>
+            <a:stCxn id="11" idx="3"/>
+            <a:endCxn id="10" idx="1"/>
+          </p:cNvCxnSpPr>
+          <p:nvPr/>
+        </p:nvCxnSpPr>
+        <p:spPr>
+          <a:xfrm>
+            <a:off x="3498753" y="5825950"/>
+            <a:ext cx="2309154" cy="0"/>
+          </a:xfrm>
+          <a:prstGeom prst="line">
+            <a:avLst/>
+          </a:prstGeom>
+          <a:ln>
+            <a:prstDash val="dash"/>
+          </a:ln>
+        </p:spPr>
+        <p:style>
+          <a:lnRef idx="3">
+            <a:schemeClr val="dk1"/>
+          </a:lnRef>
+          <a:fillRef idx="0">
+            <a:schemeClr val="dk1"/>
+          </a:fillRef>
+          <a:effectRef idx="2">
+            <a:schemeClr val="dk1"/>
+          </a:effectRef>
+          <a:fontRef idx="minor">
+            <a:schemeClr val="tx1"/>
+          </a:fontRef>
+        </p:style>
+      </p:cxnSp>
+      <p:pic>
+        <p:nvPicPr>
+          <p:cNvPr id="14" name="Picture 13"/>
+          <p:cNvPicPr>
+            <a:picLocks noChangeAspect="1"/>
+          </p:cNvPicPr>
+          <p:nvPr/>
+        </p:nvPicPr>
+        <p:blipFill>
+          <a:blip r:embed="rId2">
+            <a:extLst>
+              <a:ext uri="{28A0092B-C50C-407E-A947-70E740481C1C}">
+                <a14:useLocalDpi xmlns:a14="http://schemas.microsoft.com/office/drawing/2010/main" val="0"/>
+              </a:ext>
+            </a:extLst>
+          </a:blip>
+          <a:stretch>
+            <a:fillRect/>
+          </a:stretch>
+        </p:blipFill>
+        <p:spPr>
+          <a:xfrm>
+            <a:off x="7940683" y="1318751"/>
+            <a:ext cx="791145" cy="923003"/>
+          </a:xfrm>
+          <a:prstGeom prst="rect">
+            <a:avLst/>
+          </a:prstGeom>
+        </p:spPr>
+      </p:pic>
+      <p:pic>
+        <p:nvPicPr>
+          <p:cNvPr id="15" name="Picture 14"/>
+          <p:cNvPicPr>
+            <a:picLocks noChangeAspect="1"/>
+          </p:cNvPicPr>
+          <p:nvPr/>
+        </p:nvPicPr>
+        <p:blipFill>
+          <a:blip r:embed="rId2">
+            <a:extLst>
+              <a:ext uri="{28A0092B-C50C-407E-A947-70E740481C1C}">
+                <a14:useLocalDpi xmlns:a14="http://schemas.microsoft.com/office/drawing/2010/main" val="0"/>
+              </a:ext>
+            </a:extLst>
+          </a:blip>
+          <a:stretch>
+            <a:fillRect/>
+          </a:stretch>
+        </p:blipFill>
+        <p:spPr>
+          <a:xfrm>
+            <a:off x="7407489" y="4902946"/>
+            <a:ext cx="791145" cy="923003"/>
+          </a:xfrm>
+          <a:prstGeom prst="rect">
+            <a:avLst/>
+          </a:prstGeom>
+        </p:spPr>
+      </p:pic>
+      <p:cxnSp>
+        <p:nvCxnSpPr>
+          <p:cNvPr id="17" name="Straight Connector 16"/>
+          <p:cNvCxnSpPr/>
+          <p:nvPr/>
+        </p:nvCxnSpPr>
+        <p:spPr>
+          <a:xfrm flipH="1">
+            <a:off x="2536509" y="2714645"/>
+            <a:ext cx="704293" cy="1139597"/>
+          </a:xfrm>
+          <a:prstGeom prst="line">
+            <a:avLst/>
+          </a:prstGeom>
+          <a:ln>
+            <a:prstDash val="solid"/>
+          </a:ln>
+        </p:spPr>
+        <p:style>
+          <a:lnRef idx="3">
+            <a:schemeClr val="dk1"/>
+          </a:lnRef>
+          <a:fillRef idx="0">
+            <a:schemeClr val="dk1"/>
+          </a:fillRef>
+          <a:effectRef idx="2">
+            <a:schemeClr val="dk1"/>
+          </a:effectRef>
+          <a:fontRef idx="minor">
+            <a:schemeClr val="tx1"/>
+          </a:fontRef>
+        </p:style>
+      </p:cxnSp>
+      <p:sp>
+        <p:nvSpPr>
+          <p:cNvPr id="27" name="TextBox 26"/>
+          <p:cNvSpPr txBox="1"/>
+          <p:nvPr/>
+        </p:nvSpPr>
+        <p:spPr>
+          <a:xfrm>
+            <a:off x="4645653" y="4516061"/>
+            <a:ext cx="548548" cy="400110"/>
+          </a:xfrm>
+          <a:prstGeom prst="rect">
+            <a:avLst/>
+          </a:prstGeom>
+          <a:noFill/>
+        </p:spPr>
+        <p:txBody>
+          <a:bodyPr wrap="none" rtlCol="0">
+            <a:spAutoFit/>
+          </a:bodyPr>
+          <a:lstStyle/>
+          <a:p>
+            <a:r>
+              <a:rPr lang="en-US" sz="2000" smtClean="0"/>
+              <a:t>S1</a:t>
+            </a:r>
+            <a:r>
+              <a:rPr lang="en-US" sz="2000" smtClean="0"/>
+              <a:t>  </a:t>
+            </a:r>
+            <a:endParaRPr lang="en-US" sz="2000" dirty="0"/>
+          </a:p>
+        </p:txBody>
+      </p:sp>
+      <p:sp>
+        <p:nvSpPr>
+          <p:cNvPr id="28" name="TextBox 27"/>
+          <p:cNvSpPr txBox="1"/>
+          <p:nvPr/>
+        </p:nvSpPr>
+        <p:spPr>
+          <a:xfrm>
+            <a:off x="2341719" y="3872654"/>
+            <a:ext cx="490840" cy="400110"/>
+          </a:xfrm>
+          <a:prstGeom prst="rect">
+            <a:avLst/>
+          </a:prstGeom>
+          <a:noFill/>
+        </p:spPr>
+        <p:txBody>
+          <a:bodyPr wrap="none" rtlCol="0">
+            <a:spAutoFit/>
+          </a:bodyPr>
+          <a:lstStyle/>
+          <a:p>
+            <a:r>
+              <a:rPr lang="en-US" sz="2000" smtClean="0"/>
+              <a:t>S2</a:t>
+            </a:r>
+            <a:r>
+              <a:rPr lang="en-US" sz="2000" smtClean="0"/>
+              <a:t> </a:t>
+            </a:r>
+            <a:endParaRPr lang="en-US" sz="2000" dirty="0"/>
+          </a:p>
+        </p:txBody>
+      </p:sp>
+      <p:sp>
+        <p:nvSpPr>
+          <p:cNvPr id="29" name="TextBox 28"/>
+          <p:cNvSpPr txBox="1"/>
+          <p:nvPr/>
+        </p:nvSpPr>
+        <p:spPr>
+          <a:xfrm>
+            <a:off x="3560826" y="2363402"/>
+            <a:ext cx="548548" cy="400110"/>
+          </a:xfrm>
+          <a:prstGeom prst="rect">
+            <a:avLst/>
+          </a:prstGeom>
+          <a:noFill/>
+        </p:spPr>
+        <p:txBody>
+          <a:bodyPr wrap="none" rtlCol="0">
+            <a:spAutoFit/>
+          </a:bodyPr>
+          <a:lstStyle/>
+          <a:p>
+            <a:r>
+              <a:rPr lang="en-US" sz="2000" smtClean="0"/>
+              <a:t>S3</a:t>
+            </a:r>
+            <a:r>
+              <a:rPr lang="en-US" sz="2000"/>
+              <a:t> </a:t>
+            </a:r>
+            <a:r>
+              <a:rPr lang="en-US" sz="2000" smtClean="0"/>
+              <a:t> </a:t>
+            </a:r>
+            <a:endParaRPr lang="en-US" sz="2000" dirty="0"/>
+          </a:p>
+        </p:txBody>
+      </p:sp>
+      <p:sp>
+        <p:nvSpPr>
+          <p:cNvPr id="30" name="TextBox 29"/>
+          <p:cNvSpPr txBox="1"/>
+          <p:nvPr/>
+        </p:nvSpPr>
+        <p:spPr>
+          <a:xfrm>
+            <a:off x="6398177" y="5625894"/>
+            <a:ext cx="548548" cy="400110"/>
+          </a:xfrm>
+          <a:prstGeom prst="rect">
+            <a:avLst/>
+          </a:prstGeom>
+          <a:noFill/>
+        </p:spPr>
+        <p:txBody>
+          <a:bodyPr wrap="none" rtlCol="0">
+            <a:spAutoFit/>
+          </a:bodyPr>
+          <a:lstStyle/>
+          <a:p>
+            <a:r>
+              <a:rPr lang="en-US" sz="2000" smtClean="0"/>
+              <a:t>S4  </a:t>
+            </a:r>
+            <a:endParaRPr lang="en-US" sz="2000" dirty="0"/>
+          </a:p>
+        </p:txBody>
+      </p:sp>
+      <p:sp>
+        <p:nvSpPr>
+          <p:cNvPr id="31" name="TextBox 30"/>
+          <p:cNvSpPr txBox="1"/>
+          <p:nvPr/>
+        </p:nvSpPr>
+        <p:spPr>
+          <a:xfrm>
+            <a:off x="5534602" y="3006809"/>
+            <a:ext cx="548548" cy="400110"/>
+          </a:xfrm>
+          <a:prstGeom prst="rect">
+            <a:avLst/>
+          </a:prstGeom>
+          <a:noFill/>
+        </p:spPr>
+        <p:txBody>
+          <a:bodyPr wrap="none" rtlCol="0">
+            <a:spAutoFit/>
+          </a:bodyPr>
+          <a:lstStyle/>
+          <a:p>
+            <a:r>
+              <a:rPr lang="en-US" sz="2000" smtClean="0"/>
+              <a:t>S5  </a:t>
+            </a:r>
+            <a:endParaRPr lang="en-US" sz="2000" dirty="0"/>
+          </a:p>
+        </p:txBody>
+      </p:sp>
+      <p:sp>
+        <p:nvSpPr>
+          <p:cNvPr id="32" name="TextBox 31"/>
+          <p:cNvSpPr txBox="1"/>
+          <p:nvPr/>
+        </p:nvSpPr>
+        <p:spPr>
+          <a:xfrm>
+            <a:off x="3030717" y="5625894"/>
+            <a:ext cx="548548" cy="400110"/>
+          </a:xfrm>
+          <a:prstGeom prst="rect">
+            <a:avLst/>
+          </a:prstGeom>
+          <a:noFill/>
+        </p:spPr>
+        <p:txBody>
+          <a:bodyPr wrap="none" rtlCol="0">
+            <a:spAutoFit/>
+          </a:bodyPr>
+          <a:lstStyle/>
+          <a:p>
+            <a:r>
+              <a:rPr lang="en-US" sz="2000" smtClean="0"/>
+              <a:t>S6  </a:t>
+            </a:r>
+            <a:endParaRPr lang="en-US" sz="2000" dirty="0"/>
+          </a:p>
+        </p:txBody>
+      </p:sp>
+      <p:sp>
+        <p:nvSpPr>
+          <p:cNvPr id="33" name="TextBox 32"/>
+          <p:cNvSpPr txBox="1"/>
+          <p:nvPr/>
+        </p:nvSpPr>
+        <p:spPr>
+          <a:xfrm>
+            <a:off x="7528787" y="2514590"/>
+            <a:ext cx="548548" cy="400110"/>
+          </a:xfrm>
+          <a:prstGeom prst="rect">
+            <a:avLst/>
+          </a:prstGeom>
+          <a:noFill/>
+        </p:spPr>
+        <p:txBody>
+          <a:bodyPr wrap="none" rtlCol="0">
+            <a:spAutoFit/>
+          </a:bodyPr>
+          <a:lstStyle/>
+          <a:p>
+            <a:r>
+              <a:rPr lang="en-US" sz="2000" dirty="0" smtClean="0"/>
+              <a:t>S7  </a:t>
+            </a:r>
+            <a:endParaRPr lang="en-US" sz="2000" dirty="0"/>
+          </a:p>
+        </p:txBody>
+      </p:sp>
+      <p:cxnSp>
+        <p:nvCxnSpPr>
+          <p:cNvPr id="35" name="Straight Connector 34"/>
+          <p:cNvCxnSpPr/>
+          <p:nvPr/>
+        </p:nvCxnSpPr>
+        <p:spPr>
+          <a:xfrm>
+            <a:off x="2744071" y="4205441"/>
+            <a:ext cx="1400228" cy="321704"/>
+          </a:xfrm>
+          <a:prstGeom prst="line">
+            <a:avLst/>
+          </a:prstGeom>
+        </p:spPr>
+        <p:style>
+          <a:lnRef idx="3">
+            <a:schemeClr val="dk1"/>
+          </a:lnRef>
+          <a:fillRef idx="0">
+            <a:schemeClr val="dk1"/>
+          </a:fillRef>
+          <a:effectRef idx="2">
+            <a:schemeClr val="dk1"/>
+          </a:effectRef>
+          <a:fontRef idx="minor">
+            <a:schemeClr val="tx1"/>
+          </a:fontRef>
+        </p:style>
+      </p:cxnSp>
+      <p:cxnSp>
+        <p:nvCxnSpPr>
+          <p:cNvPr id="37" name="Straight Connector 36"/>
+          <p:cNvCxnSpPr/>
+          <p:nvPr/>
+        </p:nvCxnSpPr>
+        <p:spPr>
+          <a:xfrm>
+            <a:off x="5028526" y="4827373"/>
+            <a:ext cx="957789" cy="798521"/>
+          </a:xfrm>
+          <a:prstGeom prst="line">
+            <a:avLst/>
+          </a:prstGeom>
+        </p:spPr>
+        <p:style>
+          <a:lnRef idx="3">
+            <a:schemeClr val="dk1"/>
+          </a:lnRef>
+          <a:fillRef idx="0">
+            <a:schemeClr val="dk1"/>
+          </a:fillRef>
+          <a:effectRef idx="2">
+            <a:schemeClr val="dk1"/>
+          </a:effectRef>
+          <a:fontRef idx="minor">
+            <a:schemeClr val="tx1"/>
+          </a:fontRef>
+        </p:style>
+      </p:cxnSp>
+      <p:cxnSp>
+        <p:nvCxnSpPr>
+          <p:cNvPr id="40" name="Straight Connector 39"/>
+          <p:cNvCxnSpPr>
+            <a:stCxn id="29" idx="2"/>
+          </p:cNvCxnSpPr>
+          <p:nvPr/>
+        </p:nvCxnSpPr>
+        <p:spPr>
+          <a:xfrm>
+            <a:off x="3835100" y="2763512"/>
+            <a:ext cx="1193426" cy="272837"/>
+          </a:xfrm>
+          <a:prstGeom prst="line">
+            <a:avLst/>
+          </a:prstGeom>
+          <a:ln>
+            <a:prstDash val="dash"/>
+          </a:ln>
+        </p:spPr>
+        <p:style>
+          <a:lnRef idx="3">
+            <a:schemeClr val="dk1"/>
+          </a:lnRef>
+          <a:fillRef idx="0">
+            <a:schemeClr val="dk1"/>
+          </a:fillRef>
+          <a:effectRef idx="2">
+            <a:schemeClr val="dk1"/>
+          </a:effectRef>
+          <a:fontRef idx="minor">
+            <a:schemeClr val="tx1"/>
+          </a:fontRef>
+        </p:style>
+      </p:cxnSp>
+      <p:cxnSp>
+        <p:nvCxnSpPr>
+          <p:cNvPr id="43" name="Straight Connector 42"/>
+          <p:cNvCxnSpPr/>
+          <p:nvPr/>
+        </p:nvCxnSpPr>
+        <p:spPr>
+          <a:xfrm flipV="1">
+            <a:off x="4653330" y="3377423"/>
+            <a:ext cx="540871" cy="1109142"/>
+          </a:xfrm>
+          <a:prstGeom prst="line">
+            <a:avLst/>
+          </a:prstGeom>
+        </p:spPr>
+        <p:style>
+          <a:lnRef idx="3">
+            <a:schemeClr val="dk1"/>
+          </a:lnRef>
+          <a:fillRef idx="0">
+            <a:schemeClr val="dk1"/>
+          </a:fillRef>
+          <a:effectRef idx="2">
+            <a:schemeClr val="dk1"/>
+          </a:effectRef>
+          <a:fontRef idx="minor">
+            <a:schemeClr val="tx1"/>
+          </a:fontRef>
+        </p:style>
+      </p:cxnSp>
+      <p:cxnSp>
+        <p:nvCxnSpPr>
+          <p:cNvPr id="45" name="Straight Connector 44"/>
+          <p:cNvCxnSpPr/>
+          <p:nvPr/>
+        </p:nvCxnSpPr>
+        <p:spPr>
+          <a:xfrm flipV="1">
+            <a:off x="4645653" y="2885161"/>
+            <a:ext cx="2581057" cy="1630900"/>
+          </a:xfrm>
+          <a:prstGeom prst="line">
+            <a:avLst/>
+          </a:prstGeom>
+        </p:spPr>
+        <p:style>
+          <a:lnRef idx="3">
+            <a:schemeClr val="dk1"/>
+          </a:lnRef>
+          <a:fillRef idx="0">
+            <a:schemeClr val="dk1"/>
+          </a:fillRef>
+          <a:effectRef idx="2">
+            <a:schemeClr val="dk1"/>
+          </a:effectRef>
+          <a:fontRef idx="minor">
+            <a:schemeClr val="tx1"/>
+          </a:fontRef>
+        </p:style>
+      </p:cxnSp>
+      <p:cxnSp>
+        <p:nvCxnSpPr>
+          <p:cNvPr id="47" name="Straight Connector 46"/>
+          <p:cNvCxnSpPr/>
+          <p:nvPr/>
+        </p:nvCxnSpPr>
+        <p:spPr>
+          <a:xfrm flipV="1">
+            <a:off x="5608342" y="2514590"/>
+            <a:ext cx="1412123" cy="492219"/>
+          </a:xfrm>
+          <a:prstGeom prst="line">
+            <a:avLst/>
+          </a:prstGeom>
+          <a:ln>
+            <a:prstDash val="dash"/>
+          </a:ln>
+        </p:spPr>
+        <p:style>
+          <a:lnRef idx="3">
+            <a:schemeClr val="dk1"/>
+          </a:lnRef>
+          <a:fillRef idx="0">
+            <a:schemeClr val="dk1"/>
+          </a:fillRef>
+          <a:effectRef idx="2">
+            <a:schemeClr val="dk1"/>
+          </a:effectRef>
+          <a:fontRef idx="minor">
+            <a:schemeClr val="tx1"/>
+          </a:fontRef>
+        </p:style>
+      </p:cxnSp>
+      <p:cxnSp>
+        <p:nvCxnSpPr>
+          <p:cNvPr id="49" name="Straight Connector 48"/>
+          <p:cNvCxnSpPr>
+            <a:stCxn id="32" idx="0"/>
+          </p:cNvCxnSpPr>
+          <p:nvPr/>
+        </p:nvCxnSpPr>
+        <p:spPr>
+          <a:xfrm flipV="1">
+            <a:off x="3304991" y="4827373"/>
+            <a:ext cx="839308" cy="798521"/>
+          </a:xfrm>
+          <a:prstGeom prst="line">
+            <a:avLst/>
+          </a:prstGeom>
+          <a:ln>
+            <a:prstDash val="solid"/>
+          </a:ln>
+        </p:spPr>
+        <p:style>
+          <a:lnRef idx="3">
+            <a:schemeClr val="dk1"/>
+          </a:lnRef>
+          <a:fillRef idx="0">
+            <a:schemeClr val="dk1"/>
+          </a:fillRef>
+          <a:effectRef idx="2">
+            <a:schemeClr val="dk1"/>
+          </a:effectRef>
+          <a:fontRef idx="minor">
+            <a:schemeClr val="tx1"/>
+          </a:fontRef>
+        </p:style>
+      </p:cxnSp>
+      <p:sp>
+        <p:nvSpPr>
+          <p:cNvPr id="51" name="TextBox 50"/>
+          <p:cNvSpPr txBox="1"/>
+          <p:nvPr/>
+        </p:nvSpPr>
+        <p:spPr>
+          <a:xfrm>
+            <a:off x="2595149" y="1397314"/>
+            <a:ext cx="871136" cy="400110"/>
+          </a:xfrm>
+          <a:prstGeom prst="rect">
+            <a:avLst/>
+          </a:prstGeom>
+          <a:noFill/>
+        </p:spPr>
+        <p:txBody>
+          <a:bodyPr wrap="none" rtlCol="0">
+            <a:spAutoFit/>
+          </a:bodyPr>
+          <a:lstStyle/>
+          <a:p>
+            <a:r>
+              <a:rPr lang="en-US" sz="2000" dirty="0" smtClean="0"/>
+              <a:t>Host A</a:t>
+            </a:r>
+            <a:endParaRPr lang="en-US" sz="2000" dirty="0"/>
+          </a:p>
+        </p:txBody>
+      </p:sp>
+      <p:sp>
+        <p:nvSpPr>
+          <p:cNvPr id="52" name="TextBox 51"/>
+          <p:cNvSpPr txBox="1"/>
+          <p:nvPr/>
+        </p:nvSpPr>
+        <p:spPr>
+          <a:xfrm>
+            <a:off x="7190996" y="1375218"/>
+            <a:ext cx="861518" cy="400110"/>
+          </a:xfrm>
+          <a:prstGeom prst="rect">
+            <a:avLst/>
+          </a:prstGeom>
+          <a:noFill/>
+        </p:spPr>
+        <p:txBody>
+          <a:bodyPr wrap="none" rtlCol="0">
+            <a:spAutoFit/>
+          </a:bodyPr>
+          <a:lstStyle/>
+          <a:p>
+            <a:r>
+              <a:rPr lang="en-US" sz="2000" dirty="0" smtClean="0"/>
+              <a:t>Host B</a:t>
+            </a:r>
+            <a:endParaRPr lang="en-US" sz="2000" dirty="0"/>
+          </a:p>
+        </p:txBody>
+      </p:sp>
+      <p:sp>
+        <p:nvSpPr>
+          <p:cNvPr id="53" name="TextBox 52"/>
+          <p:cNvSpPr txBox="1"/>
+          <p:nvPr/>
+        </p:nvSpPr>
+        <p:spPr>
+          <a:xfrm>
+            <a:off x="8124894" y="5017549"/>
+            <a:ext cx="858312" cy="400110"/>
+          </a:xfrm>
+          <a:prstGeom prst="rect">
+            <a:avLst/>
+          </a:prstGeom>
+          <a:noFill/>
+        </p:spPr>
+        <p:txBody>
+          <a:bodyPr wrap="none" rtlCol="0">
+            <a:spAutoFit/>
+          </a:bodyPr>
+          <a:lstStyle/>
+          <a:p>
+            <a:r>
+              <a:rPr lang="en-US" sz="2000" smtClean="0"/>
+              <a:t>Host C</a:t>
+            </a:r>
+            <a:endParaRPr lang="en-US" sz="2000" dirty="0"/>
+          </a:p>
+        </p:txBody>
+      </p:sp>
+      <p:cxnSp>
+        <p:nvCxnSpPr>
+          <p:cNvPr id="55" name="Straight Connector 54"/>
+          <p:cNvCxnSpPr/>
+          <p:nvPr/>
+        </p:nvCxnSpPr>
+        <p:spPr>
+          <a:xfrm>
+            <a:off x="2564247" y="1834762"/>
+            <a:ext cx="546707" cy="539969"/>
+          </a:xfrm>
+          <a:prstGeom prst="line">
+            <a:avLst/>
+          </a:prstGeom>
+        </p:spPr>
+        <p:style>
+          <a:lnRef idx="3">
+            <a:schemeClr val="dk1"/>
+          </a:lnRef>
+          <a:fillRef idx="0">
+            <a:schemeClr val="dk1"/>
+          </a:fillRef>
+          <a:effectRef idx="2">
+            <a:schemeClr val="dk1"/>
+          </a:effectRef>
+          <a:fontRef idx="minor">
+            <a:schemeClr val="tx1"/>
+          </a:fontRef>
+        </p:style>
+      </p:cxnSp>
+      <p:cxnSp>
+        <p:nvCxnSpPr>
+          <p:cNvPr id="59" name="Straight Connector 58"/>
+          <p:cNvCxnSpPr>
+            <a:stCxn id="33" idx="0"/>
+          </p:cNvCxnSpPr>
+          <p:nvPr/>
+        </p:nvCxnSpPr>
+        <p:spPr>
+          <a:xfrm flipV="1">
+            <a:off x="7803061" y="2041604"/>
+            <a:ext cx="274274" cy="472986"/>
+          </a:xfrm>
+          <a:prstGeom prst="line">
+            <a:avLst/>
+          </a:prstGeom>
+        </p:spPr>
+        <p:style>
+          <a:lnRef idx="3">
+            <a:schemeClr val="dk1"/>
+          </a:lnRef>
+          <a:fillRef idx="0">
+            <a:schemeClr val="dk1"/>
+          </a:fillRef>
+          <a:effectRef idx="2">
+            <a:schemeClr val="dk1"/>
+          </a:effectRef>
+          <a:fontRef idx="minor">
+            <a:schemeClr val="tx1"/>
+          </a:fontRef>
+        </p:style>
+      </p:cxnSp>
+      <p:cxnSp>
+        <p:nvCxnSpPr>
+          <p:cNvPr id="64" name="Straight Connector 63"/>
+          <p:cNvCxnSpPr/>
+          <p:nvPr/>
+        </p:nvCxnSpPr>
+        <p:spPr>
+          <a:xfrm flipV="1">
+            <a:off x="6716695" y="5504246"/>
+            <a:ext cx="749786" cy="121648"/>
+          </a:xfrm>
+          <a:prstGeom prst="line">
+            <a:avLst/>
+          </a:prstGeom>
+        </p:spPr>
+        <p:style>
+          <a:lnRef idx="3">
+            <a:schemeClr val="dk1"/>
+          </a:lnRef>
+          <a:fillRef idx="0">
+            <a:schemeClr val="dk1"/>
+          </a:fillRef>
+          <a:effectRef idx="2">
+            <a:schemeClr val="dk1"/>
+          </a:effectRef>
+          <a:fontRef idx="minor">
+            <a:schemeClr val="tx1"/>
+          </a:fontRef>
+        </p:style>
+      </p:cxnSp>
+    </p:spTree>
+    <p:extLst>
+      <p:ext uri="{BB962C8B-B14F-4D97-AF65-F5344CB8AC3E}">
+        <p14:creationId xmlns:p14="http://schemas.microsoft.com/office/powerpoint/2010/main" val="1126536618"/>
+      </p:ext>
+    </p:extLst>
+  </p:cSld>
+  <p:clrMapOvr>
+    <a:masterClrMapping/>
+  </p:clrMapOvr>
+</p:sld>
+</file>
+
+<file path=ppt/slides/slide7.xml><?xml version="1.0" encoding="utf-8"?>
+<p:sld xmlns:a="http://schemas.openxmlformats.org/drawingml/2006/main" xmlns:r="http://schemas.openxmlformats.org/officeDocument/2006/relationships" xmlns:p="http://schemas.openxmlformats.org/presentationml/2006/main">
+  <p:cSld>
+    <p:spTree>
+      <p:nvGrpSpPr>
+        <p:cNvPr id="1" name=""/>
+        <p:cNvGrpSpPr/>
+        <p:nvPr/>
+      </p:nvGrpSpPr>
+      <p:grpSpPr>
+        <a:xfrm>
+          <a:off x="0" y="0"/>
+          <a:ext cx="0" cy="0"/>
+          <a:chOff x="0" y="0"/>
+          <a:chExt cx="0" cy="0"/>
+        </a:xfrm>
+      </p:grpSpPr>
+      <p:grpSp>
+        <p:nvGrpSpPr>
+          <p:cNvPr id="12" name="Group 11"/>
+          <p:cNvGrpSpPr/>
+          <p:nvPr/>
+        </p:nvGrpSpPr>
+        <p:grpSpPr>
+          <a:xfrm>
+            <a:off x="4073094" y="3098843"/>
+            <a:ext cx="1162254" cy="643407"/>
+            <a:chOff x="4031947" y="4394413"/>
+            <a:chExt cx="1162254" cy="643407"/>
+          </a:xfrm>
+        </p:grpSpPr>
+        <p:pic>
+          <p:nvPicPr>
+            <p:cNvPr id="7" name="Picture 6"/>
+            <p:cNvPicPr>
+              <a:picLocks noChangeAspect="1"/>
+            </p:cNvPicPr>
+            <p:nvPr/>
+          </p:nvPicPr>
+          <p:blipFill>
+            <a:blip r:embed="rId2">
+              <a:extLst>
+                <a:ext uri="{28A0092B-C50C-407E-A947-70E740481C1C}">
+                  <a14:useLocalDpi xmlns:a14="http://schemas.microsoft.com/office/drawing/2010/main" val="0"/>
+                </a:ext>
+              </a:extLst>
+            </a:blip>
+            <a:stretch>
+              <a:fillRect/>
+            </a:stretch>
+          </p:blipFill>
+          <p:spPr>
+            <a:xfrm>
+              <a:off x="4031947" y="4394413"/>
+              <a:ext cx="1066388" cy="643407"/>
+            </a:xfrm>
+            <a:prstGeom prst="rect">
+              <a:avLst/>
+            </a:prstGeom>
+          </p:spPr>
+        </p:pic>
+        <p:sp>
+          <p:nvSpPr>
+            <p:cNvPr id="27" name="TextBox 26"/>
+            <p:cNvSpPr txBox="1"/>
+            <p:nvPr/>
+          </p:nvSpPr>
+          <p:spPr>
+            <a:xfrm>
+              <a:off x="4645653" y="4516061"/>
+              <a:ext cx="548548" cy="400110"/>
+            </a:xfrm>
+            <a:prstGeom prst="rect">
+              <a:avLst/>
+            </a:prstGeom>
+            <a:noFill/>
+          </p:spPr>
+          <p:txBody>
+            <a:bodyPr wrap="none" rtlCol="0">
+              <a:spAutoFit/>
+            </a:bodyPr>
+            <a:lstStyle/>
+            <a:p>
+              <a:r>
+                <a:rPr lang="en-US" sz="2000" smtClean="0"/>
+                <a:t>S1</a:t>
+              </a:r>
+              <a:r>
+                <a:rPr lang="en-US" sz="2000" smtClean="0"/>
+                <a:t>  </a:t>
+              </a:r>
+              <a:endParaRPr lang="en-US" sz="2000" dirty="0"/>
+            </a:p>
+          </p:txBody>
+        </p:sp>
+      </p:grpSp>
+      <p:grpSp>
+        <p:nvGrpSpPr>
+          <p:cNvPr id="16" name="Group 15"/>
+          <p:cNvGrpSpPr/>
+          <p:nvPr/>
+        </p:nvGrpSpPr>
+        <p:grpSpPr>
+          <a:xfrm>
+            <a:off x="6111035" y="3098844"/>
+            <a:ext cx="1079961" cy="643407"/>
+            <a:chOff x="1752598" y="3751006"/>
+            <a:chExt cx="1079961" cy="643407"/>
+          </a:xfrm>
+        </p:grpSpPr>
+        <p:pic>
+          <p:nvPicPr>
+            <p:cNvPr id="6" name="Picture 5"/>
+            <p:cNvPicPr>
+              <a:picLocks noChangeAspect="1"/>
+            </p:cNvPicPr>
+            <p:nvPr/>
+          </p:nvPicPr>
+          <p:blipFill>
+            <a:blip r:embed="rId2">
+              <a:extLst>
+                <a:ext uri="{28A0092B-C50C-407E-A947-70E740481C1C}">
+                  <a14:useLocalDpi xmlns:a14="http://schemas.microsoft.com/office/drawing/2010/main" val="0"/>
+                </a:ext>
+              </a:extLst>
+            </a:blip>
+            <a:stretch>
+              <a:fillRect/>
+            </a:stretch>
+          </p:blipFill>
+          <p:spPr>
+            <a:xfrm>
+              <a:off x="1752598" y="3751006"/>
+              <a:ext cx="1066388" cy="643407"/>
+            </a:xfrm>
+            <a:prstGeom prst="rect">
+              <a:avLst/>
+            </a:prstGeom>
+          </p:spPr>
+        </p:pic>
+        <p:sp>
+          <p:nvSpPr>
+            <p:cNvPr id="28" name="TextBox 27"/>
+            <p:cNvSpPr txBox="1"/>
+            <p:nvPr/>
+          </p:nvSpPr>
+          <p:spPr>
+            <a:xfrm>
+              <a:off x="2341719" y="3872654"/>
+              <a:ext cx="490840" cy="400110"/>
+            </a:xfrm>
+            <a:prstGeom prst="rect">
+              <a:avLst/>
+            </a:prstGeom>
+            <a:noFill/>
+          </p:spPr>
+          <p:txBody>
+            <a:bodyPr wrap="none" rtlCol="0">
+              <a:spAutoFit/>
+            </a:bodyPr>
+            <a:lstStyle/>
+            <a:p>
+              <a:r>
+                <a:rPr lang="en-US" sz="2000" smtClean="0"/>
+                <a:t>S2</a:t>
+              </a:r>
+              <a:r>
+                <a:rPr lang="en-US" sz="2000" smtClean="0"/>
+                <a:t> </a:t>
+              </a:r>
+              <a:endParaRPr lang="en-US" sz="2000" dirty="0"/>
+            </a:p>
+          </p:txBody>
+        </p:sp>
+      </p:grpSp>
+      <p:grpSp>
+        <p:nvGrpSpPr>
+          <p:cNvPr id="2" name="Group 1"/>
+          <p:cNvGrpSpPr/>
+          <p:nvPr/>
+        </p:nvGrpSpPr>
+        <p:grpSpPr>
+          <a:xfrm>
+            <a:off x="3215203" y="1319842"/>
+            <a:ext cx="1678372" cy="923003"/>
+            <a:chOff x="1866461" y="1303091"/>
+            <a:chExt cx="1678372" cy="923003"/>
+          </a:xfrm>
+        </p:grpSpPr>
+        <p:pic>
+          <p:nvPicPr>
+            <p:cNvPr id="4" name="Picture 3"/>
+            <p:cNvPicPr>
+              <a:picLocks noChangeAspect="1"/>
+            </p:cNvPicPr>
+            <p:nvPr/>
+          </p:nvPicPr>
+          <p:blipFill>
+            <a:blip r:embed="rId3">
+              <a:extLst>
+                <a:ext uri="{28A0092B-C50C-407E-A947-70E740481C1C}">
+                  <a14:useLocalDpi xmlns:a14="http://schemas.microsoft.com/office/drawing/2010/main" val="0"/>
+                </a:ext>
+              </a:extLst>
+            </a:blip>
+            <a:stretch>
+              <a:fillRect/>
+            </a:stretch>
+          </p:blipFill>
+          <p:spPr>
+            <a:xfrm>
+              <a:off x="1866461" y="1303091"/>
+              <a:ext cx="791145" cy="923003"/>
+            </a:xfrm>
+            <a:prstGeom prst="rect">
+              <a:avLst/>
+            </a:prstGeom>
+          </p:spPr>
+        </p:pic>
+        <p:sp>
+          <p:nvSpPr>
+            <p:cNvPr id="51" name="TextBox 50"/>
+            <p:cNvSpPr txBox="1"/>
+            <p:nvPr/>
+          </p:nvSpPr>
+          <p:spPr>
+            <a:xfrm>
+              <a:off x="2595149" y="1397314"/>
+              <a:ext cx="949684" cy="400110"/>
+            </a:xfrm>
+            <a:prstGeom prst="rect">
+              <a:avLst/>
+            </a:prstGeom>
+            <a:noFill/>
+          </p:spPr>
+          <p:txBody>
+            <a:bodyPr wrap="none" rtlCol="0">
+              <a:spAutoFit/>
+            </a:bodyPr>
+            <a:lstStyle/>
+            <a:p>
+              <a:r>
+                <a:rPr lang="en-US" sz="2000" dirty="0" smtClean="0"/>
+                <a:t>Host W</a:t>
+              </a:r>
+              <a:endParaRPr lang="en-US" sz="2000" dirty="0"/>
+            </a:p>
+          </p:txBody>
+        </p:sp>
+      </p:grpSp>
+      <p:grpSp>
+        <p:nvGrpSpPr>
+          <p:cNvPr id="3" name="Group 2"/>
+          <p:cNvGrpSpPr/>
+          <p:nvPr/>
+        </p:nvGrpSpPr>
+        <p:grpSpPr>
+          <a:xfrm>
+            <a:off x="6700156" y="1318751"/>
+            <a:ext cx="1540832" cy="923003"/>
+            <a:chOff x="7190996" y="1318751"/>
+            <a:chExt cx="1540832" cy="923003"/>
+          </a:xfrm>
+        </p:grpSpPr>
+        <p:pic>
+          <p:nvPicPr>
+            <p:cNvPr id="14" name="Picture 13"/>
+            <p:cNvPicPr>
+              <a:picLocks noChangeAspect="1"/>
+            </p:cNvPicPr>
+            <p:nvPr/>
+          </p:nvPicPr>
+          <p:blipFill>
+            <a:blip r:embed="rId3">
+              <a:extLst>
+                <a:ext uri="{28A0092B-C50C-407E-A947-70E740481C1C}">
+                  <a14:useLocalDpi xmlns:a14="http://schemas.microsoft.com/office/drawing/2010/main" val="0"/>
+                </a:ext>
+              </a:extLst>
+            </a:blip>
+            <a:stretch>
+              <a:fillRect/>
+            </a:stretch>
+          </p:blipFill>
+          <p:spPr>
+            <a:xfrm>
+              <a:off x="7940683" y="1318751"/>
+              <a:ext cx="791145" cy="923003"/>
+            </a:xfrm>
+            <a:prstGeom prst="rect">
+              <a:avLst/>
+            </a:prstGeom>
+          </p:spPr>
+        </p:pic>
+        <p:sp>
+          <p:nvSpPr>
+            <p:cNvPr id="52" name="TextBox 51"/>
+            <p:cNvSpPr txBox="1"/>
+            <p:nvPr/>
+          </p:nvSpPr>
+          <p:spPr>
+            <a:xfrm>
+              <a:off x="7190996" y="1375218"/>
+              <a:ext cx="861518" cy="400110"/>
+            </a:xfrm>
+            <a:prstGeom prst="rect">
+              <a:avLst/>
+            </a:prstGeom>
+            <a:noFill/>
+          </p:spPr>
+          <p:txBody>
+            <a:bodyPr wrap="none" rtlCol="0">
+              <a:spAutoFit/>
+            </a:bodyPr>
+            <a:lstStyle/>
+            <a:p>
+              <a:r>
+                <a:rPr lang="en-US" sz="2000" dirty="0" smtClean="0"/>
+                <a:t>Host X</a:t>
+              </a:r>
+              <a:endParaRPr lang="en-US" sz="2000" dirty="0"/>
+            </a:p>
+          </p:txBody>
+        </p:sp>
+      </p:grpSp>
+      <p:cxnSp>
+        <p:nvCxnSpPr>
+          <p:cNvPr id="19" name="Straight Connector 18"/>
+          <p:cNvCxnSpPr>
+            <a:endCxn id="6" idx="1"/>
+          </p:cNvCxnSpPr>
+          <p:nvPr/>
+        </p:nvCxnSpPr>
+        <p:spPr>
+          <a:xfrm>
+            <a:off x="5050278" y="3420546"/>
+            <a:ext cx="1060757" cy="2"/>
+          </a:xfrm>
+          <a:prstGeom prst="line">
+            <a:avLst/>
+          </a:prstGeom>
+        </p:spPr>
+        <p:style>
+          <a:lnRef idx="3">
+            <a:schemeClr val="dk1"/>
+          </a:lnRef>
+          <a:fillRef idx="0">
+            <a:schemeClr val="dk1"/>
+          </a:fillRef>
+          <a:effectRef idx="2">
+            <a:schemeClr val="dk1"/>
+          </a:effectRef>
+          <a:fontRef idx="minor">
+            <a:schemeClr val="tx1"/>
+          </a:fontRef>
+        </p:style>
+      </p:cxnSp>
+      <p:grpSp>
+        <p:nvGrpSpPr>
+          <p:cNvPr id="41" name="Group 40"/>
+          <p:cNvGrpSpPr/>
+          <p:nvPr/>
+        </p:nvGrpSpPr>
+        <p:grpSpPr>
+          <a:xfrm>
+            <a:off x="3218654" y="4565416"/>
+            <a:ext cx="1575779" cy="923003"/>
+            <a:chOff x="1866461" y="1303091"/>
+            <a:chExt cx="1575779" cy="923003"/>
+          </a:xfrm>
+        </p:grpSpPr>
+        <p:pic>
+          <p:nvPicPr>
+            <p:cNvPr id="42" name="Picture 41"/>
+            <p:cNvPicPr>
+              <a:picLocks noChangeAspect="1"/>
+            </p:cNvPicPr>
+            <p:nvPr/>
+          </p:nvPicPr>
+          <p:blipFill>
+            <a:blip r:embed="rId3">
+              <a:extLst>
+                <a:ext uri="{28A0092B-C50C-407E-A947-70E740481C1C}">
+                  <a14:useLocalDpi xmlns:a14="http://schemas.microsoft.com/office/drawing/2010/main" val="0"/>
+                </a:ext>
+              </a:extLst>
+            </a:blip>
+            <a:stretch>
+              <a:fillRect/>
+            </a:stretch>
+          </p:blipFill>
+          <p:spPr>
+            <a:xfrm>
+              <a:off x="1866461" y="1303091"/>
+              <a:ext cx="791145" cy="923003"/>
+            </a:xfrm>
+            <a:prstGeom prst="rect">
+              <a:avLst/>
+            </a:prstGeom>
+          </p:spPr>
+        </p:pic>
+        <p:sp>
+          <p:nvSpPr>
+            <p:cNvPr id="44" name="TextBox 43"/>
+            <p:cNvSpPr txBox="1"/>
+            <p:nvPr/>
+          </p:nvSpPr>
+          <p:spPr>
+            <a:xfrm>
+              <a:off x="2595149" y="1397314"/>
+              <a:ext cx="847091" cy="400110"/>
+            </a:xfrm>
+            <a:prstGeom prst="rect">
+              <a:avLst/>
+            </a:prstGeom>
+            <a:noFill/>
+          </p:spPr>
+          <p:txBody>
+            <a:bodyPr wrap="none" rtlCol="0">
+              <a:spAutoFit/>
+            </a:bodyPr>
+            <a:lstStyle/>
+            <a:p>
+              <a:r>
+                <a:rPr lang="en-US" sz="2000" dirty="0" smtClean="0"/>
+                <a:t>Host Y</a:t>
+              </a:r>
+              <a:endParaRPr lang="en-US" sz="2000" dirty="0"/>
+            </a:p>
+          </p:txBody>
+        </p:sp>
+      </p:grpSp>
+      <p:grpSp>
+        <p:nvGrpSpPr>
+          <p:cNvPr id="46" name="Group 45"/>
+          <p:cNvGrpSpPr/>
+          <p:nvPr/>
+        </p:nvGrpSpPr>
+        <p:grpSpPr>
+          <a:xfrm>
+            <a:off x="6586318" y="4565416"/>
+            <a:ext cx="1540832" cy="923003"/>
+            <a:chOff x="7190996" y="1318751"/>
+            <a:chExt cx="1540832" cy="923003"/>
+          </a:xfrm>
+        </p:grpSpPr>
+        <p:pic>
+          <p:nvPicPr>
+            <p:cNvPr id="48" name="Picture 47"/>
+            <p:cNvPicPr>
+              <a:picLocks noChangeAspect="1"/>
+            </p:cNvPicPr>
+            <p:nvPr/>
+          </p:nvPicPr>
+          <p:blipFill>
+            <a:blip r:embed="rId3">
+              <a:extLst>
+                <a:ext uri="{28A0092B-C50C-407E-A947-70E740481C1C}">
+                  <a14:useLocalDpi xmlns:a14="http://schemas.microsoft.com/office/drawing/2010/main" val="0"/>
+                </a:ext>
+              </a:extLst>
+            </a:blip>
+            <a:stretch>
+              <a:fillRect/>
+            </a:stretch>
+          </p:blipFill>
+          <p:spPr>
+            <a:xfrm>
+              <a:off x="7940683" y="1318751"/>
+              <a:ext cx="791145" cy="923003"/>
+            </a:xfrm>
+            <a:prstGeom prst="rect">
+              <a:avLst/>
+            </a:prstGeom>
+          </p:spPr>
+        </p:pic>
+        <p:sp>
+          <p:nvSpPr>
+            <p:cNvPr id="50" name="TextBox 49"/>
+            <p:cNvSpPr txBox="1"/>
+            <p:nvPr/>
+          </p:nvSpPr>
+          <p:spPr>
+            <a:xfrm>
+              <a:off x="7190996" y="1375218"/>
+              <a:ext cx="842282" cy="400110"/>
+            </a:xfrm>
+            <a:prstGeom prst="rect">
+              <a:avLst/>
+            </a:prstGeom>
+            <a:noFill/>
+          </p:spPr>
+          <p:txBody>
+            <a:bodyPr wrap="none" rtlCol="0">
+              <a:spAutoFit/>
+            </a:bodyPr>
+            <a:lstStyle/>
+            <a:p>
+              <a:r>
+                <a:rPr lang="en-US" sz="2000" dirty="0" smtClean="0"/>
+                <a:t>Host Z</a:t>
+              </a:r>
+              <a:endParaRPr lang="en-US" sz="2000" dirty="0"/>
+            </a:p>
+          </p:txBody>
+        </p:sp>
+      </p:grpSp>
+      <p:cxnSp>
+        <p:nvCxnSpPr>
+          <p:cNvPr id="22" name="Straight Connector 21"/>
+          <p:cNvCxnSpPr/>
+          <p:nvPr/>
+        </p:nvCxnSpPr>
+        <p:spPr>
+          <a:xfrm flipV="1">
+            <a:off x="3715247" y="3620602"/>
+            <a:ext cx="703486" cy="1039037"/>
+          </a:xfrm>
+          <a:prstGeom prst="line">
+            <a:avLst/>
+          </a:prstGeom>
+        </p:spPr>
+        <p:style>
+          <a:lnRef idx="3">
+            <a:schemeClr val="dk1"/>
+          </a:lnRef>
+          <a:fillRef idx="0">
+            <a:schemeClr val="dk1"/>
+          </a:fillRef>
+          <a:effectRef idx="2">
+            <a:schemeClr val="dk1"/>
+          </a:effectRef>
+          <a:fontRef idx="minor">
+            <a:schemeClr val="tx1"/>
+          </a:fontRef>
+        </p:style>
+      </p:cxnSp>
+      <p:cxnSp>
+        <p:nvCxnSpPr>
+          <p:cNvPr id="24" name="Straight Connector 23"/>
+          <p:cNvCxnSpPr/>
+          <p:nvPr/>
+        </p:nvCxnSpPr>
+        <p:spPr>
+          <a:xfrm flipH="1" flipV="1">
+            <a:off x="3637375" y="2085595"/>
+            <a:ext cx="781359" cy="1013250"/>
+          </a:xfrm>
+          <a:prstGeom prst="line">
+            <a:avLst/>
+          </a:prstGeom>
+        </p:spPr>
+        <p:style>
+          <a:lnRef idx="3">
+            <a:schemeClr val="dk1"/>
+          </a:lnRef>
+          <a:fillRef idx="0">
+            <a:schemeClr val="dk1"/>
+          </a:fillRef>
+          <a:effectRef idx="2">
+            <a:schemeClr val="dk1"/>
+          </a:effectRef>
+          <a:fontRef idx="minor">
+            <a:schemeClr val="tx1"/>
+          </a:fontRef>
+        </p:style>
+      </p:cxnSp>
+      <p:cxnSp>
+        <p:nvCxnSpPr>
+          <p:cNvPr id="26" name="Straight Connector 25"/>
+          <p:cNvCxnSpPr>
+            <a:stCxn id="28" idx="0"/>
+          </p:cNvCxnSpPr>
+          <p:nvPr/>
+        </p:nvCxnSpPr>
+        <p:spPr>
+          <a:xfrm flipV="1">
+            <a:off x="6945576" y="2085595"/>
+            <a:ext cx="750174" cy="1134897"/>
+          </a:xfrm>
+          <a:prstGeom prst="line">
+            <a:avLst/>
+          </a:prstGeom>
+        </p:spPr>
+        <p:style>
+          <a:lnRef idx="3">
+            <a:schemeClr val="dk1"/>
+          </a:lnRef>
+          <a:fillRef idx="0">
+            <a:schemeClr val="dk1"/>
+          </a:fillRef>
+          <a:effectRef idx="2">
+            <a:schemeClr val="dk1"/>
+          </a:effectRef>
+          <a:fontRef idx="minor">
+            <a:schemeClr val="tx1"/>
+          </a:fontRef>
+        </p:style>
+      </p:cxnSp>
+      <p:cxnSp>
+        <p:nvCxnSpPr>
+          <p:cNvPr id="39" name="Straight Connector 38"/>
+          <p:cNvCxnSpPr/>
+          <p:nvPr/>
+        </p:nvCxnSpPr>
+        <p:spPr>
+          <a:xfrm>
+            <a:off x="6831784" y="3677069"/>
+            <a:ext cx="729890" cy="944814"/>
+          </a:xfrm>
+          <a:prstGeom prst="line">
+            <a:avLst/>
+          </a:prstGeom>
+        </p:spPr>
+        <p:style>
+          <a:lnRef idx="3">
+            <a:schemeClr val="dk1"/>
+          </a:lnRef>
+          <a:fillRef idx="0">
+            <a:schemeClr val="dk1"/>
+          </a:fillRef>
+          <a:effectRef idx="2">
+            <a:schemeClr val="dk1"/>
+          </a:effectRef>
+          <a:fontRef idx="minor">
+            <a:schemeClr val="tx1"/>
+          </a:fontRef>
+        </p:style>
+      </p:cxnSp>
+      <p:sp>
+        <p:nvSpPr>
+          <p:cNvPr id="61" name="TextBox 60"/>
+          <p:cNvSpPr txBox="1"/>
+          <p:nvPr/>
+        </p:nvSpPr>
+        <p:spPr>
+          <a:xfrm>
+            <a:off x="7252998" y="2576022"/>
+            <a:ext cx="1199367" cy="400110"/>
+          </a:xfrm>
+          <a:prstGeom prst="rect">
+            <a:avLst/>
+          </a:prstGeom>
+          <a:noFill/>
+        </p:spPr>
+        <p:txBody>
+          <a:bodyPr wrap="none" rtlCol="0">
+            <a:spAutoFit/>
+          </a:bodyPr>
+          <a:lstStyle/>
+          <a:p>
+            <a:r>
+              <a:rPr lang="en-US" sz="2000" dirty="0" smtClean="0"/>
+              <a:t>VLAN 100</a:t>
+            </a:r>
+            <a:endParaRPr lang="en-US" sz="2000" dirty="0"/>
+          </a:p>
+        </p:txBody>
+      </p:sp>
+      <p:sp>
+        <p:nvSpPr>
+          <p:cNvPr id="62" name="TextBox 61"/>
+          <p:cNvSpPr txBox="1"/>
+          <p:nvPr/>
+        </p:nvSpPr>
+        <p:spPr>
+          <a:xfrm>
+            <a:off x="2966847" y="2576022"/>
+            <a:ext cx="1199367" cy="400110"/>
+          </a:xfrm>
+          <a:prstGeom prst="rect">
+            <a:avLst/>
+          </a:prstGeom>
+          <a:noFill/>
+        </p:spPr>
+        <p:txBody>
+          <a:bodyPr wrap="none" rtlCol="0">
+            <a:spAutoFit/>
+          </a:bodyPr>
+          <a:lstStyle/>
+          <a:p>
+            <a:r>
+              <a:rPr lang="en-US" sz="2000" smtClean="0"/>
+              <a:t>VLAN 100</a:t>
+            </a:r>
+            <a:endParaRPr lang="en-US" sz="2000" dirty="0"/>
+          </a:p>
+        </p:txBody>
+      </p:sp>
+      <p:sp>
+        <p:nvSpPr>
+          <p:cNvPr id="63" name="TextBox 62"/>
+          <p:cNvSpPr txBox="1"/>
+          <p:nvPr/>
+        </p:nvSpPr>
+        <p:spPr>
+          <a:xfrm>
+            <a:off x="2931917" y="3823461"/>
+            <a:ext cx="1199367" cy="400110"/>
+          </a:xfrm>
+          <a:prstGeom prst="rect">
+            <a:avLst/>
+          </a:prstGeom>
+          <a:noFill/>
+        </p:spPr>
+        <p:txBody>
+          <a:bodyPr wrap="none" rtlCol="0">
+            <a:spAutoFit/>
+          </a:bodyPr>
+          <a:lstStyle/>
+          <a:p>
+            <a:r>
+              <a:rPr lang="en-US" sz="2000" dirty="0" smtClean="0"/>
+              <a:t>VLAN 200</a:t>
+            </a:r>
+            <a:endParaRPr lang="en-US" sz="2000" dirty="0"/>
+          </a:p>
+        </p:txBody>
+      </p:sp>
+      <p:sp>
+        <p:nvSpPr>
+          <p:cNvPr id="65" name="TextBox 64"/>
+          <p:cNvSpPr txBox="1"/>
+          <p:nvPr/>
+        </p:nvSpPr>
+        <p:spPr>
+          <a:xfrm>
+            <a:off x="7096066" y="3823461"/>
+            <a:ext cx="1199367" cy="400110"/>
+          </a:xfrm>
+          <a:prstGeom prst="rect">
+            <a:avLst/>
+          </a:prstGeom>
+          <a:noFill/>
+        </p:spPr>
+        <p:txBody>
+          <a:bodyPr wrap="none" rtlCol="0">
+            <a:spAutoFit/>
+          </a:bodyPr>
+          <a:lstStyle/>
+          <a:p>
+            <a:r>
+              <a:rPr lang="en-US" sz="2000" smtClean="0"/>
+              <a:t>VLAN 200</a:t>
+            </a:r>
+            <a:endParaRPr lang="en-US" sz="2000" dirty="0"/>
+          </a:p>
+        </p:txBody>
+      </p:sp>
+    </p:spTree>
+    <p:extLst>
+      <p:ext uri="{BB962C8B-B14F-4D97-AF65-F5344CB8AC3E}">
+        <p14:creationId xmlns:p14="http://schemas.microsoft.com/office/powerpoint/2010/main" val="1682115820"/>
+      </p:ext>
+    </p:extLst>
+  </p:cSld>
+  <p:clrMapOvr>
+    <a:masterClrMapping/>
+  </p:clrMapOvr>
+</p:sld>
+</file>
+
 <file path=ppt/theme/theme1.xml><?xml version="1.0" encoding="utf-8"?>
 <a:theme xmlns:a="http://schemas.openxmlformats.org/drawingml/2006/main" name="Office Theme">
   <a:themeElements>

--- a/figures/impl.pptx
+++ b/figures/impl.pptx
@@ -10,6 +10,9 @@
     <p:sldId id="258" r:id="rId4"/>
     <p:sldId id="259" r:id="rId5"/>
     <p:sldId id="260" r:id="rId6"/>
+    <p:sldId id="261" r:id="rId7"/>
+    <p:sldId id="262" r:id="rId8"/>
+    <p:sldId id="263" r:id="rId9"/>
   </p:sldIdLst>
   <p:sldSz cx="12192000" cy="6858000"/>
   <p:notesSz cx="6858000" cy="9144000"/>
@@ -247,7 +250,7 @@
           <a:p>
             <a:fld id="{5D97E163-DB95-D24D-8C95-263DECB1FC34}" type="datetimeFigureOut">
               <a:rPr lang="en-US" smtClean="0"/>
-              <a:t>10/2/19</a:t>
+              <a:t>10/28/19</a:t>
             </a:fld>
             <a:endParaRPr lang="en-US"/>
           </a:p>
@@ -417,7 +420,7 @@
           <a:p>
             <a:fld id="{5D97E163-DB95-D24D-8C95-263DECB1FC34}" type="datetimeFigureOut">
               <a:rPr lang="en-US" smtClean="0"/>
-              <a:t>10/2/19</a:t>
+              <a:t>10/28/19</a:t>
             </a:fld>
             <a:endParaRPr lang="en-US"/>
           </a:p>
@@ -597,7 +600,7 @@
           <a:p>
             <a:fld id="{5D97E163-DB95-D24D-8C95-263DECB1FC34}" type="datetimeFigureOut">
               <a:rPr lang="en-US" smtClean="0"/>
-              <a:t>10/2/19</a:t>
+              <a:t>10/28/19</a:t>
             </a:fld>
             <a:endParaRPr lang="en-US"/>
           </a:p>
@@ -767,7 +770,7 @@
           <a:p>
             <a:fld id="{5D97E163-DB95-D24D-8C95-263DECB1FC34}" type="datetimeFigureOut">
               <a:rPr lang="en-US" smtClean="0"/>
-              <a:t>10/2/19</a:t>
+              <a:t>10/28/19</a:t>
             </a:fld>
             <a:endParaRPr lang="en-US"/>
           </a:p>
@@ -1013,7 +1016,7 @@
           <a:p>
             <a:fld id="{5D97E163-DB95-D24D-8C95-263DECB1FC34}" type="datetimeFigureOut">
               <a:rPr lang="en-US" smtClean="0"/>
-              <a:t>10/2/19</a:t>
+              <a:t>10/28/19</a:t>
             </a:fld>
             <a:endParaRPr lang="en-US"/>
           </a:p>
@@ -1245,7 +1248,7 @@
           <a:p>
             <a:fld id="{5D97E163-DB95-D24D-8C95-263DECB1FC34}" type="datetimeFigureOut">
               <a:rPr lang="en-US" smtClean="0"/>
-              <a:t>10/2/19</a:t>
+              <a:t>10/28/19</a:t>
             </a:fld>
             <a:endParaRPr lang="en-US"/>
           </a:p>
@@ -1612,7 +1615,7 @@
           <a:p>
             <a:fld id="{5D97E163-DB95-D24D-8C95-263DECB1FC34}" type="datetimeFigureOut">
               <a:rPr lang="en-US" smtClean="0"/>
-              <a:t>10/2/19</a:t>
+              <a:t>10/28/19</a:t>
             </a:fld>
             <a:endParaRPr lang="en-US"/>
           </a:p>
@@ -1730,7 +1733,7 @@
           <a:p>
             <a:fld id="{5D97E163-DB95-D24D-8C95-263DECB1FC34}" type="datetimeFigureOut">
               <a:rPr lang="en-US" smtClean="0"/>
-              <a:t>10/2/19</a:t>
+              <a:t>10/28/19</a:t>
             </a:fld>
             <a:endParaRPr lang="en-US"/>
           </a:p>
@@ -1825,7 +1828,7 @@
           <a:p>
             <a:fld id="{5D97E163-DB95-D24D-8C95-263DECB1FC34}" type="datetimeFigureOut">
               <a:rPr lang="en-US" smtClean="0"/>
-              <a:t>10/2/19</a:t>
+              <a:t>10/28/19</a:t>
             </a:fld>
             <a:endParaRPr lang="en-US"/>
           </a:p>
@@ -2102,7 +2105,7 @@
           <a:p>
             <a:fld id="{5D97E163-DB95-D24D-8C95-263DECB1FC34}" type="datetimeFigureOut">
               <a:rPr lang="en-US" smtClean="0"/>
-              <a:t>10/2/19</a:t>
+              <a:t>10/28/19</a:t>
             </a:fld>
             <a:endParaRPr lang="en-US"/>
           </a:p>
@@ -2355,7 +2358,7 @@
           <a:p>
             <a:fld id="{5D97E163-DB95-D24D-8C95-263DECB1FC34}" type="datetimeFigureOut">
               <a:rPr lang="en-US" smtClean="0"/>
-              <a:t>10/2/19</a:t>
+              <a:t>10/28/19</a:t>
             </a:fld>
             <a:endParaRPr lang="en-US"/>
           </a:p>
@@ -2568,7 +2571,7 @@
           <a:p>
             <a:fld id="{5D97E163-DB95-D24D-8C95-263DECB1FC34}" type="datetimeFigureOut">
               <a:rPr lang="en-US" smtClean="0"/>
-              <a:t>10/2/19</a:t>
+              <a:t>10/28/19</a:t>
             </a:fld>
             <a:endParaRPr lang="en-US"/>
           </a:p>
@@ -6686,13 +6689,6 @@
   <p:clrMapOvr>
     <a:masterClrMapping/>
   </p:clrMapOvr>
-  <p:timing>
-    <p:tnLst>
-      <p:par>
-        <p:cTn id="1" dur="indefinite" restart="never" nodeType="tmRoot"/>
-      </p:par>
-    </p:tnLst>
-  </p:timing>
 </p:sld>
 </file>
 
@@ -8045,13 +8041,6 @@
   <p:clrMapOvr>
     <a:masterClrMapping/>
   </p:clrMapOvr>
-  <p:timing>
-    <p:tnLst>
-      <p:par>
-        <p:cTn id="1" dur="indefinite" restart="never" nodeType="tmRoot"/>
-      </p:par>
-    </p:tnLst>
-  </p:timing>
 </p:sld>
 </file>
 
@@ -8072,81 +8061,611 @@
           <a:chExt cx="0" cy="0"/>
         </a:xfrm>
       </p:grpSpPr>
-      <p:sp>
-        <p:nvSpPr>
-          <p:cNvPr id="2" name="Rectangle 1"/>
-          <p:cNvSpPr/>
-          <p:nvPr/>
-        </p:nvSpPr>
-        <p:spPr>
-          <a:xfrm>
-            <a:off x="958645" y="1312607"/>
-            <a:ext cx="9247239" cy="752168"/>
-          </a:xfrm>
-          <a:prstGeom prst="rect">
-            <a:avLst/>
-          </a:prstGeom>
-          <a:noFill/>
-          <a:ln w="28575">
-            <a:solidFill>
-              <a:srgbClr val="00B0F0"/>
-            </a:solidFill>
-          </a:ln>
+      <p:pic>
+        <p:nvPicPr>
+          <p:cNvPr id="4" name="Picture 3"/>
+          <p:cNvPicPr>
+            <a:picLocks noChangeAspect="1"/>
+          </p:cNvPicPr>
+          <p:nvPr/>
+        </p:nvPicPr>
+        <p:blipFill>
+          <a:blip r:embed="rId2">
+            <a:extLst>
+              <a:ext uri="{28A0092B-C50C-407E-A947-70E740481C1C}">
+                <a14:useLocalDpi xmlns:a14="http://schemas.microsoft.com/office/drawing/2010/main" val="0"/>
+              </a:ext>
+            </a:extLst>
+          </a:blip>
+          <a:stretch>
+            <a:fillRect/>
+          </a:stretch>
+        </p:blipFill>
+        <p:spPr>
+          <a:xfrm>
+            <a:off x="1866461" y="1303091"/>
+            <a:ext cx="791145" cy="923003"/>
+          </a:xfrm>
+          <a:prstGeom prst="rect">
+            <a:avLst/>
+          </a:prstGeom>
+        </p:spPr>
+      </p:pic>
+      <p:pic>
+        <p:nvPicPr>
+          <p:cNvPr id="5" name="Picture 4"/>
+          <p:cNvPicPr>
+            <a:picLocks noChangeAspect="1"/>
+          </p:cNvPicPr>
+          <p:nvPr/>
+        </p:nvPicPr>
+        <p:blipFill>
+          <a:blip r:embed="rId3">
+            <a:extLst>
+              <a:ext uri="{28A0092B-C50C-407E-A947-70E740481C1C}">
+                <a14:useLocalDpi xmlns:a14="http://schemas.microsoft.com/office/drawing/2010/main" val="0"/>
+              </a:ext>
+            </a:extLst>
+          </a:blip>
+          <a:stretch>
+            <a:fillRect/>
+          </a:stretch>
+        </p:blipFill>
+        <p:spPr>
+          <a:xfrm>
+            <a:off x="2965559" y="2241754"/>
+            <a:ext cx="1066388" cy="643407"/>
+          </a:xfrm>
+          <a:prstGeom prst="rect">
+            <a:avLst/>
+          </a:prstGeom>
+        </p:spPr>
+      </p:pic>
+      <p:pic>
+        <p:nvPicPr>
+          <p:cNvPr id="6" name="Picture 5"/>
+          <p:cNvPicPr>
+            <a:picLocks noChangeAspect="1"/>
+          </p:cNvPicPr>
+          <p:nvPr/>
+        </p:nvPicPr>
+        <p:blipFill>
+          <a:blip r:embed="rId3">
+            <a:extLst>
+              <a:ext uri="{28A0092B-C50C-407E-A947-70E740481C1C}">
+                <a14:useLocalDpi xmlns:a14="http://schemas.microsoft.com/office/drawing/2010/main" val="0"/>
+              </a:ext>
+            </a:extLst>
+          </a:blip>
+          <a:stretch>
+            <a:fillRect/>
+          </a:stretch>
+        </p:blipFill>
+        <p:spPr>
+          <a:xfrm>
+            <a:off x="1752598" y="3751006"/>
+            <a:ext cx="1066388" cy="643407"/>
+          </a:xfrm>
+          <a:prstGeom prst="rect">
+            <a:avLst/>
+          </a:prstGeom>
+        </p:spPr>
+      </p:pic>
+      <p:pic>
+        <p:nvPicPr>
+          <p:cNvPr id="7" name="Picture 6"/>
+          <p:cNvPicPr>
+            <a:picLocks noChangeAspect="1"/>
+          </p:cNvPicPr>
+          <p:nvPr/>
+        </p:nvPicPr>
+        <p:blipFill>
+          <a:blip r:embed="rId3">
+            <a:extLst>
+              <a:ext uri="{28A0092B-C50C-407E-A947-70E740481C1C}">
+                <a14:useLocalDpi xmlns:a14="http://schemas.microsoft.com/office/drawing/2010/main" val="0"/>
+              </a:ext>
+            </a:extLst>
+          </a:blip>
+          <a:stretch>
+            <a:fillRect/>
+          </a:stretch>
+        </p:blipFill>
+        <p:spPr>
+          <a:xfrm>
+            <a:off x="4031947" y="4394413"/>
+            <a:ext cx="1066388" cy="643407"/>
+          </a:xfrm>
+          <a:prstGeom prst="rect">
+            <a:avLst/>
+          </a:prstGeom>
+        </p:spPr>
+      </p:pic>
+      <p:pic>
+        <p:nvPicPr>
+          <p:cNvPr id="8" name="Picture 7"/>
+          <p:cNvPicPr>
+            <a:picLocks noChangeAspect="1"/>
+          </p:cNvPicPr>
+          <p:nvPr/>
+        </p:nvPicPr>
+        <p:blipFill>
+          <a:blip r:embed="rId3">
+            <a:extLst>
+              <a:ext uri="{28A0092B-C50C-407E-A947-70E740481C1C}">
+                <a14:useLocalDpi xmlns:a14="http://schemas.microsoft.com/office/drawing/2010/main" val="0"/>
+              </a:ext>
+            </a:extLst>
+          </a:blip>
+          <a:stretch>
+            <a:fillRect/>
+          </a:stretch>
+        </p:blipFill>
+        <p:spPr>
+          <a:xfrm>
+            <a:off x="4919927" y="2885161"/>
+            <a:ext cx="1066388" cy="643407"/>
+          </a:xfrm>
+          <a:prstGeom prst="rect">
+            <a:avLst/>
+          </a:prstGeom>
+        </p:spPr>
+      </p:pic>
+      <p:pic>
+        <p:nvPicPr>
+          <p:cNvPr id="9" name="Picture 8"/>
+          <p:cNvPicPr>
+            <a:picLocks noChangeAspect="1"/>
+          </p:cNvPicPr>
+          <p:nvPr/>
+        </p:nvPicPr>
+        <p:blipFill>
+          <a:blip r:embed="rId3">
+            <a:extLst>
+              <a:ext uri="{28A0092B-C50C-407E-A947-70E740481C1C}">
+                <a14:useLocalDpi xmlns:a14="http://schemas.microsoft.com/office/drawing/2010/main" val="0"/>
+              </a:ext>
+            </a:extLst>
+          </a:blip>
+          <a:stretch>
+            <a:fillRect/>
+          </a:stretch>
+        </p:blipFill>
+        <p:spPr>
+          <a:xfrm>
+            <a:off x="6889043" y="2392942"/>
+            <a:ext cx="1066388" cy="643407"/>
+          </a:xfrm>
+          <a:prstGeom prst="rect">
+            <a:avLst/>
+          </a:prstGeom>
+        </p:spPr>
+      </p:pic>
+      <p:pic>
+        <p:nvPicPr>
+          <p:cNvPr id="10" name="Picture 9"/>
+          <p:cNvPicPr>
+            <a:picLocks noChangeAspect="1"/>
+          </p:cNvPicPr>
+          <p:nvPr/>
+        </p:nvPicPr>
+        <p:blipFill>
+          <a:blip r:embed="rId3">
+            <a:extLst>
+              <a:ext uri="{28A0092B-C50C-407E-A947-70E740481C1C}">
+                <a14:useLocalDpi xmlns:a14="http://schemas.microsoft.com/office/drawing/2010/main" val="0"/>
+              </a:ext>
+            </a:extLst>
+          </a:blip>
+          <a:stretch>
+            <a:fillRect/>
+          </a:stretch>
+        </p:blipFill>
+        <p:spPr>
+          <a:xfrm>
+            <a:off x="5807907" y="5504246"/>
+            <a:ext cx="1066388" cy="643407"/>
+          </a:xfrm>
+          <a:prstGeom prst="rect">
+            <a:avLst/>
+          </a:prstGeom>
+        </p:spPr>
+      </p:pic>
+      <p:pic>
+        <p:nvPicPr>
+          <p:cNvPr id="11" name="Picture 10"/>
+          <p:cNvPicPr>
+            <a:picLocks noChangeAspect="1"/>
+          </p:cNvPicPr>
+          <p:nvPr/>
+        </p:nvPicPr>
+        <p:blipFill>
+          <a:blip r:embed="rId3">
+            <a:extLst>
+              <a:ext uri="{28A0092B-C50C-407E-A947-70E740481C1C}">
+                <a14:useLocalDpi xmlns:a14="http://schemas.microsoft.com/office/drawing/2010/main" val="0"/>
+              </a:ext>
+            </a:extLst>
+          </a:blip>
+          <a:stretch>
+            <a:fillRect/>
+          </a:stretch>
+        </p:blipFill>
+        <p:spPr>
+          <a:xfrm>
+            <a:off x="2432365" y="5504246"/>
+            <a:ext cx="1066388" cy="643407"/>
+          </a:xfrm>
+          <a:prstGeom prst="rect">
+            <a:avLst/>
+          </a:prstGeom>
+        </p:spPr>
+      </p:pic>
+      <p:cxnSp>
+        <p:nvCxnSpPr>
+          <p:cNvPr id="13" name="Straight Connector 12"/>
+          <p:cNvCxnSpPr>
+            <a:stCxn id="11" idx="3"/>
+            <a:endCxn id="10" idx="1"/>
+          </p:cNvCxnSpPr>
+          <p:nvPr/>
+        </p:nvCxnSpPr>
+        <p:spPr>
+          <a:xfrm>
+            <a:off x="3498753" y="5825950"/>
+            <a:ext cx="2309154" cy="0"/>
+          </a:xfrm>
+          <a:prstGeom prst="line">
+            <a:avLst/>
+          </a:prstGeom>
         </p:spPr>
         <p:style>
-          <a:lnRef idx="2">
-            <a:schemeClr val="accent1">
-              <a:shade val="50000"/>
-            </a:schemeClr>
+          <a:lnRef idx="3">
+            <a:schemeClr val="dk1"/>
           </a:lnRef>
-          <a:fillRef idx="1">
-            <a:schemeClr val="accent1"/>
+          <a:fillRef idx="0">
+            <a:schemeClr val="dk1"/>
           </a:fillRef>
-          <a:effectRef idx="0">
-            <a:schemeClr val="accent1"/>
+          <a:effectRef idx="2">
+            <a:schemeClr val="dk1"/>
           </a:effectRef>
           <a:fontRef idx="minor">
-            <a:schemeClr val="lt1"/>
+            <a:schemeClr val="tx1"/>
           </a:fontRef>
         </p:style>
-        <p:txBody>
-          <a:bodyPr rtlCol="0" anchor="ctr"/>
-          <a:lstStyle/>
-          <a:p>
-            <a:pPr algn="ctr"/>
-            <a:endParaRPr lang="en-US"/>
-          </a:p>
-        </p:txBody>
-      </p:sp>
+      </p:cxnSp>
+      <p:pic>
+        <p:nvPicPr>
+          <p:cNvPr id="14" name="Picture 13"/>
+          <p:cNvPicPr>
+            <a:picLocks noChangeAspect="1"/>
+          </p:cNvPicPr>
+          <p:nvPr/>
+        </p:nvPicPr>
+        <p:blipFill>
+          <a:blip r:embed="rId2">
+            <a:extLst>
+              <a:ext uri="{28A0092B-C50C-407E-A947-70E740481C1C}">
+                <a14:useLocalDpi xmlns:a14="http://schemas.microsoft.com/office/drawing/2010/main" val="0"/>
+              </a:ext>
+            </a:extLst>
+          </a:blip>
+          <a:stretch>
+            <a:fillRect/>
+          </a:stretch>
+        </p:blipFill>
+        <p:spPr>
+          <a:xfrm>
+            <a:off x="7940683" y="1318751"/>
+            <a:ext cx="791145" cy="923003"/>
+          </a:xfrm>
+          <a:prstGeom prst="rect">
+            <a:avLst/>
+          </a:prstGeom>
+        </p:spPr>
+      </p:pic>
+      <p:pic>
+        <p:nvPicPr>
+          <p:cNvPr id="15" name="Picture 14"/>
+          <p:cNvPicPr>
+            <a:picLocks noChangeAspect="1"/>
+          </p:cNvPicPr>
+          <p:nvPr/>
+        </p:nvPicPr>
+        <p:blipFill>
+          <a:blip r:embed="rId2">
+            <a:extLst>
+              <a:ext uri="{28A0092B-C50C-407E-A947-70E740481C1C}">
+                <a14:useLocalDpi xmlns:a14="http://schemas.microsoft.com/office/drawing/2010/main" val="0"/>
+              </a:ext>
+            </a:extLst>
+          </a:blip>
+          <a:stretch>
+            <a:fillRect/>
+          </a:stretch>
+        </p:blipFill>
+        <p:spPr>
+          <a:xfrm>
+            <a:off x="7407489" y="4902946"/>
+            <a:ext cx="791145" cy="923003"/>
+          </a:xfrm>
+          <a:prstGeom prst="rect">
+            <a:avLst/>
+          </a:prstGeom>
+        </p:spPr>
+      </p:pic>
       <p:cxnSp>
         <p:nvCxnSpPr>
-          <p:cNvPr id="3" name="Straight Connector 2"/>
+          <p:cNvPr id="17" name="Straight Connector 16"/>
           <p:cNvCxnSpPr/>
           <p:nvPr/>
         </p:nvCxnSpPr>
         <p:spPr>
-          <a:xfrm>
-            <a:off x="2374497" y="1312607"/>
-            <a:ext cx="0" cy="752168"/>
+          <a:xfrm flipH="1">
+            <a:off x="2536509" y="2714645"/>
+            <a:ext cx="704293" cy="1139597"/>
           </a:xfrm>
           <a:prstGeom prst="line">
             <a:avLst/>
           </a:prstGeom>
-          <a:ln w="28575">
-            <a:solidFill>
-              <a:srgbClr val="00B0F0"/>
-            </a:solidFill>
-          </a:ln>
         </p:spPr>
         <p:style>
-          <a:lnRef idx="1">
-            <a:schemeClr val="accent1"/>
+          <a:lnRef idx="3">
+            <a:schemeClr val="dk1"/>
           </a:lnRef>
           <a:fillRef idx="0">
-            <a:schemeClr val="accent1"/>
+            <a:schemeClr val="dk1"/>
           </a:fillRef>
-          <a:effectRef idx="0">
-            <a:schemeClr val="accent1"/>
+          <a:effectRef idx="2">
+            <a:schemeClr val="dk1"/>
+          </a:effectRef>
+          <a:fontRef idx="minor">
+            <a:schemeClr val="tx1"/>
+          </a:fontRef>
+        </p:style>
+      </p:cxnSp>
+      <p:sp>
+        <p:nvSpPr>
+          <p:cNvPr id="27" name="TextBox 26"/>
+          <p:cNvSpPr txBox="1"/>
+          <p:nvPr/>
+        </p:nvSpPr>
+        <p:spPr>
+          <a:xfrm>
+            <a:off x="4645653" y="4516061"/>
+            <a:ext cx="548548" cy="400110"/>
+          </a:xfrm>
+          <a:prstGeom prst="rect">
+            <a:avLst/>
+          </a:prstGeom>
+          <a:noFill/>
+        </p:spPr>
+        <p:txBody>
+          <a:bodyPr wrap="none" rtlCol="0">
+            <a:spAutoFit/>
+          </a:bodyPr>
+          <a:lstStyle/>
+          <a:p>
+            <a:r>
+              <a:rPr lang="en-US" sz="2000" smtClean="0"/>
+              <a:t>S1  </a:t>
+            </a:r>
+            <a:endParaRPr lang="en-US" sz="2000" dirty="0"/>
+          </a:p>
+        </p:txBody>
+      </p:sp>
+      <p:sp>
+        <p:nvSpPr>
+          <p:cNvPr id="28" name="TextBox 27"/>
+          <p:cNvSpPr txBox="1"/>
+          <p:nvPr/>
+        </p:nvSpPr>
+        <p:spPr>
+          <a:xfrm>
+            <a:off x="2341719" y="3872654"/>
+            <a:ext cx="490840" cy="400110"/>
+          </a:xfrm>
+          <a:prstGeom prst="rect">
+            <a:avLst/>
+          </a:prstGeom>
+          <a:noFill/>
+        </p:spPr>
+        <p:txBody>
+          <a:bodyPr wrap="none" rtlCol="0">
+            <a:spAutoFit/>
+          </a:bodyPr>
+          <a:lstStyle/>
+          <a:p>
+            <a:r>
+              <a:rPr lang="en-US" sz="2000" smtClean="0"/>
+              <a:t>S2 </a:t>
+            </a:r>
+            <a:endParaRPr lang="en-US" sz="2000" dirty="0"/>
+          </a:p>
+        </p:txBody>
+      </p:sp>
+      <p:sp>
+        <p:nvSpPr>
+          <p:cNvPr id="29" name="TextBox 28"/>
+          <p:cNvSpPr txBox="1"/>
+          <p:nvPr/>
+        </p:nvSpPr>
+        <p:spPr>
+          <a:xfrm>
+            <a:off x="3560826" y="2363402"/>
+            <a:ext cx="548548" cy="400110"/>
+          </a:xfrm>
+          <a:prstGeom prst="rect">
+            <a:avLst/>
+          </a:prstGeom>
+          <a:noFill/>
+        </p:spPr>
+        <p:txBody>
+          <a:bodyPr wrap="none" rtlCol="0">
+            <a:spAutoFit/>
+          </a:bodyPr>
+          <a:lstStyle/>
+          <a:p>
+            <a:r>
+              <a:rPr lang="en-US" sz="2000" smtClean="0"/>
+              <a:t>S3</a:t>
+            </a:r>
+            <a:r>
+              <a:rPr lang="en-US" sz="2000"/>
+              <a:t> </a:t>
+            </a:r>
+            <a:r>
+              <a:rPr lang="en-US" sz="2000" smtClean="0"/>
+              <a:t> </a:t>
+            </a:r>
+            <a:endParaRPr lang="en-US" sz="2000" dirty="0"/>
+          </a:p>
+        </p:txBody>
+      </p:sp>
+      <p:sp>
+        <p:nvSpPr>
+          <p:cNvPr id="30" name="TextBox 29"/>
+          <p:cNvSpPr txBox="1"/>
+          <p:nvPr/>
+        </p:nvSpPr>
+        <p:spPr>
+          <a:xfrm>
+            <a:off x="6398177" y="5625894"/>
+            <a:ext cx="548548" cy="400110"/>
+          </a:xfrm>
+          <a:prstGeom prst="rect">
+            <a:avLst/>
+          </a:prstGeom>
+          <a:noFill/>
+        </p:spPr>
+        <p:txBody>
+          <a:bodyPr wrap="none" rtlCol="0">
+            <a:spAutoFit/>
+          </a:bodyPr>
+          <a:lstStyle/>
+          <a:p>
+            <a:r>
+              <a:rPr lang="en-US" sz="2000" smtClean="0"/>
+              <a:t>S4  </a:t>
+            </a:r>
+            <a:endParaRPr lang="en-US" sz="2000" dirty="0"/>
+          </a:p>
+        </p:txBody>
+      </p:sp>
+      <p:sp>
+        <p:nvSpPr>
+          <p:cNvPr id="31" name="TextBox 30"/>
+          <p:cNvSpPr txBox="1"/>
+          <p:nvPr/>
+        </p:nvSpPr>
+        <p:spPr>
+          <a:xfrm>
+            <a:off x="5534602" y="3006809"/>
+            <a:ext cx="548548" cy="400110"/>
+          </a:xfrm>
+          <a:prstGeom prst="rect">
+            <a:avLst/>
+          </a:prstGeom>
+          <a:noFill/>
+        </p:spPr>
+        <p:txBody>
+          <a:bodyPr wrap="none" rtlCol="0">
+            <a:spAutoFit/>
+          </a:bodyPr>
+          <a:lstStyle/>
+          <a:p>
+            <a:r>
+              <a:rPr lang="en-US" sz="2000" smtClean="0"/>
+              <a:t>S5  </a:t>
+            </a:r>
+            <a:endParaRPr lang="en-US" sz="2000" dirty="0"/>
+          </a:p>
+        </p:txBody>
+      </p:sp>
+      <p:sp>
+        <p:nvSpPr>
+          <p:cNvPr id="32" name="TextBox 31"/>
+          <p:cNvSpPr txBox="1"/>
+          <p:nvPr/>
+        </p:nvSpPr>
+        <p:spPr>
+          <a:xfrm>
+            <a:off x="3030717" y="5625894"/>
+            <a:ext cx="548548" cy="400110"/>
+          </a:xfrm>
+          <a:prstGeom prst="rect">
+            <a:avLst/>
+          </a:prstGeom>
+          <a:noFill/>
+        </p:spPr>
+        <p:txBody>
+          <a:bodyPr wrap="none" rtlCol="0">
+            <a:spAutoFit/>
+          </a:bodyPr>
+          <a:lstStyle/>
+          <a:p>
+            <a:r>
+              <a:rPr lang="en-US" sz="2000" smtClean="0"/>
+              <a:t>S6  </a:t>
+            </a:r>
+            <a:endParaRPr lang="en-US" sz="2000" dirty="0"/>
+          </a:p>
+        </p:txBody>
+      </p:sp>
+      <p:sp>
+        <p:nvSpPr>
+          <p:cNvPr id="33" name="TextBox 32"/>
+          <p:cNvSpPr txBox="1"/>
+          <p:nvPr/>
+        </p:nvSpPr>
+        <p:spPr>
+          <a:xfrm>
+            <a:off x="7528787" y="2514590"/>
+            <a:ext cx="548548" cy="400110"/>
+          </a:xfrm>
+          <a:prstGeom prst="rect">
+            <a:avLst/>
+          </a:prstGeom>
+          <a:noFill/>
+        </p:spPr>
+        <p:txBody>
+          <a:bodyPr wrap="none" rtlCol="0">
+            <a:spAutoFit/>
+          </a:bodyPr>
+          <a:lstStyle/>
+          <a:p>
+            <a:r>
+              <a:rPr lang="en-US" sz="2000" dirty="0" smtClean="0"/>
+              <a:t>S7  </a:t>
+            </a:r>
+            <a:endParaRPr lang="en-US" sz="2000" dirty="0"/>
+          </a:p>
+        </p:txBody>
+      </p:sp>
+      <p:cxnSp>
+        <p:nvCxnSpPr>
+          <p:cNvPr id="35" name="Straight Connector 34"/>
+          <p:cNvCxnSpPr/>
+          <p:nvPr/>
+        </p:nvCxnSpPr>
+        <p:spPr>
+          <a:xfrm>
+            <a:off x="2744071" y="4205441"/>
+            <a:ext cx="1400228" cy="321704"/>
+          </a:xfrm>
+          <a:prstGeom prst="line">
+            <a:avLst/>
+          </a:prstGeom>
+        </p:spPr>
+        <p:style>
+          <a:lnRef idx="3">
+            <a:schemeClr val="dk1"/>
+          </a:lnRef>
+          <a:fillRef idx="0">
+            <a:schemeClr val="dk1"/>
+          </a:fillRef>
+          <a:effectRef idx="2">
+            <a:schemeClr val="dk1"/>
           </a:effectRef>
           <a:fontRef idx="minor">
             <a:schemeClr val="tx1"/>
@@ -8155,33 +8674,28 @@
       </p:cxnSp>
       <p:cxnSp>
         <p:nvCxnSpPr>
-          <p:cNvPr id="4" name="Straight Connector 3"/>
+          <p:cNvPr id="37" name="Straight Connector 36"/>
           <p:cNvCxnSpPr/>
           <p:nvPr/>
         </p:nvCxnSpPr>
         <p:spPr>
           <a:xfrm>
-            <a:off x="3780507" y="1312607"/>
-            <a:ext cx="0" cy="752168"/>
+            <a:off x="5028526" y="4827373"/>
+            <a:ext cx="957789" cy="798521"/>
           </a:xfrm>
           <a:prstGeom prst="line">
             <a:avLst/>
           </a:prstGeom>
-          <a:ln w="28575">
-            <a:solidFill>
-              <a:srgbClr val="00B0F0"/>
-            </a:solidFill>
-          </a:ln>
         </p:spPr>
         <p:style>
-          <a:lnRef idx="1">
-            <a:schemeClr val="accent1"/>
+          <a:lnRef idx="3">
+            <a:schemeClr val="dk1"/>
           </a:lnRef>
           <a:fillRef idx="0">
-            <a:schemeClr val="accent1"/>
+            <a:schemeClr val="dk1"/>
           </a:fillRef>
-          <a:effectRef idx="0">
-            <a:schemeClr val="accent1"/>
+          <a:effectRef idx="2">
+            <a:schemeClr val="dk1"/>
           </a:effectRef>
           <a:fontRef idx="minor">
             <a:schemeClr val="tx1"/>
@@ -8190,42 +8704,2300 @@
       </p:cxnSp>
       <p:cxnSp>
         <p:nvCxnSpPr>
-          <p:cNvPr id="5" name="Straight Connector 4"/>
-          <p:cNvCxnSpPr/>
+          <p:cNvPr id="40" name="Straight Connector 39"/>
+          <p:cNvCxnSpPr>
+            <a:stCxn id="29" idx="2"/>
+          </p:cNvCxnSpPr>
           <p:nvPr/>
         </p:nvCxnSpPr>
         <p:spPr>
           <a:xfrm>
-            <a:off x="5157027" y="1312607"/>
-            <a:ext cx="0" cy="752168"/>
+            <a:off x="3835100" y="2763512"/>
+            <a:ext cx="1193426" cy="272837"/>
           </a:xfrm>
           <a:prstGeom prst="line">
             <a:avLst/>
           </a:prstGeom>
-          <a:ln w="28575">
-            <a:solidFill>
-              <a:srgbClr val="00B0F0"/>
-            </a:solidFill>
-          </a:ln>
         </p:spPr>
         <p:style>
-          <a:lnRef idx="1">
-            <a:schemeClr val="accent1"/>
+          <a:lnRef idx="3">
+            <a:schemeClr val="dk1"/>
           </a:lnRef>
           <a:fillRef idx="0">
-            <a:schemeClr val="accent1"/>
+            <a:schemeClr val="dk1"/>
           </a:fillRef>
-          <a:effectRef idx="0">
-            <a:schemeClr val="accent1"/>
+          <a:effectRef idx="2">
+            <a:schemeClr val="dk1"/>
           </a:effectRef>
           <a:fontRef idx="minor">
             <a:schemeClr val="tx1"/>
           </a:fontRef>
         </p:style>
       </p:cxnSp>
-      <p:sp>
-        <p:nvSpPr>
-          <p:cNvPr id="6" name="Rectangle 5"/>
+      <p:cxnSp>
+        <p:nvCxnSpPr>
+          <p:cNvPr id="43" name="Straight Connector 42"/>
+          <p:cNvCxnSpPr/>
+          <p:nvPr/>
+        </p:nvCxnSpPr>
+        <p:spPr>
+          <a:xfrm flipV="1">
+            <a:off x="4653330" y="3377423"/>
+            <a:ext cx="540871" cy="1109142"/>
+          </a:xfrm>
+          <a:prstGeom prst="line">
+            <a:avLst/>
+          </a:prstGeom>
+        </p:spPr>
+        <p:style>
+          <a:lnRef idx="3">
+            <a:schemeClr val="dk1"/>
+          </a:lnRef>
+          <a:fillRef idx="0">
+            <a:schemeClr val="dk1"/>
+          </a:fillRef>
+          <a:effectRef idx="2">
+            <a:schemeClr val="dk1"/>
+          </a:effectRef>
+          <a:fontRef idx="minor">
+            <a:schemeClr val="tx1"/>
+          </a:fontRef>
+        </p:style>
+      </p:cxnSp>
+      <p:cxnSp>
+        <p:nvCxnSpPr>
+          <p:cNvPr id="45" name="Straight Connector 44"/>
+          <p:cNvCxnSpPr/>
+          <p:nvPr/>
+        </p:nvCxnSpPr>
+        <p:spPr>
+          <a:xfrm flipV="1">
+            <a:off x="4645653" y="2885161"/>
+            <a:ext cx="2581057" cy="1630900"/>
+          </a:xfrm>
+          <a:prstGeom prst="line">
+            <a:avLst/>
+          </a:prstGeom>
+        </p:spPr>
+        <p:style>
+          <a:lnRef idx="3">
+            <a:schemeClr val="dk1"/>
+          </a:lnRef>
+          <a:fillRef idx="0">
+            <a:schemeClr val="dk1"/>
+          </a:fillRef>
+          <a:effectRef idx="2">
+            <a:schemeClr val="dk1"/>
+          </a:effectRef>
+          <a:fontRef idx="minor">
+            <a:schemeClr val="tx1"/>
+          </a:fontRef>
+        </p:style>
+      </p:cxnSp>
+      <p:cxnSp>
+        <p:nvCxnSpPr>
+          <p:cNvPr id="47" name="Straight Connector 46"/>
+          <p:cNvCxnSpPr/>
+          <p:nvPr/>
+        </p:nvCxnSpPr>
+        <p:spPr>
+          <a:xfrm flipV="1">
+            <a:off x="5608342" y="2514590"/>
+            <a:ext cx="1412123" cy="492219"/>
+          </a:xfrm>
+          <a:prstGeom prst="line">
+            <a:avLst/>
+          </a:prstGeom>
+        </p:spPr>
+        <p:style>
+          <a:lnRef idx="3">
+            <a:schemeClr val="dk1"/>
+          </a:lnRef>
+          <a:fillRef idx="0">
+            <a:schemeClr val="dk1"/>
+          </a:fillRef>
+          <a:effectRef idx="2">
+            <a:schemeClr val="dk1"/>
+          </a:effectRef>
+          <a:fontRef idx="minor">
+            <a:schemeClr val="tx1"/>
+          </a:fontRef>
+        </p:style>
+      </p:cxnSp>
+      <p:cxnSp>
+        <p:nvCxnSpPr>
+          <p:cNvPr id="49" name="Straight Connector 48"/>
+          <p:cNvCxnSpPr>
+            <a:stCxn id="32" idx="0"/>
+          </p:cNvCxnSpPr>
+          <p:nvPr/>
+        </p:nvCxnSpPr>
+        <p:spPr>
+          <a:xfrm flipV="1">
+            <a:off x="3304991" y="4827373"/>
+            <a:ext cx="839308" cy="798521"/>
+          </a:xfrm>
+          <a:prstGeom prst="line">
+            <a:avLst/>
+          </a:prstGeom>
+        </p:spPr>
+        <p:style>
+          <a:lnRef idx="3">
+            <a:schemeClr val="dk1"/>
+          </a:lnRef>
+          <a:fillRef idx="0">
+            <a:schemeClr val="dk1"/>
+          </a:fillRef>
+          <a:effectRef idx="2">
+            <a:schemeClr val="dk1"/>
+          </a:effectRef>
+          <a:fontRef idx="minor">
+            <a:schemeClr val="tx1"/>
+          </a:fontRef>
+        </p:style>
+      </p:cxnSp>
+      <p:sp>
+        <p:nvSpPr>
+          <p:cNvPr id="51" name="TextBox 50"/>
+          <p:cNvSpPr txBox="1"/>
+          <p:nvPr/>
+        </p:nvSpPr>
+        <p:spPr>
+          <a:xfrm>
+            <a:off x="2595149" y="1397314"/>
+            <a:ext cx="871136" cy="400110"/>
+          </a:xfrm>
+          <a:prstGeom prst="rect">
+            <a:avLst/>
+          </a:prstGeom>
+          <a:noFill/>
+        </p:spPr>
+        <p:txBody>
+          <a:bodyPr wrap="none" rtlCol="0">
+            <a:spAutoFit/>
+          </a:bodyPr>
+          <a:lstStyle/>
+          <a:p>
+            <a:r>
+              <a:rPr lang="en-US" sz="2000" dirty="0" smtClean="0"/>
+              <a:t>Host A</a:t>
+            </a:r>
+            <a:endParaRPr lang="en-US" sz="2000" dirty="0"/>
+          </a:p>
+        </p:txBody>
+      </p:sp>
+      <p:sp>
+        <p:nvSpPr>
+          <p:cNvPr id="52" name="TextBox 51"/>
+          <p:cNvSpPr txBox="1"/>
+          <p:nvPr/>
+        </p:nvSpPr>
+        <p:spPr>
+          <a:xfrm>
+            <a:off x="7205744" y="1375218"/>
+            <a:ext cx="861518" cy="400110"/>
+          </a:xfrm>
+          <a:prstGeom prst="rect">
+            <a:avLst/>
+          </a:prstGeom>
+          <a:noFill/>
+        </p:spPr>
+        <p:txBody>
+          <a:bodyPr wrap="none" rtlCol="0">
+            <a:spAutoFit/>
+          </a:bodyPr>
+          <a:lstStyle/>
+          <a:p>
+            <a:r>
+              <a:rPr lang="en-US" sz="2000" smtClean="0"/>
+              <a:t>Host B</a:t>
+            </a:r>
+            <a:endParaRPr lang="en-US" sz="2000" dirty="0"/>
+          </a:p>
+        </p:txBody>
+      </p:sp>
+      <p:sp>
+        <p:nvSpPr>
+          <p:cNvPr id="53" name="TextBox 52"/>
+          <p:cNvSpPr txBox="1"/>
+          <p:nvPr/>
+        </p:nvSpPr>
+        <p:spPr>
+          <a:xfrm>
+            <a:off x="8139642" y="5017549"/>
+            <a:ext cx="858312" cy="400110"/>
+          </a:xfrm>
+          <a:prstGeom prst="rect">
+            <a:avLst/>
+          </a:prstGeom>
+          <a:noFill/>
+        </p:spPr>
+        <p:txBody>
+          <a:bodyPr wrap="none" rtlCol="0">
+            <a:spAutoFit/>
+          </a:bodyPr>
+          <a:lstStyle/>
+          <a:p>
+            <a:r>
+              <a:rPr lang="en-US" sz="2000" smtClean="0"/>
+              <a:t>Host C</a:t>
+            </a:r>
+            <a:endParaRPr lang="en-US" sz="2000" dirty="0"/>
+          </a:p>
+        </p:txBody>
+      </p:sp>
+      <p:cxnSp>
+        <p:nvCxnSpPr>
+          <p:cNvPr id="55" name="Straight Connector 54"/>
+          <p:cNvCxnSpPr/>
+          <p:nvPr/>
+        </p:nvCxnSpPr>
+        <p:spPr>
+          <a:xfrm>
+            <a:off x="2564247" y="1834762"/>
+            <a:ext cx="546707" cy="539969"/>
+          </a:xfrm>
+          <a:prstGeom prst="line">
+            <a:avLst/>
+          </a:prstGeom>
+        </p:spPr>
+        <p:style>
+          <a:lnRef idx="3">
+            <a:schemeClr val="dk1"/>
+          </a:lnRef>
+          <a:fillRef idx="0">
+            <a:schemeClr val="dk1"/>
+          </a:fillRef>
+          <a:effectRef idx="2">
+            <a:schemeClr val="dk1"/>
+          </a:effectRef>
+          <a:fontRef idx="minor">
+            <a:schemeClr val="tx1"/>
+          </a:fontRef>
+        </p:style>
+      </p:cxnSp>
+      <p:cxnSp>
+        <p:nvCxnSpPr>
+          <p:cNvPr id="59" name="Straight Connector 58"/>
+          <p:cNvCxnSpPr>
+            <a:stCxn id="33" idx="0"/>
+          </p:cNvCxnSpPr>
+          <p:nvPr/>
+        </p:nvCxnSpPr>
+        <p:spPr>
+          <a:xfrm flipV="1">
+            <a:off x="7803061" y="2041604"/>
+            <a:ext cx="274274" cy="472986"/>
+          </a:xfrm>
+          <a:prstGeom prst="line">
+            <a:avLst/>
+          </a:prstGeom>
+        </p:spPr>
+        <p:style>
+          <a:lnRef idx="3">
+            <a:schemeClr val="dk1"/>
+          </a:lnRef>
+          <a:fillRef idx="0">
+            <a:schemeClr val="dk1"/>
+          </a:fillRef>
+          <a:effectRef idx="2">
+            <a:schemeClr val="dk1"/>
+          </a:effectRef>
+          <a:fontRef idx="minor">
+            <a:schemeClr val="tx1"/>
+          </a:fontRef>
+        </p:style>
+      </p:cxnSp>
+      <p:cxnSp>
+        <p:nvCxnSpPr>
+          <p:cNvPr id="64" name="Straight Connector 63"/>
+          <p:cNvCxnSpPr/>
+          <p:nvPr/>
+        </p:nvCxnSpPr>
+        <p:spPr>
+          <a:xfrm flipV="1">
+            <a:off x="6716695" y="5504246"/>
+            <a:ext cx="749786" cy="121648"/>
+          </a:xfrm>
+          <a:prstGeom prst="line">
+            <a:avLst/>
+          </a:prstGeom>
+        </p:spPr>
+        <p:style>
+          <a:lnRef idx="3">
+            <a:schemeClr val="dk1"/>
+          </a:lnRef>
+          <a:fillRef idx="0">
+            <a:schemeClr val="dk1"/>
+          </a:fillRef>
+          <a:effectRef idx="2">
+            <a:schemeClr val="dk1"/>
+          </a:effectRef>
+          <a:fontRef idx="minor">
+            <a:schemeClr val="tx1"/>
+          </a:fontRef>
+        </p:style>
+      </p:cxnSp>
+    </p:spTree>
+    <p:extLst>
+      <p:ext uri="{BB962C8B-B14F-4D97-AF65-F5344CB8AC3E}">
+        <p14:creationId xmlns:p14="http://schemas.microsoft.com/office/powerpoint/2010/main" val="1599308048"/>
+      </p:ext>
+    </p:extLst>
+  </p:cSld>
+  <p:clrMapOvr>
+    <a:masterClrMapping/>
+  </p:clrMapOvr>
+</p:sld>
+</file>
+
+<file path=ppt/slides/slide6.xml><?xml version="1.0" encoding="utf-8"?>
+<p:sld xmlns:a="http://schemas.openxmlformats.org/drawingml/2006/main" xmlns:r="http://schemas.openxmlformats.org/officeDocument/2006/relationships" xmlns:p="http://schemas.openxmlformats.org/presentationml/2006/main">
+  <p:cSld>
+    <p:spTree>
+      <p:nvGrpSpPr>
+        <p:cNvPr id="1" name=""/>
+        <p:cNvGrpSpPr/>
+        <p:nvPr/>
+      </p:nvGrpSpPr>
+      <p:grpSpPr>
+        <a:xfrm>
+          <a:off x="0" y="0"/>
+          <a:ext cx="0" cy="0"/>
+          <a:chOff x="0" y="0"/>
+          <a:chExt cx="0" cy="0"/>
+        </a:xfrm>
+      </p:grpSpPr>
+      <p:pic>
+        <p:nvPicPr>
+          <p:cNvPr id="4" name="Picture 3"/>
+          <p:cNvPicPr>
+            <a:picLocks noChangeAspect="1"/>
+          </p:cNvPicPr>
+          <p:nvPr/>
+        </p:nvPicPr>
+        <p:blipFill>
+          <a:blip r:embed="rId2">
+            <a:extLst>
+              <a:ext uri="{28A0092B-C50C-407E-A947-70E740481C1C}">
+                <a14:useLocalDpi xmlns:a14="http://schemas.microsoft.com/office/drawing/2010/main" val="0"/>
+              </a:ext>
+            </a:extLst>
+          </a:blip>
+          <a:stretch>
+            <a:fillRect/>
+          </a:stretch>
+        </p:blipFill>
+        <p:spPr>
+          <a:xfrm>
+            <a:off x="1866461" y="1303091"/>
+            <a:ext cx="791145" cy="923003"/>
+          </a:xfrm>
+          <a:prstGeom prst="rect">
+            <a:avLst/>
+          </a:prstGeom>
+        </p:spPr>
+      </p:pic>
+      <p:pic>
+        <p:nvPicPr>
+          <p:cNvPr id="5" name="Picture 4"/>
+          <p:cNvPicPr>
+            <a:picLocks noChangeAspect="1"/>
+          </p:cNvPicPr>
+          <p:nvPr/>
+        </p:nvPicPr>
+        <p:blipFill>
+          <a:blip r:embed="rId3">
+            <a:extLst>
+              <a:ext uri="{28A0092B-C50C-407E-A947-70E740481C1C}">
+                <a14:useLocalDpi xmlns:a14="http://schemas.microsoft.com/office/drawing/2010/main" val="0"/>
+              </a:ext>
+            </a:extLst>
+          </a:blip>
+          <a:stretch>
+            <a:fillRect/>
+          </a:stretch>
+        </p:blipFill>
+        <p:spPr>
+          <a:xfrm>
+            <a:off x="2965559" y="2241754"/>
+            <a:ext cx="1066388" cy="643407"/>
+          </a:xfrm>
+          <a:prstGeom prst="rect">
+            <a:avLst/>
+          </a:prstGeom>
+        </p:spPr>
+      </p:pic>
+      <p:pic>
+        <p:nvPicPr>
+          <p:cNvPr id="6" name="Picture 5"/>
+          <p:cNvPicPr>
+            <a:picLocks noChangeAspect="1"/>
+          </p:cNvPicPr>
+          <p:nvPr/>
+        </p:nvPicPr>
+        <p:blipFill>
+          <a:blip r:embed="rId3">
+            <a:extLst>
+              <a:ext uri="{28A0092B-C50C-407E-A947-70E740481C1C}">
+                <a14:useLocalDpi xmlns:a14="http://schemas.microsoft.com/office/drawing/2010/main" val="0"/>
+              </a:ext>
+            </a:extLst>
+          </a:blip>
+          <a:stretch>
+            <a:fillRect/>
+          </a:stretch>
+        </p:blipFill>
+        <p:spPr>
+          <a:xfrm>
+            <a:off x="1752598" y="3751006"/>
+            <a:ext cx="1066388" cy="643407"/>
+          </a:xfrm>
+          <a:prstGeom prst="rect">
+            <a:avLst/>
+          </a:prstGeom>
+        </p:spPr>
+      </p:pic>
+      <p:pic>
+        <p:nvPicPr>
+          <p:cNvPr id="7" name="Picture 6"/>
+          <p:cNvPicPr>
+            <a:picLocks noChangeAspect="1"/>
+          </p:cNvPicPr>
+          <p:nvPr/>
+        </p:nvPicPr>
+        <p:blipFill>
+          <a:blip r:embed="rId3">
+            <a:extLst>
+              <a:ext uri="{28A0092B-C50C-407E-A947-70E740481C1C}">
+                <a14:useLocalDpi xmlns:a14="http://schemas.microsoft.com/office/drawing/2010/main" val="0"/>
+              </a:ext>
+            </a:extLst>
+          </a:blip>
+          <a:stretch>
+            <a:fillRect/>
+          </a:stretch>
+        </p:blipFill>
+        <p:spPr>
+          <a:xfrm>
+            <a:off x="4031947" y="4394413"/>
+            <a:ext cx="1066388" cy="643407"/>
+          </a:xfrm>
+          <a:prstGeom prst="rect">
+            <a:avLst/>
+          </a:prstGeom>
+        </p:spPr>
+      </p:pic>
+      <p:pic>
+        <p:nvPicPr>
+          <p:cNvPr id="8" name="Picture 7"/>
+          <p:cNvPicPr>
+            <a:picLocks noChangeAspect="1"/>
+          </p:cNvPicPr>
+          <p:nvPr/>
+        </p:nvPicPr>
+        <p:blipFill>
+          <a:blip r:embed="rId3">
+            <a:extLst>
+              <a:ext uri="{28A0092B-C50C-407E-A947-70E740481C1C}">
+                <a14:useLocalDpi xmlns:a14="http://schemas.microsoft.com/office/drawing/2010/main" val="0"/>
+              </a:ext>
+            </a:extLst>
+          </a:blip>
+          <a:stretch>
+            <a:fillRect/>
+          </a:stretch>
+        </p:blipFill>
+        <p:spPr>
+          <a:xfrm>
+            <a:off x="4919927" y="2885161"/>
+            <a:ext cx="1066388" cy="643407"/>
+          </a:xfrm>
+          <a:prstGeom prst="rect">
+            <a:avLst/>
+          </a:prstGeom>
+        </p:spPr>
+      </p:pic>
+      <p:pic>
+        <p:nvPicPr>
+          <p:cNvPr id="9" name="Picture 8"/>
+          <p:cNvPicPr>
+            <a:picLocks noChangeAspect="1"/>
+          </p:cNvPicPr>
+          <p:nvPr/>
+        </p:nvPicPr>
+        <p:blipFill>
+          <a:blip r:embed="rId3">
+            <a:extLst>
+              <a:ext uri="{28A0092B-C50C-407E-A947-70E740481C1C}">
+                <a14:useLocalDpi xmlns:a14="http://schemas.microsoft.com/office/drawing/2010/main" val="0"/>
+              </a:ext>
+            </a:extLst>
+          </a:blip>
+          <a:stretch>
+            <a:fillRect/>
+          </a:stretch>
+        </p:blipFill>
+        <p:spPr>
+          <a:xfrm>
+            <a:off x="6889043" y="2392942"/>
+            <a:ext cx="1066388" cy="643407"/>
+          </a:xfrm>
+          <a:prstGeom prst="rect">
+            <a:avLst/>
+          </a:prstGeom>
+        </p:spPr>
+      </p:pic>
+      <p:pic>
+        <p:nvPicPr>
+          <p:cNvPr id="10" name="Picture 9"/>
+          <p:cNvPicPr>
+            <a:picLocks noChangeAspect="1"/>
+          </p:cNvPicPr>
+          <p:nvPr/>
+        </p:nvPicPr>
+        <p:blipFill>
+          <a:blip r:embed="rId3">
+            <a:extLst>
+              <a:ext uri="{28A0092B-C50C-407E-A947-70E740481C1C}">
+                <a14:useLocalDpi xmlns:a14="http://schemas.microsoft.com/office/drawing/2010/main" val="0"/>
+              </a:ext>
+            </a:extLst>
+          </a:blip>
+          <a:stretch>
+            <a:fillRect/>
+          </a:stretch>
+        </p:blipFill>
+        <p:spPr>
+          <a:xfrm>
+            <a:off x="5807907" y="5504246"/>
+            <a:ext cx="1066388" cy="643407"/>
+          </a:xfrm>
+          <a:prstGeom prst="rect">
+            <a:avLst/>
+          </a:prstGeom>
+        </p:spPr>
+      </p:pic>
+      <p:pic>
+        <p:nvPicPr>
+          <p:cNvPr id="11" name="Picture 10"/>
+          <p:cNvPicPr>
+            <a:picLocks noChangeAspect="1"/>
+          </p:cNvPicPr>
+          <p:nvPr/>
+        </p:nvPicPr>
+        <p:blipFill>
+          <a:blip r:embed="rId3">
+            <a:extLst>
+              <a:ext uri="{28A0092B-C50C-407E-A947-70E740481C1C}">
+                <a14:useLocalDpi xmlns:a14="http://schemas.microsoft.com/office/drawing/2010/main" val="0"/>
+              </a:ext>
+            </a:extLst>
+          </a:blip>
+          <a:stretch>
+            <a:fillRect/>
+          </a:stretch>
+        </p:blipFill>
+        <p:spPr>
+          <a:xfrm>
+            <a:off x="2432365" y="5504246"/>
+            <a:ext cx="1066388" cy="643407"/>
+          </a:xfrm>
+          <a:prstGeom prst="rect">
+            <a:avLst/>
+          </a:prstGeom>
+        </p:spPr>
+      </p:pic>
+      <p:cxnSp>
+        <p:nvCxnSpPr>
+          <p:cNvPr id="13" name="Straight Connector 12"/>
+          <p:cNvCxnSpPr>
+            <a:stCxn id="11" idx="3"/>
+            <a:endCxn id="10" idx="1"/>
+          </p:cNvCxnSpPr>
+          <p:nvPr/>
+        </p:nvCxnSpPr>
+        <p:spPr>
+          <a:xfrm>
+            <a:off x="3498753" y="5825950"/>
+            <a:ext cx="2309154" cy="0"/>
+          </a:xfrm>
+          <a:prstGeom prst="line">
+            <a:avLst/>
+          </a:prstGeom>
+          <a:ln>
+            <a:prstDash val="dash"/>
+          </a:ln>
+        </p:spPr>
+        <p:style>
+          <a:lnRef idx="3">
+            <a:schemeClr val="dk1"/>
+          </a:lnRef>
+          <a:fillRef idx="0">
+            <a:schemeClr val="dk1"/>
+          </a:fillRef>
+          <a:effectRef idx="2">
+            <a:schemeClr val="dk1"/>
+          </a:effectRef>
+          <a:fontRef idx="minor">
+            <a:schemeClr val="tx1"/>
+          </a:fontRef>
+        </p:style>
+      </p:cxnSp>
+      <p:pic>
+        <p:nvPicPr>
+          <p:cNvPr id="14" name="Picture 13"/>
+          <p:cNvPicPr>
+            <a:picLocks noChangeAspect="1"/>
+          </p:cNvPicPr>
+          <p:nvPr/>
+        </p:nvPicPr>
+        <p:blipFill>
+          <a:blip r:embed="rId2">
+            <a:extLst>
+              <a:ext uri="{28A0092B-C50C-407E-A947-70E740481C1C}">
+                <a14:useLocalDpi xmlns:a14="http://schemas.microsoft.com/office/drawing/2010/main" val="0"/>
+              </a:ext>
+            </a:extLst>
+          </a:blip>
+          <a:stretch>
+            <a:fillRect/>
+          </a:stretch>
+        </p:blipFill>
+        <p:spPr>
+          <a:xfrm>
+            <a:off x="7940683" y="1318751"/>
+            <a:ext cx="791145" cy="923003"/>
+          </a:xfrm>
+          <a:prstGeom prst="rect">
+            <a:avLst/>
+          </a:prstGeom>
+        </p:spPr>
+      </p:pic>
+      <p:pic>
+        <p:nvPicPr>
+          <p:cNvPr id="15" name="Picture 14"/>
+          <p:cNvPicPr>
+            <a:picLocks noChangeAspect="1"/>
+          </p:cNvPicPr>
+          <p:nvPr/>
+        </p:nvPicPr>
+        <p:blipFill>
+          <a:blip r:embed="rId2">
+            <a:extLst>
+              <a:ext uri="{28A0092B-C50C-407E-A947-70E740481C1C}">
+                <a14:useLocalDpi xmlns:a14="http://schemas.microsoft.com/office/drawing/2010/main" val="0"/>
+              </a:ext>
+            </a:extLst>
+          </a:blip>
+          <a:stretch>
+            <a:fillRect/>
+          </a:stretch>
+        </p:blipFill>
+        <p:spPr>
+          <a:xfrm>
+            <a:off x="7407489" y="4902946"/>
+            <a:ext cx="791145" cy="923003"/>
+          </a:xfrm>
+          <a:prstGeom prst="rect">
+            <a:avLst/>
+          </a:prstGeom>
+        </p:spPr>
+      </p:pic>
+      <p:cxnSp>
+        <p:nvCxnSpPr>
+          <p:cNvPr id="17" name="Straight Connector 16"/>
+          <p:cNvCxnSpPr/>
+          <p:nvPr/>
+        </p:nvCxnSpPr>
+        <p:spPr>
+          <a:xfrm flipH="1">
+            <a:off x="2536509" y="2714645"/>
+            <a:ext cx="704293" cy="1139597"/>
+          </a:xfrm>
+          <a:prstGeom prst="line">
+            <a:avLst/>
+          </a:prstGeom>
+          <a:ln>
+            <a:prstDash val="solid"/>
+          </a:ln>
+        </p:spPr>
+        <p:style>
+          <a:lnRef idx="3">
+            <a:schemeClr val="dk1"/>
+          </a:lnRef>
+          <a:fillRef idx="0">
+            <a:schemeClr val="dk1"/>
+          </a:fillRef>
+          <a:effectRef idx="2">
+            <a:schemeClr val="dk1"/>
+          </a:effectRef>
+          <a:fontRef idx="minor">
+            <a:schemeClr val="tx1"/>
+          </a:fontRef>
+        </p:style>
+      </p:cxnSp>
+      <p:sp>
+        <p:nvSpPr>
+          <p:cNvPr id="27" name="TextBox 26"/>
+          <p:cNvSpPr txBox="1"/>
+          <p:nvPr/>
+        </p:nvSpPr>
+        <p:spPr>
+          <a:xfrm>
+            <a:off x="4645653" y="4516061"/>
+            <a:ext cx="548548" cy="400110"/>
+          </a:xfrm>
+          <a:prstGeom prst="rect">
+            <a:avLst/>
+          </a:prstGeom>
+          <a:noFill/>
+        </p:spPr>
+        <p:txBody>
+          <a:bodyPr wrap="none" rtlCol="0">
+            <a:spAutoFit/>
+          </a:bodyPr>
+          <a:lstStyle/>
+          <a:p>
+            <a:r>
+              <a:rPr lang="en-US" sz="2000" smtClean="0"/>
+              <a:t>S1  </a:t>
+            </a:r>
+            <a:endParaRPr lang="en-US" sz="2000" dirty="0"/>
+          </a:p>
+        </p:txBody>
+      </p:sp>
+      <p:sp>
+        <p:nvSpPr>
+          <p:cNvPr id="28" name="TextBox 27"/>
+          <p:cNvSpPr txBox="1"/>
+          <p:nvPr/>
+        </p:nvSpPr>
+        <p:spPr>
+          <a:xfrm>
+            <a:off x="2341719" y="3872654"/>
+            <a:ext cx="490840" cy="400110"/>
+          </a:xfrm>
+          <a:prstGeom prst="rect">
+            <a:avLst/>
+          </a:prstGeom>
+          <a:noFill/>
+        </p:spPr>
+        <p:txBody>
+          <a:bodyPr wrap="none" rtlCol="0">
+            <a:spAutoFit/>
+          </a:bodyPr>
+          <a:lstStyle/>
+          <a:p>
+            <a:r>
+              <a:rPr lang="en-US" sz="2000" smtClean="0"/>
+              <a:t>S2 </a:t>
+            </a:r>
+            <a:endParaRPr lang="en-US" sz="2000" dirty="0"/>
+          </a:p>
+        </p:txBody>
+      </p:sp>
+      <p:sp>
+        <p:nvSpPr>
+          <p:cNvPr id="29" name="TextBox 28"/>
+          <p:cNvSpPr txBox="1"/>
+          <p:nvPr/>
+        </p:nvSpPr>
+        <p:spPr>
+          <a:xfrm>
+            <a:off x="3560826" y="2363402"/>
+            <a:ext cx="548548" cy="400110"/>
+          </a:xfrm>
+          <a:prstGeom prst="rect">
+            <a:avLst/>
+          </a:prstGeom>
+          <a:noFill/>
+        </p:spPr>
+        <p:txBody>
+          <a:bodyPr wrap="none" rtlCol="0">
+            <a:spAutoFit/>
+          </a:bodyPr>
+          <a:lstStyle/>
+          <a:p>
+            <a:r>
+              <a:rPr lang="en-US" sz="2000" smtClean="0"/>
+              <a:t>S3</a:t>
+            </a:r>
+            <a:r>
+              <a:rPr lang="en-US" sz="2000"/>
+              <a:t> </a:t>
+            </a:r>
+            <a:r>
+              <a:rPr lang="en-US" sz="2000" smtClean="0"/>
+              <a:t> </a:t>
+            </a:r>
+            <a:endParaRPr lang="en-US" sz="2000" dirty="0"/>
+          </a:p>
+        </p:txBody>
+      </p:sp>
+      <p:sp>
+        <p:nvSpPr>
+          <p:cNvPr id="30" name="TextBox 29"/>
+          <p:cNvSpPr txBox="1"/>
+          <p:nvPr/>
+        </p:nvSpPr>
+        <p:spPr>
+          <a:xfrm>
+            <a:off x="6398177" y="5625894"/>
+            <a:ext cx="548548" cy="400110"/>
+          </a:xfrm>
+          <a:prstGeom prst="rect">
+            <a:avLst/>
+          </a:prstGeom>
+          <a:noFill/>
+        </p:spPr>
+        <p:txBody>
+          <a:bodyPr wrap="none" rtlCol="0">
+            <a:spAutoFit/>
+          </a:bodyPr>
+          <a:lstStyle/>
+          <a:p>
+            <a:r>
+              <a:rPr lang="en-US" sz="2000" smtClean="0"/>
+              <a:t>S4  </a:t>
+            </a:r>
+            <a:endParaRPr lang="en-US" sz="2000" dirty="0"/>
+          </a:p>
+        </p:txBody>
+      </p:sp>
+      <p:sp>
+        <p:nvSpPr>
+          <p:cNvPr id="31" name="TextBox 30"/>
+          <p:cNvSpPr txBox="1"/>
+          <p:nvPr/>
+        </p:nvSpPr>
+        <p:spPr>
+          <a:xfrm>
+            <a:off x="5534602" y="3006809"/>
+            <a:ext cx="548548" cy="400110"/>
+          </a:xfrm>
+          <a:prstGeom prst="rect">
+            <a:avLst/>
+          </a:prstGeom>
+          <a:noFill/>
+        </p:spPr>
+        <p:txBody>
+          <a:bodyPr wrap="none" rtlCol="0">
+            <a:spAutoFit/>
+          </a:bodyPr>
+          <a:lstStyle/>
+          <a:p>
+            <a:r>
+              <a:rPr lang="en-US" sz="2000" smtClean="0"/>
+              <a:t>S5  </a:t>
+            </a:r>
+            <a:endParaRPr lang="en-US" sz="2000" dirty="0"/>
+          </a:p>
+        </p:txBody>
+      </p:sp>
+      <p:sp>
+        <p:nvSpPr>
+          <p:cNvPr id="32" name="TextBox 31"/>
+          <p:cNvSpPr txBox="1"/>
+          <p:nvPr/>
+        </p:nvSpPr>
+        <p:spPr>
+          <a:xfrm>
+            <a:off x="3030717" y="5625894"/>
+            <a:ext cx="548548" cy="400110"/>
+          </a:xfrm>
+          <a:prstGeom prst="rect">
+            <a:avLst/>
+          </a:prstGeom>
+          <a:noFill/>
+        </p:spPr>
+        <p:txBody>
+          <a:bodyPr wrap="none" rtlCol="0">
+            <a:spAutoFit/>
+          </a:bodyPr>
+          <a:lstStyle/>
+          <a:p>
+            <a:r>
+              <a:rPr lang="en-US" sz="2000" smtClean="0"/>
+              <a:t>S6  </a:t>
+            </a:r>
+            <a:endParaRPr lang="en-US" sz="2000" dirty="0"/>
+          </a:p>
+        </p:txBody>
+      </p:sp>
+      <p:sp>
+        <p:nvSpPr>
+          <p:cNvPr id="33" name="TextBox 32"/>
+          <p:cNvSpPr txBox="1"/>
+          <p:nvPr/>
+        </p:nvSpPr>
+        <p:spPr>
+          <a:xfrm>
+            <a:off x="7528787" y="2514590"/>
+            <a:ext cx="548548" cy="400110"/>
+          </a:xfrm>
+          <a:prstGeom prst="rect">
+            <a:avLst/>
+          </a:prstGeom>
+          <a:noFill/>
+        </p:spPr>
+        <p:txBody>
+          <a:bodyPr wrap="none" rtlCol="0">
+            <a:spAutoFit/>
+          </a:bodyPr>
+          <a:lstStyle/>
+          <a:p>
+            <a:r>
+              <a:rPr lang="en-US" sz="2000" dirty="0" smtClean="0"/>
+              <a:t>S7  </a:t>
+            </a:r>
+            <a:endParaRPr lang="en-US" sz="2000" dirty="0"/>
+          </a:p>
+        </p:txBody>
+      </p:sp>
+      <p:cxnSp>
+        <p:nvCxnSpPr>
+          <p:cNvPr id="35" name="Straight Connector 34"/>
+          <p:cNvCxnSpPr/>
+          <p:nvPr/>
+        </p:nvCxnSpPr>
+        <p:spPr>
+          <a:xfrm>
+            <a:off x="2744071" y="4205441"/>
+            <a:ext cx="1400228" cy="321704"/>
+          </a:xfrm>
+          <a:prstGeom prst="line">
+            <a:avLst/>
+          </a:prstGeom>
+        </p:spPr>
+        <p:style>
+          <a:lnRef idx="3">
+            <a:schemeClr val="dk1"/>
+          </a:lnRef>
+          <a:fillRef idx="0">
+            <a:schemeClr val="dk1"/>
+          </a:fillRef>
+          <a:effectRef idx="2">
+            <a:schemeClr val="dk1"/>
+          </a:effectRef>
+          <a:fontRef idx="minor">
+            <a:schemeClr val="tx1"/>
+          </a:fontRef>
+        </p:style>
+      </p:cxnSp>
+      <p:cxnSp>
+        <p:nvCxnSpPr>
+          <p:cNvPr id="37" name="Straight Connector 36"/>
+          <p:cNvCxnSpPr/>
+          <p:nvPr/>
+        </p:nvCxnSpPr>
+        <p:spPr>
+          <a:xfrm>
+            <a:off x="5028526" y="4827373"/>
+            <a:ext cx="957789" cy="798521"/>
+          </a:xfrm>
+          <a:prstGeom prst="line">
+            <a:avLst/>
+          </a:prstGeom>
+        </p:spPr>
+        <p:style>
+          <a:lnRef idx="3">
+            <a:schemeClr val="dk1"/>
+          </a:lnRef>
+          <a:fillRef idx="0">
+            <a:schemeClr val="dk1"/>
+          </a:fillRef>
+          <a:effectRef idx="2">
+            <a:schemeClr val="dk1"/>
+          </a:effectRef>
+          <a:fontRef idx="minor">
+            <a:schemeClr val="tx1"/>
+          </a:fontRef>
+        </p:style>
+      </p:cxnSp>
+      <p:cxnSp>
+        <p:nvCxnSpPr>
+          <p:cNvPr id="40" name="Straight Connector 39"/>
+          <p:cNvCxnSpPr>
+            <a:stCxn id="29" idx="2"/>
+          </p:cNvCxnSpPr>
+          <p:nvPr/>
+        </p:nvCxnSpPr>
+        <p:spPr>
+          <a:xfrm>
+            <a:off x="3835100" y="2763512"/>
+            <a:ext cx="1193426" cy="272837"/>
+          </a:xfrm>
+          <a:prstGeom prst="line">
+            <a:avLst/>
+          </a:prstGeom>
+          <a:ln>
+            <a:prstDash val="dash"/>
+          </a:ln>
+        </p:spPr>
+        <p:style>
+          <a:lnRef idx="3">
+            <a:schemeClr val="dk1"/>
+          </a:lnRef>
+          <a:fillRef idx="0">
+            <a:schemeClr val="dk1"/>
+          </a:fillRef>
+          <a:effectRef idx="2">
+            <a:schemeClr val="dk1"/>
+          </a:effectRef>
+          <a:fontRef idx="minor">
+            <a:schemeClr val="tx1"/>
+          </a:fontRef>
+        </p:style>
+      </p:cxnSp>
+      <p:cxnSp>
+        <p:nvCxnSpPr>
+          <p:cNvPr id="43" name="Straight Connector 42"/>
+          <p:cNvCxnSpPr/>
+          <p:nvPr/>
+        </p:nvCxnSpPr>
+        <p:spPr>
+          <a:xfrm flipV="1">
+            <a:off x="4653330" y="3377423"/>
+            <a:ext cx="540871" cy="1109142"/>
+          </a:xfrm>
+          <a:prstGeom prst="line">
+            <a:avLst/>
+          </a:prstGeom>
+        </p:spPr>
+        <p:style>
+          <a:lnRef idx="3">
+            <a:schemeClr val="dk1"/>
+          </a:lnRef>
+          <a:fillRef idx="0">
+            <a:schemeClr val="dk1"/>
+          </a:fillRef>
+          <a:effectRef idx="2">
+            <a:schemeClr val="dk1"/>
+          </a:effectRef>
+          <a:fontRef idx="minor">
+            <a:schemeClr val="tx1"/>
+          </a:fontRef>
+        </p:style>
+      </p:cxnSp>
+      <p:cxnSp>
+        <p:nvCxnSpPr>
+          <p:cNvPr id="45" name="Straight Connector 44"/>
+          <p:cNvCxnSpPr/>
+          <p:nvPr/>
+        </p:nvCxnSpPr>
+        <p:spPr>
+          <a:xfrm flipV="1">
+            <a:off x="4645653" y="2885161"/>
+            <a:ext cx="2581057" cy="1630900"/>
+          </a:xfrm>
+          <a:prstGeom prst="line">
+            <a:avLst/>
+          </a:prstGeom>
+        </p:spPr>
+        <p:style>
+          <a:lnRef idx="3">
+            <a:schemeClr val="dk1"/>
+          </a:lnRef>
+          <a:fillRef idx="0">
+            <a:schemeClr val="dk1"/>
+          </a:fillRef>
+          <a:effectRef idx="2">
+            <a:schemeClr val="dk1"/>
+          </a:effectRef>
+          <a:fontRef idx="minor">
+            <a:schemeClr val="tx1"/>
+          </a:fontRef>
+        </p:style>
+      </p:cxnSp>
+      <p:cxnSp>
+        <p:nvCxnSpPr>
+          <p:cNvPr id="47" name="Straight Connector 46"/>
+          <p:cNvCxnSpPr/>
+          <p:nvPr/>
+        </p:nvCxnSpPr>
+        <p:spPr>
+          <a:xfrm flipV="1">
+            <a:off x="5608342" y="2514590"/>
+            <a:ext cx="1412123" cy="492219"/>
+          </a:xfrm>
+          <a:prstGeom prst="line">
+            <a:avLst/>
+          </a:prstGeom>
+          <a:ln>
+            <a:prstDash val="dash"/>
+          </a:ln>
+        </p:spPr>
+        <p:style>
+          <a:lnRef idx="3">
+            <a:schemeClr val="dk1"/>
+          </a:lnRef>
+          <a:fillRef idx="0">
+            <a:schemeClr val="dk1"/>
+          </a:fillRef>
+          <a:effectRef idx="2">
+            <a:schemeClr val="dk1"/>
+          </a:effectRef>
+          <a:fontRef idx="minor">
+            <a:schemeClr val="tx1"/>
+          </a:fontRef>
+        </p:style>
+      </p:cxnSp>
+      <p:cxnSp>
+        <p:nvCxnSpPr>
+          <p:cNvPr id="49" name="Straight Connector 48"/>
+          <p:cNvCxnSpPr>
+            <a:stCxn id="32" idx="0"/>
+          </p:cNvCxnSpPr>
+          <p:nvPr/>
+        </p:nvCxnSpPr>
+        <p:spPr>
+          <a:xfrm flipV="1">
+            <a:off x="3304991" y="4827373"/>
+            <a:ext cx="839308" cy="798521"/>
+          </a:xfrm>
+          <a:prstGeom prst="line">
+            <a:avLst/>
+          </a:prstGeom>
+          <a:ln>
+            <a:prstDash val="solid"/>
+          </a:ln>
+        </p:spPr>
+        <p:style>
+          <a:lnRef idx="3">
+            <a:schemeClr val="dk1"/>
+          </a:lnRef>
+          <a:fillRef idx="0">
+            <a:schemeClr val="dk1"/>
+          </a:fillRef>
+          <a:effectRef idx="2">
+            <a:schemeClr val="dk1"/>
+          </a:effectRef>
+          <a:fontRef idx="minor">
+            <a:schemeClr val="tx1"/>
+          </a:fontRef>
+        </p:style>
+      </p:cxnSp>
+      <p:sp>
+        <p:nvSpPr>
+          <p:cNvPr id="51" name="TextBox 50"/>
+          <p:cNvSpPr txBox="1"/>
+          <p:nvPr/>
+        </p:nvSpPr>
+        <p:spPr>
+          <a:xfrm>
+            <a:off x="2595149" y="1397314"/>
+            <a:ext cx="871136" cy="400110"/>
+          </a:xfrm>
+          <a:prstGeom prst="rect">
+            <a:avLst/>
+          </a:prstGeom>
+          <a:noFill/>
+        </p:spPr>
+        <p:txBody>
+          <a:bodyPr wrap="none" rtlCol="0">
+            <a:spAutoFit/>
+          </a:bodyPr>
+          <a:lstStyle/>
+          <a:p>
+            <a:r>
+              <a:rPr lang="en-US" sz="2000" dirty="0" smtClean="0"/>
+              <a:t>Host A</a:t>
+            </a:r>
+            <a:endParaRPr lang="en-US" sz="2000" dirty="0"/>
+          </a:p>
+        </p:txBody>
+      </p:sp>
+      <p:sp>
+        <p:nvSpPr>
+          <p:cNvPr id="52" name="TextBox 51"/>
+          <p:cNvSpPr txBox="1"/>
+          <p:nvPr/>
+        </p:nvSpPr>
+        <p:spPr>
+          <a:xfrm>
+            <a:off x="7190996" y="1375218"/>
+            <a:ext cx="861518" cy="400110"/>
+          </a:xfrm>
+          <a:prstGeom prst="rect">
+            <a:avLst/>
+          </a:prstGeom>
+          <a:noFill/>
+        </p:spPr>
+        <p:txBody>
+          <a:bodyPr wrap="none" rtlCol="0">
+            <a:spAutoFit/>
+          </a:bodyPr>
+          <a:lstStyle/>
+          <a:p>
+            <a:r>
+              <a:rPr lang="en-US" sz="2000" dirty="0" smtClean="0"/>
+              <a:t>Host B</a:t>
+            </a:r>
+            <a:endParaRPr lang="en-US" sz="2000" dirty="0"/>
+          </a:p>
+        </p:txBody>
+      </p:sp>
+      <p:sp>
+        <p:nvSpPr>
+          <p:cNvPr id="53" name="TextBox 52"/>
+          <p:cNvSpPr txBox="1"/>
+          <p:nvPr/>
+        </p:nvSpPr>
+        <p:spPr>
+          <a:xfrm>
+            <a:off x="8124894" y="5017549"/>
+            <a:ext cx="858312" cy="400110"/>
+          </a:xfrm>
+          <a:prstGeom prst="rect">
+            <a:avLst/>
+          </a:prstGeom>
+          <a:noFill/>
+        </p:spPr>
+        <p:txBody>
+          <a:bodyPr wrap="none" rtlCol="0">
+            <a:spAutoFit/>
+          </a:bodyPr>
+          <a:lstStyle/>
+          <a:p>
+            <a:r>
+              <a:rPr lang="en-US" sz="2000" smtClean="0"/>
+              <a:t>Host C</a:t>
+            </a:r>
+            <a:endParaRPr lang="en-US" sz="2000" dirty="0"/>
+          </a:p>
+        </p:txBody>
+      </p:sp>
+      <p:cxnSp>
+        <p:nvCxnSpPr>
+          <p:cNvPr id="55" name="Straight Connector 54"/>
+          <p:cNvCxnSpPr/>
+          <p:nvPr/>
+        </p:nvCxnSpPr>
+        <p:spPr>
+          <a:xfrm>
+            <a:off x="2564247" y="1834762"/>
+            <a:ext cx="546707" cy="539969"/>
+          </a:xfrm>
+          <a:prstGeom prst="line">
+            <a:avLst/>
+          </a:prstGeom>
+        </p:spPr>
+        <p:style>
+          <a:lnRef idx="3">
+            <a:schemeClr val="dk1"/>
+          </a:lnRef>
+          <a:fillRef idx="0">
+            <a:schemeClr val="dk1"/>
+          </a:fillRef>
+          <a:effectRef idx="2">
+            <a:schemeClr val="dk1"/>
+          </a:effectRef>
+          <a:fontRef idx="minor">
+            <a:schemeClr val="tx1"/>
+          </a:fontRef>
+        </p:style>
+      </p:cxnSp>
+      <p:cxnSp>
+        <p:nvCxnSpPr>
+          <p:cNvPr id="59" name="Straight Connector 58"/>
+          <p:cNvCxnSpPr>
+            <a:stCxn id="33" idx="0"/>
+          </p:cNvCxnSpPr>
+          <p:nvPr/>
+        </p:nvCxnSpPr>
+        <p:spPr>
+          <a:xfrm flipV="1">
+            <a:off x="7803061" y="2041604"/>
+            <a:ext cx="274274" cy="472986"/>
+          </a:xfrm>
+          <a:prstGeom prst="line">
+            <a:avLst/>
+          </a:prstGeom>
+        </p:spPr>
+        <p:style>
+          <a:lnRef idx="3">
+            <a:schemeClr val="dk1"/>
+          </a:lnRef>
+          <a:fillRef idx="0">
+            <a:schemeClr val="dk1"/>
+          </a:fillRef>
+          <a:effectRef idx="2">
+            <a:schemeClr val="dk1"/>
+          </a:effectRef>
+          <a:fontRef idx="minor">
+            <a:schemeClr val="tx1"/>
+          </a:fontRef>
+        </p:style>
+      </p:cxnSp>
+      <p:cxnSp>
+        <p:nvCxnSpPr>
+          <p:cNvPr id="64" name="Straight Connector 63"/>
+          <p:cNvCxnSpPr/>
+          <p:nvPr/>
+        </p:nvCxnSpPr>
+        <p:spPr>
+          <a:xfrm flipV="1">
+            <a:off x="6716695" y="5504246"/>
+            <a:ext cx="749786" cy="121648"/>
+          </a:xfrm>
+          <a:prstGeom prst="line">
+            <a:avLst/>
+          </a:prstGeom>
+        </p:spPr>
+        <p:style>
+          <a:lnRef idx="3">
+            <a:schemeClr val="dk1"/>
+          </a:lnRef>
+          <a:fillRef idx="0">
+            <a:schemeClr val="dk1"/>
+          </a:fillRef>
+          <a:effectRef idx="2">
+            <a:schemeClr val="dk1"/>
+          </a:effectRef>
+          <a:fontRef idx="minor">
+            <a:schemeClr val="tx1"/>
+          </a:fontRef>
+        </p:style>
+      </p:cxnSp>
+    </p:spTree>
+    <p:extLst>
+      <p:ext uri="{BB962C8B-B14F-4D97-AF65-F5344CB8AC3E}">
+        <p14:creationId xmlns:p14="http://schemas.microsoft.com/office/powerpoint/2010/main" val="1126536618"/>
+      </p:ext>
+    </p:extLst>
+  </p:cSld>
+  <p:clrMapOvr>
+    <a:masterClrMapping/>
+  </p:clrMapOvr>
+</p:sld>
+</file>
+
+<file path=ppt/slides/slide7.xml><?xml version="1.0" encoding="utf-8"?>
+<p:sld xmlns:a="http://schemas.openxmlformats.org/drawingml/2006/main" xmlns:r="http://schemas.openxmlformats.org/officeDocument/2006/relationships" xmlns:p="http://schemas.openxmlformats.org/presentationml/2006/main">
+  <p:cSld>
+    <p:spTree>
+      <p:nvGrpSpPr>
+        <p:cNvPr id="1" name=""/>
+        <p:cNvGrpSpPr/>
+        <p:nvPr/>
+      </p:nvGrpSpPr>
+      <p:grpSpPr>
+        <a:xfrm>
+          <a:off x="0" y="0"/>
+          <a:ext cx="0" cy="0"/>
+          <a:chOff x="0" y="0"/>
+          <a:chExt cx="0" cy="0"/>
+        </a:xfrm>
+      </p:grpSpPr>
+      <p:grpSp>
+        <p:nvGrpSpPr>
+          <p:cNvPr id="12" name="Group 11"/>
+          <p:cNvGrpSpPr/>
+          <p:nvPr/>
+        </p:nvGrpSpPr>
+        <p:grpSpPr>
+          <a:xfrm>
+            <a:off x="4073094" y="3098843"/>
+            <a:ext cx="1162254" cy="643407"/>
+            <a:chOff x="4031947" y="4394413"/>
+            <a:chExt cx="1162254" cy="643407"/>
+          </a:xfrm>
+        </p:grpSpPr>
+        <p:pic>
+          <p:nvPicPr>
+            <p:cNvPr id="7" name="Picture 6"/>
+            <p:cNvPicPr>
+              <a:picLocks noChangeAspect="1"/>
+            </p:cNvPicPr>
+            <p:nvPr/>
+          </p:nvPicPr>
+          <p:blipFill>
+            <a:blip r:embed="rId2">
+              <a:extLst>
+                <a:ext uri="{28A0092B-C50C-407E-A947-70E740481C1C}">
+                  <a14:useLocalDpi xmlns:a14="http://schemas.microsoft.com/office/drawing/2010/main" val="0"/>
+                </a:ext>
+              </a:extLst>
+            </a:blip>
+            <a:stretch>
+              <a:fillRect/>
+            </a:stretch>
+          </p:blipFill>
+          <p:spPr>
+            <a:xfrm>
+              <a:off x="4031947" y="4394413"/>
+              <a:ext cx="1066388" cy="643407"/>
+            </a:xfrm>
+            <a:prstGeom prst="rect">
+              <a:avLst/>
+            </a:prstGeom>
+          </p:spPr>
+        </p:pic>
+        <p:sp>
+          <p:nvSpPr>
+            <p:cNvPr id="27" name="TextBox 26"/>
+            <p:cNvSpPr txBox="1"/>
+            <p:nvPr/>
+          </p:nvSpPr>
+          <p:spPr>
+            <a:xfrm>
+              <a:off x="4645653" y="4516061"/>
+              <a:ext cx="548548" cy="400110"/>
+            </a:xfrm>
+            <a:prstGeom prst="rect">
+              <a:avLst/>
+            </a:prstGeom>
+            <a:noFill/>
+          </p:spPr>
+          <p:txBody>
+            <a:bodyPr wrap="none" rtlCol="0">
+              <a:spAutoFit/>
+            </a:bodyPr>
+            <a:lstStyle/>
+            <a:p>
+              <a:r>
+                <a:rPr lang="en-US" sz="2000" smtClean="0"/>
+                <a:t>S1  </a:t>
+              </a:r>
+              <a:endParaRPr lang="en-US" sz="2000" dirty="0"/>
+            </a:p>
+          </p:txBody>
+        </p:sp>
+      </p:grpSp>
+      <p:grpSp>
+        <p:nvGrpSpPr>
+          <p:cNvPr id="16" name="Group 15"/>
+          <p:cNvGrpSpPr/>
+          <p:nvPr/>
+        </p:nvGrpSpPr>
+        <p:grpSpPr>
+          <a:xfrm>
+            <a:off x="6111035" y="3098844"/>
+            <a:ext cx="1079961" cy="643407"/>
+            <a:chOff x="1752598" y="3751006"/>
+            <a:chExt cx="1079961" cy="643407"/>
+          </a:xfrm>
+        </p:grpSpPr>
+        <p:pic>
+          <p:nvPicPr>
+            <p:cNvPr id="6" name="Picture 5"/>
+            <p:cNvPicPr>
+              <a:picLocks noChangeAspect="1"/>
+            </p:cNvPicPr>
+            <p:nvPr/>
+          </p:nvPicPr>
+          <p:blipFill>
+            <a:blip r:embed="rId2">
+              <a:extLst>
+                <a:ext uri="{28A0092B-C50C-407E-A947-70E740481C1C}">
+                  <a14:useLocalDpi xmlns:a14="http://schemas.microsoft.com/office/drawing/2010/main" val="0"/>
+                </a:ext>
+              </a:extLst>
+            </a:blip>
+            <a:stretch>
+              <a:fillRect/>
+            </a:stretch>
+          </p:blipFill>
+          <p:spPr>
+            <a:xfrm>
+              <a:off x="1752598" y="3751006"/>
+              <a:ext cx="1066388" cy="643407"/>
+            </a:xfrm>
+            <a:prstGeom prst="rect">
+              <a:avLst/>
+            </a:prstGeom>
+          </p:spPr>
+        </p:pic>
+        <p:sp>
+          <p:nvSpPr>
+            <p:cNvPr id="28" name="TextBox 27"/>
+            <p:cNvSpPr txBox="1"/>
+            <p:nvPr/>
+          </p:nvSpPr>
+          <p:spPr>
+            <a:xfrm>
+              <a:off x="2341719" y="3872654"/>
+              <a:ext cx="490840" cy="400110"/>
+            </a:xfrm>
+            <a:prstGeom prst="rect">
+              <a:avLst/>
+            </a:prstGeom>
+            <a:noFill/>
+          </p:spPr>
+          <p:txBody>
+            <a:bodyPr wrap="none" rtlCol="0">
+              <a:spAutoFit/>
+            </a:bodyPr>
+            <a:lstStyle/>
+            <a:p>
+              <a:r>
+                <a:rPr lang="en-US" sz="2000" smtClean="0"/>
+                <a:t>S2 </a:t>
+              </a:r>
+              <a:endParaRPr lang="en-US" sz="2000" dirty="0"/>
+            </a:p>
+          </p:txBody>
+        </p:sp>
+      </p:grpSp>
+      <p:grpSp>
+        <p:nvGrpSpPr>
+          <p:cNvPr id="2" name="Group 1"/>
+          <p:cNvGrpSpPr/>
+          <p:nvPr/>
+        </p:nvGrpSpPr>
+        <p:grpSpPr>
+          <a:xfrm>
+            <a:off x="3215203" y="1319842"/>
+            <a:ext cx="1678372" cy="923003"/>
+            <a:chOff x="1866461" y="1303091"/>
+            <a:chExt cx="1678372" cy="923003"/>
+          </a:xfrm>
+        </p:grpSpPr>
+        <p:pic>
+          <p:nvPicPr>
+            <p:cNvPr id="4" name="Picture 3"/>
+            <p:cNvPicPr>
+              <a:picLocks noChangeAspect="1"/>
+            </p:cNvPicPr>
+            <p:nvPr/>
+          </p:nvPicPr>
+          <p:blipFill>
+            <a:blip r:embed="rId3">
+              <a:extLst>
+                <a:ext uri="{28A0092B-C50C-407E-A947-70E740481C1C}">
+                  <a14:useLocalDpi xmlns:a14="http://schemas.microsoft.com/office/drawing/2010/main" val="0"/>
+                </a:ext>
+              </a:extLst>
+            </a:blip>
+            <a:stretch>
+              <a:fillRect/>
+            </a:stretch>
+          </p:blipFill>
+          <p:spPr>
+            <a:xfrm>
+              <a:off x="1866461" y="1303091"/>
+              <a:ext cx="791145" cy="923003"/>
+            </a:xfrm>
+            <a:prstGeom prst="rect">
+              <a:avLst/>
+            </a:prstGeom>
+          </p:spPr>
+        </p:pic>
+        <p:sp>
+          <p:nvSpPr>
+            <p:cNvPr id="51" name="TextBox 50"/>
+            <p:cNvSpPr txBox="1"/>
+            <p:nvPr/>
+          </p:nvSpPr>
+          <p:spPr>
+            <a:xfrm>
+              <a:off x="2595149" y="1397314"/>
+              <a:ext cx="949684" cy="400110"/>
+            </a:xfrm>
+            <a:prstGeom prst="rect">
+              <a:avLst/>
+            </a:prstGeom>
+            <a:noFill/>
+          </p:spPr>
+          <p:txBody>
+            <a:bodyPr wrap="none" rtlCol="0">
+              <a:spAutoFit/>
+            </a:bodyPr>
+            <a:lstStyle/>
+            <a:p>
+              <a:r>
+                <a:rPr lang="en-US" sz="2000" dirty="0" smtClean="0"/>
+                <a:t>Host W</a:t>
+              </a:r>
+              <a:endParaRPr lang="en-US" sz="2000" dirty="0"/>
+            </a:p>
+          </p:txBody>
+        </p:sp>
+      </p:grpSp>
+      <p:grpSp>
+        <p:nvGrpSpPr>
+          <p:cNvPr id="3" name="Group 2"/>
+          <p:cNvGrpSpPr/>
+          <p:nvPr/>
+        </p:nvGrpSpPr>
+        <p:grpSpPr>
+          <a:xfrm>
+            <a:off x="6700156" y="1318751"/>
+            <a:ext cx="1540832" cy="923003"/>
+            <a:chOff x="7190996" y="1318751"/>
+            <a:chExt cx="1540832" cy="923003"/>
+          </a:xfrm>
+        </p:grpSpPr>
+        <p:pic>
+          <p:nvPicPr>
+            <p:cNvPr id="14" name="Picture 13"/>
+            <p:cNvPicPr>
+              <a:picLocks noChangeAspect="1"/>
+            </p:cNvPicPr>
+            <p:nvPr/>
+          </p:nvPicPr>
+          <p:blipFill>
+            <a:blip r:embed="rId3">
+              <a:extLst>
+                <a:ext uri="{28A0092B-C50C-407E-A947-70E740481C1C}">
+                  <a14:useLocalDpi xmlns:a14="http://schemas.microsoft.com/office/drawing/2010/main" val="0"/>
+                </a:ext>
+              </a:extLst>
+            </a:blip>
+            <a:stretch>
+              <a:fillRect/>
+            </a:stretch>
+          </p:blipFill>
+          <p:spPr>
+            <a:xfrm>
+              <a:off x="7940683" y="1318751"/>
+              <a:ext cx="791145" cy="923003"/>
+            </a:xfrm>
+            <a:prstGeom prst="rect">
+              <a:avLst/>
+            </a:prstGeom>
+          </p:spPr>
+        </p:pic>
+        <p:sp>
+          <p:nvSpPr>
+            <p:cNvPr id="52" name="TextBox 51"/>
+            <p:cNvSpPr txBox="1"/>
+            <p:nvPr/>
+          </p:nvSpPr>
+          <p:spPr>
+            <a:xfrm>
+              <a:off x="7190996" y="1375218"/>
+              <a:ext cx="861518" cy="400110"/>
+            </a:xfrm>
+            <a:prstGeom prst="rect">
+              <a:avLst/>
+            </a:prstGeom>
+            <a:noFill/>
+          </p:spPr>
+          <p:txBody>
+            <a:bodyPr wrap="none" rtlCol="0">
+              <a:spAutoFit/>
+            </a:bodyPr>
+            <a:lstStyle/>
+            <a:p>
+              <a:r>
+                <a:rPr lang="en-US" sz="2000" dirty="0" smtClean="0"/>
+                <a:t>Host X</a:t>
+              </a:r>
+              <a:endParaRPr lang="en-US" sz="2000" dirty="0"/>
+            </a:p>
+          </p:txBody>
+        </p:sp>
+      </p:grpSp>
+      <p:cxnSp>
+        <p:nvCxnSpPr>
+          <p:cNvPr id="19" name="Straight Connector 18"/>
+          <p:cNvCxnSpPr>
+            <a:endCxn id="6" idx="1"/>
+          </p:cNvCxnSpPr>
+          <p:nvPr/>
+        </p:nvCxnSpPr>
+        <p:spPr>
+          <a:xfrm>
+            <a:off x="5050278" y="3420546"/>
+            <a:ext cx="1060757" cy="2"/>
+          </a:xfrm>
+          <a:prstGeom prst="line">
+            <a:avLst/>
+          </a:prstGeom>
+        </p:spPr>
+        <p:style>
+          <a:lnRef idx="3">
+            <a:schemeClr val="dk1"/>
+          </a:lnRef>
+          <a:fillRef idx="0">
+            <a:schemeClr val="dk1"/>
+          </a:fillRef>
+          <a:effectRef idx="2">
+            <a:schemeClr val="dk1"/>
+          </a:effectRef>
+          <a:fontRef idx="minor">
+            <a:schemeClr val="tx1"/>
+          </a:fontRef>
+        </p:style>
+      </p:cxnSp>
+      <p:grpSp>
+        <p:nvGrpSpPr>
+          <p:cNvPr id="41" name="Group 40"/>
+          <p:cNvGrpSpPr/>
+          <p:nvPr/>
+        </p:nvGrpSpPr>
+        <p:grpSpPr>
+          <a:xfrm>
+            <a:off x="3218654" y="4565416"/>
+            <a:ext cx="1575779" cy="923003"/>
+            <a:chOff x="1866461" y="1303091"/>
+            <a:chExt cx="1575779" cy="923003"/>
+          </a:xfrm>
+        </p:grpSpPr>
+        <p:pic>
+          <p:nvPicPr>
+            <p:cNvPr id="42" name="Picture 41"/>
+            <p:cNvPicPr>
+              <a:picLocks noChangeAspect="1"/>
+            </p:cNvPicPr>
+            <p:nvPr/>
+          </p:nvPicPr>
+          <p:blipFill>
+            <a:blip r:embed="rId3">
+              <a:extLst>
+                <a:ext uri="{28A0092B-C50C-407E-A947-70E740481C1C}">
+                  <a14:useLocalDpi xmlns:a14="http://schemas.microsoft.com/office/drawing/2010/main" val="0"/>
+                </a:ext>
+              </a:extLst>
+            </a:blip>
+            <a:stretch>
+              <a:fillRect/>
+            </a:stretch>
+          </p:blipFill>
+          <p:spPr>
+            <a:xfrm>
+              <a:off x="1866461" y="1303091"/>
+              <a:ext cx="791145" cy="923003"/>
+            </a:xfrm>
+            <a:prstGeom prst="rect">
+              <a:avLst/>
+            </a:prstGeom>
+          </p:spPr>
+        </p:pic>
+        <p:sp>
+          <p:nvSpPr>
+            <p:cNvPr id="44" name="TextBox 43"/>
+            <p:cNvSpPr txBox="1"/>
+            <p:nvPr/>
+          </p:nvSpPr>
+          <p:spPr>
+            <a:xfrm>
+              <a:off x="2595149" y="1397314"/>
+              <a:ext cx="847091" cy="400110"/>
+            </a:xfrm>
+            <a:prstGeom prst="rect">
+              <a:avLst/>
+            </a:prstGeom>
+            <a:noFill/>
+          </p:spPr>
+          <p:txBody>
+            <a:bodyPr wrap="none" rtlCol="0">
+              <a:spAutoFit/>
+            </a:bodyPr>
+            <a:lstStyle/>
+            <a:p>
+              <a:r>
+                <a:rPr lang="en-US" sz="2000" dirty="0" smtClean="0"/>
+                <a:t>Host Y</a:t>
+              </a:r>
+              <a:endParaRPr lang="en-US" sz="2000" dirty="0"/>
+            </a:p>
+          </p:txBody>
+        </p:sp>
+      </p:grpSp>
+      <p:grpSp>
+        <p:nvGrpSpPr>
+          <p:cNvPr id="46" name="Group 45"/>
+          <p:cNvGrpSpPr/>
+          <p:nvPr/>
+        </p:nvGrpSpPr>
+        <p:grpSpPr>
+          <a:xfrm>
+            <a:off x="6586318" y="4565416"/>
+            <a:ext cx="1540832" cy="923003"/>
+            <a:chOff x="7190996" y="1318751"/>
+            <a:chExt cx="1540832" cy="923003"/>
+          </a:xfrm>
+        </p:grpSpPr>
+        <p:pic>
+          <p:nvPicPr>
+            <p:cNvPr id="48" name="Picture 47"/>
+            <p:cNvPicPr>
+              <a:picLocks noChangeAspect="1"/>
+            </p:cNvPicPr>
+            <p:nvPr/>
+          </p:nvPicPr>
+          <p:blipFill>
+            <a:blip r:embed="rId3">
+              <a:extLst>
+                <a:ext uri="{28A0092B-C50C-407E-A947-70E740481C1C}">
+                  <a14:useLocalDpi xmlns:a14="http://schemas.microsoft.com/office/drawing/2010/main" val="0"/>
+                </a:ext>
+              </a:extLst>
+            </a:blip>
+            <a:stretch>
+              <a:fillRect/>
+            </a:stretch>
+          </p:blipFill>
+          <p:spPr>
+            <a:xfrm>
+              <a:off x="7940683" y="1318751"/>
+              <a:ext cx="791145" cy="923003"/>
+            </a:xfrm>
+            <a:prstGeom prst="rect">
+              <a:avLst/>
+            </a:prstGeom>
+          </p:spPr>
+        </p:pic>
+        <p:sp>
+          <p:nvSpPr>
+            <p:cNvPr id="50" name="TextBox 49"/>
+            <p:cNvSpPr txBox="1"/>
+            <p:nvPr/>
+          </p:nvSpPr>
+          <p:spPr>
+            <a:xfrm>
+              <a:off x="7190996" y="1375218"/>
+              <a:ext cx="842282" cy="400110"/>
+            </a:xfrm>
+            <a:prstGeom prst="rect">
+              <a:avLst/>
+            </a:prstGeom>
+            <a:noFill/>
+          </p:spPr>
+          <p:txBody>
+            <a:bodyPr wrap="none" rtlCol="0">
+              <a:spAutoFit/>
+            </a:bodyPr>
+            <a:lstStyle/>
+            <a:p>
+              <a:r>
+                <a:rPr lang="en-US" sz="2000" dirty="0" smtClean="0"/>
+                <a:t>Host Z</a:t>
+              </a:r>
+              <a:endParaRPr lang="en-US" sz="2000" dirty="0"/>
+            </a:p>
+          </p:txBody>
+        </p:sp>
+      </p:grpSp>
+      <p:cxnSp>
+        <p:nvCxnSpPr>
+          <p:cNvPr id="22" name="Straight Connector 21"/>
+          <p:cNvCxnSpPr/>
+          <p:nvPr/>
+        </p:nvCxnSpPr>
+        <p:spPr>
+          <a:xfrm flipV="1">
+            <a:off x="3715247" y="3620602"/>
+            <a:ext cx="703486" cy="1039037"/>
+          </a:xfrm>
+          <a:prstGeom prst="line">
+            <a:avLst/>
+          </a:prstGeom>
+        </p:spPr>
+        <p:style>
+          <a:lnRef idx="3">
+            <a:schemeClr val="dk1"/>
+          </a:lnRef>
+          <a:fillRef idx="0">
+            <a:schemeClr val="dk1"/>
+          </a:fillRef>
+          <a:effectRef idx="2">
+            <a:schemeClr val="dk1"/>
+          </a:effectRef>
+          <a:fontRef idx="minor">
+            <a:schemeClr val="tx1"/>
+          </a:fontRef>
+        </p:style>
+      </p:cxnSp>
+      <p:cxnSp>
+        <p:nvCxnSpPr>
+          <p:cNvPr id="24" name="Straight Connector 23"/>
+          <p:cNvCxnSpPr/>
+          <p:nvPr/>
+        </p:nvCxnSpPr>
+        <p:spPr>
+          <a:xfrm flipH="1" flipV="1">
+            <a:off x="3637375" y="2085595"/>
+            <a:ext cx="781359" cy="1013250"/>
+          </a:xfrm>
+          <a:prstGeom prst="line">
+            <a:avLst/>
+          </a:prstGeom>
+        </p:spPr>
+        <p:style>
+          <a:lnRef idx="3">
+            <a:schemeClr val="dk1"/>
+          </a:lnRef>
+          <a:fillRef idx="0">
+            <a:schemeClr val="dk1"/>
+          </a:fillRef>
+          <a:effectRef idx="2">
+            <a:schemeClr val="dk1"/>
+          </a:effectRef>
+          <a:fontRef idx="minor">
+            <a:schemeClr val="tx1"/>
+          </a:fontRef>
+        </p:style>
+      </p:cxnSp>
+      <p:cxnSp>
+        <p:nvCxnSpPr>
+          <p:cNvPr id="26" name="Straight Connector 25"/>
+          <p:cNvCxnSpPr>
+            <a:stCxn id="28" idx="0"/>
+          </p:cNvCxnSpPr>
+          <p:nvPr/>
+        </p:nvCxnSpPr>
+        <p:spPr>
+          <a:xfrm flipV="1">
+            <a:off x="6945576" y="2085595"/>
+            <a:ext cx="750174" cy="1134897"/>
+          </a:xfrm>
+          <a:prstGeom prst="line">
+            <a:avLst/>
+          </a:prstGeom>
+        </p:spPr>
+        <p:style>
+          <a:lnRef idx="3">
+            <a:schemeClr val="dk1"/>
+          </a:lnRef>
+          <a:fillRef idx="0">
+            <a:schemeClr val="dk1"/>
+          </a:fillRef>
+          <a:effectRef idx="2">
+            <a:schemeClr val="dk1"/>
+          </a:effectRef>
+          <a:fontRef idx="minor">
+            <a:schemeClr val="tx1"/>
+          </a:fontRef>
+        </p:style>
+      </p:cxnSp>
+      <p:cxnSp>
+        <p:nvCxnSpPr>
+          <p:cNvPr id="39" name="Straight Connector 38"/>
+          <p:cNvCxnSpPr/>
+          <p:nvPr/>
+        </p:nvCxnSpPr>
+        <p:spPr>
+          <a:xfrm>
+            <a:off x="6831784" y="3677069"/>
+            <a:ext cx="729890" cy="944814"/>
+          </a:xfrm>
+          <a:prstGeom prst="line">
+            <a:avLst/>
+          </a:prstGeom>
+        </p:spPr>
+        <p:style>
+          <a:lnRef idx="3">
+            <a:schemeClr val="dk1"/>
+          </a:lnRef>
+          <a:fillRef idx="0">
+            <a:schemeClr val="dk1"/>
+          </a:fillRef>
+          <a:effectRef idx="2">
+            <a:schemeClr val="dk1"/>
+          </a:effectRef>
+          <a:fontRef idx="minor">
+            <a:schemeClr val="tx1"/>
+          </a:fontRef>
+        </p:style>
+      </p:cxnSp>
+      <p:sp>
+        <p:nvSpPr>
+          <p:cNvPr id="61" name="TextBox 60"/>
+          <p:cNvSpPr txBox="1"/>
+          <p:nvPr/>
+        </p:nvSpPr>
+        <p:spPr>
+          <a:xfrm>
+            <a:off x="7252998" y="2576022"/>
+            <a:ext cx="1199367" cy="400110"/>
+          </a:xfrm>
+          <a:prstGeom prst="rect">
+            <a:avLst/>
+          </a:prstGeom>
+          <a:noFill/>
+        </p:spPr>
+        <p:txBody>
+          <a:bodyPr wrap="none" rtlCol="0">
+            <a:spAutoFit/>
+          </a:bodyPr>
+          <a:lstStyle/>
+          <a:p>
+            <a:r>
+              <a:rPr lang="en-US" sz="2000" dirty="0" smtClean="0"/>
+              <a:t>VLAN 100</a:t>
+            </a:r>
+            <a:endParaRPr lang="en-US" sz="2000" dirty="0"/>
+          </a:p>
+        </p:txBody>
+      </p:sp>
+      <p:sp>
+        <p:nvSpPr>
+          <p:cNvPr id="62" name="TextBox 61"/>
+          <p:cNvSpPr txBox="1"/>
+          <p:nvPr/>
+        </p:nvSpPr>
+        <p:spPr>
+          <a:xfrm>
+            <a:off x="2966847" y="2576022"/>
+            <a:ext cx="1199367" cy="400110"/>
+          </a:xfrm>
+          <a:prstGeom prst="rect">
+            <a:avLst/>
+          </a:prstGeom>
+          <a:noFill/>
+        </p:spPr>
+        <p:txBody>
+          <a:bodyPr wrap="none" rtlCol="0">
+            <a:spAutoFit/>
+          </a:bodyPr>
+          <a:lstStyle/>
+          <a:p>
+            <a:r>
+              <a:rPr lang="en-US" sz="2000" smtClean="0"/>
+              <a:t>VLAN 100</a:t>
+            </a:r>
+            <a:endParaRPr lang="en-US" sz="2000" dirty="0"/>
+          </a:p>
+        </p:txBody>
+      </p:sp>
+      <p:sp>
+        <p:nvSpPr>
+          <p:cNvPr id="63" name="TextBox 62"/>
+          <p:cNvSpPr txBox="1"/>
+          <p:nvPr/>
+        </p:nvSpPr>
+        <p:spPr>
+          <a:xfrm>
+            <a:off x="2931917" y="3823461"/>
+            <a:ext cx="1199367" cy="400110"/>
+          </a:xfrm>
+          <a:prstGeom prst="rect">
+            <a:avLst/>
+          </a:prstGeom>
+          <a:noFill/>
+        </p:spPr>
+        <p:txBody>
+          <a:bodyPr wrap="none" rtlCol="0">
+            <a:spAutoFit/>
+          </a:bodyPr>
+          <a:lstStyle/>
+          <a:p>
+            <a:r>
+              <a:rPr lang="en-US" sz="2000" dirty="0" smtClean="0"/>
+              <a:t>VLAN 200</a:t>
+            </a:r>
+            <a:endParaRPr lang="en-US" sz="2000" dirty="0"/>
+          </a:p>
+        </p:txBody>
+      </p:sp>
+      <p:sp>
+        <p:nvSpPr>
+          <p:cNvPr id="65" name="TextBox 64"/>
+          <p:cNvSpPr txBox="1"/>
+          <p:nvPr/>
+        </p:nvSpPr>
+        <p:spPr>
+          <a:xfrm>
+            <a:off x="7096066" y="3823461"/>
+            <a:ext cx="1199367" cy="400110"/>
+          </a:xfrm>
+          <a:prstGeom prst="rect">
+            <a:avLst/>
+          </a:prstGeom>
+          <a:noFill/>
+        </p:spPr>
+        <p:txBody>
+          <a:bodyPr wrap="none" rtlCol="0">
+            <a:spAutoFit/>
+          </a:bodyPr>
+          <a:lstStyle/>
+          <a:p>
+            <a:r>
+              <a:rPr lang="en-US" sz="2000" smtClean="0"/>
+              <a:t>VLAN 200</a:t>
+            </a:r>
+            <a:endParaRPr lang="en-US" sz="2000" dirty="0"/>
+          </a:p>
+        </p:txBody>
+      </p:sp>
+    </p:spTree>
+    <p:extLst>
+      <p:ext uri="{BB962C8B-B14F-4D97-AF65-F5344CB8AC3E}">
+        <p14:creationId xmlns:p14="http://schemas.microsoft.com/office/powerpoint/2010/main" val="1682115820"/>
+      </p:ext>
+    </p:extLst>
+  </p:cSld>
+  <p:clrMapOvr>
+    <a:masterClrMapping/>
+  </p:clrMapOvr>
+</p:sld>
+</file>
+
+<file path=ppt/slides/slide8.xml><?xml version="1.0" encoding="utf-8"?>
+<p:sld xmlns:a="http://schemas.openxmlformats.org/drawingml/2006/main" xmlns:r="http://schemas.openxmlformats.org/officeDocument/2006/relationships" xmlns:p="http://schemas.openxmlformats.org/presentationml/2006/main">
+  <p:cSld>
+    <p:spTree>
+      <p:nvGrpSpPr>
+        <p:cNvPr id="1" name=""/>
+        <p:cNvGrpSpPr/>
+        <p:nvPr/>
+      </p:nvGrpSpPr>
+      <p:grpSpPr>
+        <a:xfrm>
+          <a:off x="0" y="0"/>
+          <a:ext cx="0" cy="0"/>
+          <a:chOff x="0" y="0"/>
+          <a:chExt cx="0" cy="0"/>
+        </a:xfrm>
+      </p:grpSpPr>
+      <p:sp>
+        <p:nvSpPr>
+          <p:cNvPr id="4" name="Rectangle 3"/>
+          <p:cNvSpPr/>
+          <p:nvPr/>
+        </p:nvSpPr>
+        <p:spPr>
+          <a:xfrm>
+            <a:off x="958645" y="1312607"/>
+            <a:ext cx="9247239" cy="752168"/>
+          </a:xfrm>
+          <a:prstGeom prst="rect">
+            <a:avLst/>
+          </a:prstGeom>
+          <a:noFill/>
+          <a:ln w="28575">
+            <a:solidFill>
+              <a:srgbClr val="00B0F0"/>
+            </a:solidFill>
+          </a:ln>
+        </p:spPr>
+        <p:style>
+          <a:lnRef idx="2">
+            <a:schemeClr val="accent1">
+              <a:shade val="50000"/>
+            </a:schemeClr>
+          </a:lnRef>
+          <a:fillRef idx="1">
+            <a:schemeClr val="accent1"/>
+          </a:fillRef>
+          <a:effectRef idx="0">
+            <a:schemeClr val="accent1"/>
+          </a:effectRef>
+          <a:fontRef idx="minor">
+            <a:schemeClr val="lt1"/>
+          </a:fontRef>
+        </p:style>
+        <p:txBody>
+          <a:bodyPr rtlCol="0" anchor="ctr"/>
+          <a:lstStyle/>
+          <a:p>
+            <a:pPr algn="ctr"/>
+            <a:endParaRPr lang="en-US"/>
+          </a:p>
+        </p:txBody>
+      </p:sp>
+      <p:cxnSp>
+        <p:nvCxnSpPr>
+          <p:cNvPr id="5" name="Straight Connector 4"/>
+          <p:cNvCxnSpPr/>
+          <p:nvPr/>
+        </p:nvCxnSpPr>
+        <p:spPr>
+          <a:xfrm>
+            <a:off x="2374497" y="1312607"/>
+            <a:ext cx="0" cy="752168"/>
+          </a:xfrm>
+          <a:prstGeom prst="line">
+            <a:avLst/>
+          </a:prstGeom>
+          <a:ln w="28575">
+            <a:solidFill>
+              <a:srgbClr val="00B0F0"/>
+            </a:solidFill>
+          </a:ln>
+        </p:spPr>
+        <p:style>
+          <a:lnRef idx="1">
+            <a:schemeClr val="accent1"/>
+          </a:lnRef>
+          <a:fillRef idx="0">
+            <a:schemeClr val="accent1"/>
+          </a:fillRef>
+          <a:effectRef idx="0">
+            <a:schemeClr val="accent1"/>
+          </a:effectRef>
+          <a:fontRef idx="minor">
+            <a:schemeClr val="tx1"/>
+          </a:fontRef>
+        </p:style>
+      </p:cxnSp>
+      <p:cxnSp>
+        <p:nvCxnSpPr>
+          <p:cNvPr id="6" name="Straight Connector 5"/>
+          <p:cNvCxnSpPr/>
+          <p:nvPr/>
+        </p:nvCxnSpPr>
+        <p:spPr>
+          <a:xfrm>
+            <a:off x="3780507" y="1312607"/>
+            <a:ext cx="0" cy="752168"/>
+          </a:xfrm>
+          <a:prstGeom prst="line">
+            <a:avLst/>
+          </a:prstGeom>
+          <a:ln w="28575">
+            <a:solidFill>
+              <a:srgbClr val="00B0F0"/>
+            </a:solidFill>
+          </a:ln>
+        </p:spPr>
+        <p:style>
+          <a:lnRef idx="1">
+            <a:schemeClr val="accent1"/>
+          </a:lnRef>
+          <a:fillRef idx="0">
+            <a:schemeClr val="accent1"/>
+          </a:fillRef>
+          <a:effectRef idx="0">
+            <a:schemeClr val="accent1"/>
+          </a:effectRef>
+          <a:fontRef idx="minor">
+            <a:schemeClr val="tx1"/>
+          </a:fontRef>
+        </p:style>
+      </p:cxnSp>
+      <p:cxnSp>
+        <p:nvCxnSpPr>
+          <p:cNvPr id="7" name="Straight Connector 6"/>
+          <p:cNvCxnSpPr/>
+          <p:nvPr/>
+        </p:nvCxnSpPr>
+        <p:spPr>
+          <a:xfrm>
+            <a:off x="5157027" y="1312607"/>
+            <a:ext cx="0" cy="752168"/>
+          </a:xfrm>
+          <a:prstGeom prst="line">
+            <a:avLst/>
+          </a:prstGeom>
+          <a:ln w="28575">
+            <a:solidFill>
+              <a:srgbClr val="00B0F0"/>
+            </a:solidFill>
+          </a:ln>
+        </p:spPr>
+        <p:style>
+          <a:lnRef idx="1">
+            <a:schemeClr val="accent1"/>
+          </a:lnRef>
+          <a:fillRef idx="0">
+            <a:schemeClr val="accent1"/>
+          </a:fillRef>
+          <a:effectRef idx="0">
+            <a:schemeClr val="accent1"/>
+          </a:effectRef>
+          <a:fontRef idx="minor">
+            <a:schemeClr val="tx1"/>
+          </a:fontRef>
+        </p:style>
+      </p:cxnSp>
+      <p:sp>
+        <p:nvSpPr>
+          <p:cNvPr id="8" name="Rectangle 7"/>
           <p:cNvSpPr/>
           <p:nvPr/>
         </p:nvSpPr>
@@ -8273,7 +11045,7 @@
       </p:sp>
       <p:sp>
         <p:nvSpPr>
-          <p:cNvPr id="8" name="TextBox 7"/>
+          <p:cNvPr id="9" name="TextBox 8"/>
           <p:cNvSpPr txBox="1"/>
           <p:nvPr/>
         </p:nvSpPr>
@@ -8319,7 +11091,7 @@
       </p:sp>
       <p:sp>
         <p:nvSpPr>
-          <p:cNvPr id="16" name="TextBox 15"/>
+          <p:cNvPr id="10" name="TextBox 9"/>
           <p:cNvSpPr txBox="1"/>
           <p:nvPr/>
         </p:nvSpPr>
@@ -8358,7 +11130,7 @@
       </p:sp>
       <p:sp>
         <p:nvSpPr>
-          <p:cNvPr id="42" name="TextBox 41"/>
+          <p:cNvPr id="11" name="TextBox 10"/>
           <p:cNvSpPr txBox="1"/>
           <p:nvPr/>
         </p:nvSpPr>
@@ -8398,7 +11170,6 @@
               <a:rPr lang="en-US" dirty="0" smtClean="0"/>
               <a:t>IP</a:t>
             </a:r>
-            <a:endParaRPr lang="en-US" dirty="0" smtClean="0"/>
           </a:p>
           <a:p>
             <a:pPr algn="ctr">
@@ -8416,7 +11187,7 @@
       </p:sp>
       <p:sp>
         <p:nvSpPr>
-          <p:cNvPr id="43" name="TextBox 42"/>
+          <p:cNvPr id="12" name="TextBox 11"/>
           <p:cNvSpPr txBox="1"/>
           <p:nvPr/>
         </p:nvSpPr>
@@ -8473,7 +11244,7 @@
       </p:sp>
       <p:cxnSp>
         <p:nvCxnSpPr>
-          <p:cNvPr id="44" name="Straight Connector 43"/>
+          <p:cNvPr id="13" name="Straight Connector 12"/>
           <p:cNvCxnSpPr/>
           <p:nvPr/>
         </p:nvCxnSpPr>
@@ -8508,7 +11279,7 @@
       </p:cxnSp>
       <p:sp>
         <p:nvSpPr>
-          <p:cNvPr id="45" name="TextBox 44"/>
+          <p:cNvPr id="14" name="TextBox 13"/>
           <p:cNvSpPr txBox="1"/>
           <p:nvPr/>
         </p:nvSpPr>
@@ -8535,11 +11306,7 @@
             </a:pPr>
             <a:r>
               <a:rPr lang="en-US" dirty="0" smtClean="0"/>
-              <a:t>Inner</a:t>
-            </a:r>
-            <a:r>
-              <a:rPr lang="en-US" dirty="0" smtClean="0"/>
-              <a:t> Ethernet</a:t>
+              <a:t>Inner Ethernet</a:t>
             </a:r>
           </a:p>
           <a:p>
@@ -8558,7 +11325,7 @@
       </p:sp>
       <p:sp>
         <p:nvSpPr>
-          <p:cNvPr id="46" name="TextBox 45"/>
+          <p:cNvPr id="15" name="TextBox 14"/>
           <p:cNvSpPr txBox="1"/>
           <p:nvPr/>
         </p:nvSpPr>
@@ -8604,7 +11371,7 @@
       </p:sp>
       <p:grpSp>
         <p:nvGrpSpPr>
-          <p:cNvPr id="63" name="Group 62"/>
+          <p:cNvPr id="16" name="Group 15"/>
           <p:cNvGrpSpPr/>
           <p:nvPr/>
         </p:nvGrpSpPr>
@@ -8618,7 +11385,7 @@
         </p:grpSpPr>
         <p:sp>
           <p:nvSpPr>
-            <p:cNvPr id="48" name="Rectangle 47"/>
+            <p:cNvPr id="17" name="Rectangle 16"/>
             <p:cNvSpPr/>
             <p:nvPr/>
           </p:nvSpPr>
@@ -8664,7 +11431,7 @@
         </p:sp>
         <p:cxnSp>
           <p:nvCxnSpPr>
-            <p:cNvPr id="50" name="Straight Connector 49"/>
+            <p:cNvPr id="18" name="Straight Connector 17"/>
             <p:cNvCxnSpPr/>
             <p:nvPr/>
           </p:nvCxnSpPr>
@@ -8699,7 +11466,7 @@
         </p:cxnSp>
         <p:cxnSp>
           <p:nvCxnSpPr>
-            <p:cNvPr id="51" name="Straight Connector 50"/>
+            <p:cNvPr id="19" name="Straight Connector 18"/>
             <p:cNvCxnSpPr/>
             <p:nvPr/>
           </p:nvCxnSpPr>
@@ -8734,7 +11501,7 @@
         </p:cxnSp>
         <p:sp>
           <p:nvSpPr>
-            <p:cNvPr id="55" name="TextBox 54"/>
+            <p:cNvPr id="20" name="TextBox 19"/>
             <p:cNvSpPr txBox="1"/>
             <p:nvPr/>
           </p:nvSpPr>
@@ -8769,7 +11536,7 @@
         </p:sp>
         <p:cxnSp>
           <p:nvCxnSpPr>
-            <p:cNvPr id="57" name="Straight Connector 56"/>
+            <p:cNvPr id="21" name="Straight Connector 20"/>
             <p:cNvCxnSpPr/>
             <p:nvPr/>
           </p:nvCxnSpPr>
@@ -8804,7 +11571,7 @@
         </p:cxnSp>
         <p:sp>
           <p:nvSpPr>
-            <p:cNvPr id="58" name="TextBox 57"/>
+            <p:cNvPr id="22" name="TextBox 21"/>
             <p:cNvSpPr txBox="1"/>
             <p:nvPr/>
           </p:nvSpPr>
@@ -8839,7 +11606,7 @@
         </p:sp>
         <p:sp>
           <p:nvSpPr>
-            <p:cNvPr id="60" name="TextBox 59"/>
+            <p:cNvPr id="23" name="TextBox 22"/>
             <p:cNvSpPr txBox="1"/>
             <p:nvPr/>
           </p:nvSpPr>
@@ -8874,7 +11641,7 @@
         </p:sp>
         <p:sp>
           <p:nvSpPr>
-            <p:cNvPr id="62" name="TextBox 61"/>
+            <p:cNvPr id="24" name="TextBox 23"/>
             <p:cNvSpPr txBox="1"/>
             <p:nvPr/>
           </p:nvSpPr>
@@ -8910,7 +11677,7 @@
       </p:grpSp>
       <p:cxnSp>
         <p:nvCxnSpPr>
-          <p:cNvPr id="64" name="Straight Connector 63"/>
+          <p:cNvPr id="25" name="Straight Connector 24"/>
           <p:cNvCxnSpPr/>
           <p:nvPr/>
         </p:nvCxnSpPr>
@@ -8946,7 +11713,7 @@
       </p:cxnSp>
       <p:cxnSp>
         <p:nvCxnSpPr>
-          <p:cNvPr id="68" name="Straight Connector 67"/>
+          <p:cNvPr id="26" name="Straight Connector 25"/>
           <p:cNvCxnSpPr/>
           <p:nvPr/>
         </p:nvCxnSpPr>
@@ -8982,7 +11749,7 @@
       </p:cxnSp>
       <p:sp>
         <p:nvSpPr>
-          <p:cNvPr id="71" name="TextBox 70"/>
+          <p:cNvPr id="27" name="TextBox 26"/>
           <p:cNvSpPr txBox="1"/>
           <p:nvPr/>
         </p:nvSpPr>
@@ -9007,13 +11774,12 @@
               <a:rPr lang="en-US" sz="2200" dirty="0"/>
               <a:t>8</a:t>
             </a:r>
-            <a:endParaRPr lang="en-US" sz="2200" dirty="0"/>
-          </a:p>
-        </p:txBody>
-      </p:sp>
-      <p:sp>
-        <p:nvSpPr>
-          <p:cNvPr id="72" name="TextBox 71"/>
+          </a:p>
+        </p:txBody>
+      </p:sp>
+      <p:sp>
+        <p:nvSpPr>
+          <p:cNvPr id="28" name="TextBox 27"/>
           <p:cNvSpPr txBox="1"/>
           <p:nvPr/>
         </p:nvSpPr>
@@ -9044,7 +11810,7 @@
       </p:sp>
       <p:sp>
         <p:nvSpPr>
-          <p:cNvPr id="73" name="TextBox 72"/>
+          <p:cNvPr id="29" name="TextBox 28"/>
           <p:cNvSpPr txBox="1"/>
           <p:nvPr/>
         </p:nvSpPr>
@@ -9075,7 +11841,7 @@
       </p:sp>
       <p:sp>
         <p:nvSpPr>
-          <p:cNvPr id="74" name="TextBox 73"/>
+          <p:cNvPr id="30" name="TextBox 29"/>
           <p:cNvSpPr txBox="1"/>
           <p:nvPr/>
         </p:nvSpPr>
@@ -9106,10 +11872,8 @@
       </p:sp>
       <p:cxnSp>
         <p:nvCxnSpPr>
-          <p:cNvPr id="75" name="Straight Connector 74"/>
-          <p:cNvCxnSpPr>
-            <a:endCxn id="76" idx="3"/>
-          </p:cNvCxnSpPr>
+          <p:cNvPr id="31" name="Straight Connector 30"/>
+          <p:cNvCxnSpPr/>
           <p:nvPr/>
         </p:nvCxnSpPr>
         <p:spPr>
@@ -9146,7 +11910,7 @@
       </p:cxnSp>
       <p:sp>
         <p:nvSpPr>
-          <p:cNvPr id="76" name="TextBox 75"/>
+          <p:cNvPr id="32" name="TextBox 31"/>
           <p:cNvSpPr txBox="1"/>
           <p:nvPr/>
         </p:nvSpPr>
@@ -9186,20 +11950,13 @@
     </p:spTree>
     <p:extLst>
       <p:ext uri="{BB962C8B-B14F-4D97-AF65-F5344CB8AC3E}">
-        <p14:creationId xmlns:p14="http://schemas.microsoft.com/office/powerpoint/2010/main" val="1669432828"/>
+        <p14:creationId xmlns:p14="http://schemas.microsoft.com/office/powerpoint/2010/main" val="197429543"/>
       </p:ext>
     </p:extLst>
   </p:cSld>
   <p:clrMapOvr>
     <a:masterClrMapping/>
   </p:clrMapOvr>
-  <p:timing>
-    <p:tnLst>
-      <p:par>
-        <p:cTn id="1" dur="indefinite" restart="never" nodeType="tmRoot"/>
-      </p:par>
-    </p:tnLst>
-  </p:timing>
 </p:sld>
 </file>
 
